--- a/Identity Server setup for mobile.pptx
+++ b/Identity Server setup for mobile.pptx
@@ -11,7 +11,7 @@
     <p:sldId id="264" r:id="rId5"/>
     <p:sldId id="265" r:id="rId6"/>
     <p:sldId id="266" r:id="rId7"/>
-    <p:sldId id="267" r:id="rId8"/>
+    <p:sldId id="268" r:id="rId8"/>
     <p:sldId id="261" r:id="rId9"/>
   </p:sldIdLst>
   <p:sldSz cx="9144000" cy="6858000" type="screen4x3"/>
@@ -113,7 +113,7 @@
   </p:defaultTextStyle>
   <p:extLst>
     <p:ext uri="{EFAFB233-063F-42B5-8137-9DF3F51BA10A}">
-      <p15:sldGuideLst xmlns:p15="http://schemas.microsoft.com/office/powerpoint/2012/main" xmlns="">
+      <p15:sldGuideLst xmlns="" xmlns:p15="http://schemas.microsoft.com/office/powerpoint/2012/main">
         <p15:guide id="1" orient="horz" pos="2160">
           <p15:clr>
             <a:srgbClr val="A4A3A4"/>
@@ -3042,7 +3042,7 @@
           <p:cNvPr id="5" name="Connector: Elbow 4">
             <a:extLst>
               <a:ext uri="{FF2B5EF4-FFF2-40B4-BE49-F238E27FC236}">
-                <a16:creationId xmlns:a16="http://schemas.microsoft.com/office/drawing/2014/main" xmlns="" id="{07F4B9D1-3DCD-4089-B684-AF0F7EA4C5CB}"/>
+                <a16:creationId xmlns="" xmlns:a16="http://schemas.microsoft.com/office/drawing/2014/main" id="{07F4B9D1-3DCD-4089-B684-AF0F7EA4C5CB}"/>
               </a:ext>
             </a:extLst>
           </p:cNvPr>
@@ -3106,7 +3106,7 @@
           <p:cNvPr id="28" name="Picture 27" descr="C:\Users\TH9628\Desktop\mobile-icon-icon-52143.png">
             <a:extLst>
               <a:ext uri="{FF2B5EF4-FFF2-40B4-BE49-F238E27FC236}">
-                <a16:creationId xmlns:a16="http://schemas.microsoft.com/office/drawing/2014/main" xmlns="" id="{D4B51764-F3F4-4F51-A934-FF4BBF202392}"/>
+                <a16:creationId xmlns="" xmlns:a16="http://schemas.microsoft.com/office/drawing/2014/main" id="{D4B51764-F3F4-4F51-A934-FF4BBF202392}"/>
               </a:ext>
             </a:extLst>
           </p:cNvPr>
@@ -3143,7 +3143,7 @@
           <p:cNvPr id="2" name="Group 1">
             <a:extLst>
               <a:ext uri="{FF2B5EF4-FFF2-40B4-BE49-F238E27FC236}">
-                <a16:creationId xmlns:a16="http://schemas.microsoft.com/office/drawing/2014/main" xmlns="" id="{558F2DE3-40EF-4DFE-B531-D76F501029D2}"/>
+                <a16:creationId xmlns="" xmlns:a16="http://schemas.microsoft.com/office/drawing/2014/main" id="{558F2DE3-40EF-4DFE-B531-D76F501029D2}"/>
               </a:ext>
             </a:extLst>
           </p:cNvPr>
@@ -3163,7 +3163,7 @@
             <p:cNvPr id="30" name="Rectangle 29">
               <a:extLst>
                 <a:ext uri="{FF2B5EF4-FFF2-40B4-BE49-F238E27FC236}">
-                  <a16:creationId xmlns:a16="http://schemas.microsoft.com/office/drawing/2014/main" xmlns="" id="{77F64BD2-2286-4412-A375-6114E13FFE17}"/>
+                  <a16:creationId xmlns="" xmlns:a16="http://schemas.microsoft.com/office/drawing/2014/main" id="{77F64BD2-2286-4412-A375-6114E13FFE17}"/>
                 </a:ext>
               </a:extLst>
             </p:cNvPr>
@@ -3227,7 +3227,7 @@
             <p:cNvPr id="31" name="Picture 30" descr="C:\Users\TH9628\Desktop\openid-icon-250x250.png">
               <a:extLst>
                 <a:ext uri="{FF2B5EF4-FFF2-40B4-BE49-F238E27FC236}">
-                  <a16:creationId xmlns:a16="http://schemas.microsoft.com/office/drawing/2014/main" xmlns="" id="{615F20A6-119B-45DA-8BB2-F92B9C42AF8A}"/>
+                  <a16:creationId xmlns="" xmlns:a16="http://schemas.microsoft.com/office/drawing/2014/main" id="{615F20A6-119B-45DA-8BB2-F92B9C42AF8A}"/>
                 </a:ext>
               </a:extLst>
             </p:cNvPr>
@@ -3267,7 +3267,7 @@
           <p:cNvPr id="45" name="Rectangle 44">
             <a:extLst>
               <a:ext uri="{FF2B5EF4-FFF2-40B4-BE49-F238E27FC236}">
-                <a16:creationId xmlns:a16="http://schemas.microsoft.com/office/drawing/2014/main" xmlns="" id="{C683D576-5EC9-4016-8D09-4F5E7AD4A61C}"/>
+                <a16:creationId xmlns="" xmlns:a16="http://schemas.microsoft.com/office/drawing/2014/main" id="{C683D576-5EC9-4016-8D09-4F5E7AD4A61C}"/>
               </a:ext>
             </a:extLst>
           </p:cNvPr>
@@ -3331,7 +3331,7 @@
           <p:cNvPr id="10" name="Straight Arrow Connector 9">
             <a:extLst>
               <a:ext uri="{FF2B5EF4-FFF2-40B4-BE49-F238E27FC236}">
-                <a16:creationId xmlns:a16="http://schemas.microsoft.com/office/drawing/2014/main" xmlns="" id="{57CEDCF5-C13B-48D6-82E6-96B30FA35DCB}"/>
+                <a16:creationId xmlns="" xmlns:a16="http://schemas.microsoft.com/office/drawing/2014/main" id="{57CEDCF5-C13B-48D6-82E6-96B30FA35DCB}"/>
               </a:ext>
             </a:extLst>
           </p:cNvPr>
@@ -3372,7 +3372,7 @@
           <p:cNvPr id="17" name="TextBox 16">
             <a:extLst>
               <a:ext uri="{FF2B5EF4-FFF2-40B4-BE49-F238E27FC236}">
-                <a16:creationId xmlns:a16="http://schemas.microsoft.com/office/drawing/2014/main" xmlns="" id="{ED6DBD98-4CF4-4B13-BB66-8C427F28371C}"/>
+                <a16:creationId xmlns="" xmlns:a16="http://schemas.microsoft.com/office/drawing/2014/main" id="{ED6DBD98-4CF4-4B13-BB66-8C427F28371C}"/>
               </a:ext>
             </a:extLst>
           </p:cNvPr>
@@ -3411,7 +3411,7 @@
           <p:cNvPr id="59" name="TextBox 58">
             <a:extLst>
               <a:ext uri="{FF2B5EF4-FFF2-40B4-BE49-F238E27FC236}">
-                <a16:creationId xmlns:a16="http://schemas.microsoft.com/office/drawing/2014/main" xmlns="" id="{AD9413A6-CD61-461B-9F2F-0ED9B40A173F}"/>
+                <a16:creationId xmlns="" xmlns:a16="http://schemas.microsoft.com/office/drawing/2014/main" id="{AD9413A6-CD61-461B-9F2F-0ED9B40A173F}"/>
               </a:ext>
             </a:extLst>
           </p:cNvPr>
@@ -3446,7 +3446,7 @@
           <p:cNvPr id="61" name="Straight Arrow Connector 60">
             <a:extLst>
               <a:ext uri="{FF2B5EF4-FFF2-40B4-BE49-F238E27FC236}">
-                <a16:creationId xmlns:a16="http://schemas.microsoft.com/office/drawing/2014/main" xmlns="" id="{E48ED2D1-D231-4F22-977C-AD22F8813228}"/>
+                <a16:creationId xmlns="" xmlns:a16="http://schemas.microsoft.com/office/drawing/2014/main" id="{E48ED2D1-D231-4F22-977C-AD22F8813228}"/>
               </a:ext>
             </a:extLst>
           </p:cNvPr>
@@ -3487,7 +3487,7 @@
           <p:cNvPr id="65" name="TextBox 64">
             <a:extLst>
               <a:ext uri="{FF2B5EF4-FFF2-40B4-BE49-F238E27FC236}">
-                <a16:creationId xmlns:a16="http://schemas.microsoft.com/office/drawing/2014/main" xmlns="" id="{10C46527-8D22-4F84-B803-EB84BA6455E7}"/>
+                <a16:creationId xmlns="" xmlns:a16="http://schemas.microsoft.com/office/drawing/2014/main" id="{10C46527-8D22-4F84-B803-EB84BA6455E7}"/>
               </a:ext>
             </a:extLst>
           </p:cNvPr>
@@ -3522,7 +3522,7 @@
           <p:cNvPr id="66" name="Flowchart: Connector 65">
             <a:extLst>
               <a:ext uri="{FF2B5EF4-FFF2-40B4-BE49-F238E27FC236}">
-                <a16:creationId xmlns:a16="http://schemas.microsoft.com/office/drawing/2014/main" xmlns="" id="{A90E65CB-93AE-4B64-B550-A32FEBF3FE3B}"/>
+                <a16:creationId xmlns="" xmlns:a16="http://schemas.microsoft.com/office/drawing/2014/main" id="{A90E65CB-93AE-4B64-B550-A32FEBF3FE3B}"/>
               </a:ext>
             </a:extLst>
           </p:cNvPr>
@@ -3676,7 +3676,7 @@
           <p:cNvPr id="69" name="Rectangle 68">
             <a:extLst>
               <a:ext uri="{FF2B5EF4-FFF2-40B4-BE49-F238E27FC236}">
-                <a16:creationId xmlns:a16="http://schemas.microsoft.com/office/drawing/2014/main" xmlns="" id="{3835F5FC-E7BE-4604-A923-87E02B8BF0CE}"/>
+                <a16:creationId xmlns="" xmlns:a16="http://schemas.microsoft.com/office/drawing/2014/main" id="{3835F5FC-E7BE-4604-A923-87E02B8BF0CE}"/>
               </a:ext>
             </a:extLst>
           </p:cNvPr>
@@ -3728,7 +3728,7 @@
           <p:cNvPr id="76" name="Rectangle 75">
             <a:extLst>
               <a:ext uri="{FF2B5EF4-FFF2-40B4-BE49-F238E27FC236}">
-                <a16:creationId xmlns:a16="http://schemas.microsoft.com/office/drawing/2014/main" xmlns="" id="{FEF0267C-3D79-42DD-A934-2502F6B36D3A}"/>
+                <a16:creationId xmlns="" xmlns:a16="http://schemas.microsoft.com/office/drawing/2014/main" id="{FEF0267C-3D79-42DD-A934-2502F6B36D3A}"/>
               </a:ext>
             </a:extLst>
           </p:cNvPr>
@@ -3780,7 +3780,7 @@
           <p:cNvPr id="77" name="Straight Arrow Connector 76">
             <a:extLst>
               <a:ext uri="{FF2B5EF4-FFF2-40B4-BE49-F238E27FC236}">
-                <a16:creationId xmlns:a16="http://schemas.microsoft.com/office/drawing/2014/main" xmlns="" id="{8C5816E6-BC1D-4E0C-8CC9-7FC07751B5B1}"/>
+                <a16:creationId xmlns="" xmlns:a16="http://schemas.microsoft.com/office/drawing/2014/main" id="{8C5816E6-BC1D-4E0C-8CC9-7FC07751B5B1}"/>
               </a:ext>
             </a:extLst>
           </p:cNvPr>
@@ -3821,7 +3821,7 @@
           <p:cNvPr id="49" name="Flowchart: Connector 48">
             <a:extLst>
               <a:ext uri="{FF2B5EF4-FFF2-40B4-BE49-F238E27FC236}">
-                <a16:creationId xmlns:a16="http://schemas.microsoft.com/office/drawing/2014/main" xmlns="" id="{5EBB35A8-4016-4709-8535-D113E611B2A7}"/>
+                <a16:creationId xmlns="" xmlns:a16="http://schemas.microsoft.com/office/drawing/2014/main" id="{5EBB35A8-4016-4709-8535-D113E611B2A7}"/>
               </a:ext>
             </a:extLst>
           </p:cNvPr>
@@ -3975,7 +3975,7 @@
           <p:cNvPr id="86" name="TextBox 85">
             <a:extLst>
               <a:ext uri="{FF2B5EF4-FFF2-40B4-BE49-F238E27FC236}">
-                <a16:creationId xmlns:a16="http://schemas.microsoft.com/office/drawing/2014/main" xmlns="" id="{B9F8B263-8618-4071-91E7-95E187F8E02A}"/>
+                <a16:creationId xmlns="" xmlns:a16="http://schemas.microsoft.com/office/drawing/2014/main" id="{B9F8B263-8618-4071-91E7-95E187F8E02A}"/>
               </a:ext>
             </a:extLst>
           </p:cNvPr>
@@ -4026,7 +4026,7 @@
           <p:cNvPr id="88" name="Flowchart: Connector 87">
             <a:extLst>
               <a:ext uri="{FF2B5EF4-FFF2-40B4-BE49-F238E27FC236}">
-                <a16:creationId xmlns:a16="http://schemas.microsoft.com/office/drawing/2014/main" xmlns="" id="{BF13F9D4-8991-4F09-897F-C636437B70B8}"/>
+                <a16:creationId xmlns="" xmlns:a16="http://schemas.microsoft.com/office/drawing/2014/main" id="{BF13F9D4-8991-4F09-897F-C636437B70B8}"/>
               </a:ext>
             </a:extLst>
           </p:cNvPr>
@@ -4180,7 +4180,7 @@
           <p:cNvPr id="1032" name="Picture 8" descr="Image result for facebook icon">
             <a:extLst>
               <a:ext uri="{FF2B5EF4-FFF2-40B4-BE49-F238E27FC236}">
-                <a16:creationId xmlns:a16="http://schemas.microsoft.com/office/drawing/2014/main" xmlns="" id="{C4609DA3-0B5B-4A25-AC2F-E95E8890705A}"/>
+                <a16:creationId xmlns="" xmlns:a16="http://schemas.microsoft.com/office/drawing/2014/main" id="{C4609DA3-0B5B-4A25-AC2F-E95E8890705A}"/>
               </a:ext>
             </a:extLst>
           </p:cNvPr>
@@ -4227,7 +4227,7 @@
           <p:cNvPr id="107" name="Straight Arrow Connector 106">
             <a:extLst>
               <a:ext uri="{FF2B5EF4-FFF2-40B4-BE49-F238E27FC236}">
-                <a16:creationId xmlns:a16="http://schemas.microsoft.com/office/drawing/2014/main" xmlns="" id="{149A0104-F85D-49D5-A24B-1ECFCB0B43BC}"/>
+                <a16:creationId xmlns="" xmlns:a16="http://schemas.microsoft.com/office/drawing/2014/main" id="{149A0104-F85D-49D5-A24B-1ECFCB0B43BC}"/>
               </a:ext>
             </a:extLst>
           </p:cNvPr>
@@ -4270,7 +4270,7 @@
           <p:cNvPr id="110" name="Flowchart: Connector 109">
             <a:extLst>
               <a:ext uri="{FF2B5EF4-FFF2-40B4-BE49-F238E27FC236}">
-                <a16:creationId xmlns:a16="http://schemas.microsoft.com/office/drawing/2014/main" xmlns="" id="{49A38BBE-B663-4015-B626-E4068562CBFD}"/>
+                <a16:creationId xmlns="" xmlns:a16="http://schemas.microsoft.com/office/drawing/2014/main" id="{49A38BBE-B663-4015-B626-E4068562CBFD}"/>
               </a:ext>
             </a:extLst>
           </p:cNvPr>
@@ -4424,7 +4424,7 @@
           <p:cNvPr id="111" name="TextBox 110">
             <a:extLst>
               <a:ext uri="{FF2B5EF4-FFF2-40B4-BE49-F238E27FC236}">
-                <a16:creationId xmlns:a16="http://schemas.microsoft.com/office/drawing/2014/main" xmlns="" id="{745A9CE1-9395-482C-8A75-EFDFEE608537}"/>
+                <a16:creationId xmlns="" xmlns:a16="http://schemas.microsoft.com/office/drawing/2014/main" id="{745A9CE1-9395-482C-8A75-EFDFEE608537}"/>
               </a:ext>
             </a:extLst>
           </p:cNvPr>
@@ -4459,7 +4459,7 @@
           <p:cNvPr id="112" name="Straight Arrow Connector 111">
             <a:extLst>
               <a:ext uri="{FF2B5EF4-FFF2-40B4-BE49-F238E27FC236}">
-                <a16:creationId xmlns:a16="http://schemas.microsoft.com/office/drawing/2014/main" xmlns="" id="{565432E8-C96E-4308-82DA-03825A3787B4}"/>
+                <a16:creationId xmlns="" xmlns:a16="http://schemas.microsoft.com/office/drawing/2014/main" id="{565432E8-C96E-4308-82DA-03825A3787B4}"/>
               </a:ext>
             </a:extLst>
           </p:cNvPr>
@@ -4500,7 +4500,7 @@
           <p:cNvPr id="115" name="Flowchart: Connector 114">
             <a:extLst>
               <a:ext uri="{FF2B5EF4-FFF2-40B4-BE49-F238E27FC236}">
-                <a16:creationId xmlns:a16="http://schemas.microsoft.com/office/drawing/2014/main" xmlns="" id="{201E6C7D-F239-4802-B18A-059D23463F5F}"/>
+                <a16:creationId xmlns="" xmlns:a16="http://schemas.microsoft.com/office/drawing/2014/main" id="{201E6C7D-F239-4802-B18A-059D23463F5F}"/>
               </a:ext>
             </a:extLst>
           </p:cNvPr>
@@ -4654,7 +4654,7 @@
           <p:cNvPr id="116" name="Straight Arrow Connector 115">
             <a:extLst>
               <a:ext uri="{FF2B5EF4-FFF2-40B4-BE49-F238E27FC236}">
-                <a16:creationId xmlns:a16="http://schemas.microsoft.com/office/drawing/2014/main" xmlns="" id="{D47C5099-091C-4D75-B9EB-D7E04799C66A}"/>
+                <a16:creationId xmlns="" xmlns:a16="http://schemas.microsoft.com/office/drawing/2014/main" id="{D47C5099-091C-4D75-B9EB-D7E04799C66A}"/>
               </a:ext>
             </a:extLst>
           </p:cNvPr>
@@ -4695,7 +4695,7 @@
           <p:cNvPr id="117" name="Flowchart: Connector 116">
             <a:extLst>
               <a:ext uri="{FF2B5EF4-FFF2-40B4-BE49-F238E27FC236}">
-                <a16:creationId xmlns:a16="http://schemas.microsoft.com/office/drawing/2014/main" xmlns="" id="{4CC788C4-4835-4E95-AEE8-4AC2760AF81A}"/>
+                <a16:creationId xmlns="" xmlns:a16="http://schemas.microsoft.com/office/drawing/2014/main" id="{4CC788C4-4835-4E95-AEE8-4AC2760AF81A}"/>
               </a:ext>
             </a:extLst>
           </p:cNvPr>
@@ -4849,7 +4849,7 @@
           <p:cNvPr id="118" name="TextBox 117">
             <a:extLst>
               <a:ext uri="{FF2B5EF4-FFF2-40B4-BE49-F238E27FC236}">
-                <a16:creationId xmlns:a16="http://schemas.microsoft.com/office/drawing/2014/main" xmlns="" id="{BD1FA744-267A-48F8-8957-BD5B7F8B68A3}"/>
+                <a16:creationId xmlns="" xmlns:a16="http://schemas.microsoft.com/office/drawing/2014/main" id="{BD1FA744-267A-48F8-8957-BD5B7F8B68A3}"/>
               </a:ext>
             </a:extLst>
           </p:cNvPr>
@@ -4892,7 +4892,7 @@
           <p:cNvPr id="21" name="Connector: Elbow 20">
             <a:extLst>
               <a:ext uri="{FF2B5EF4-FFF2-40B4-BE49-F238E27FC236}">
-                <a16:creationId xmlns:a16="http://schemas.microsoft.com/office/drawing/2014/main" xmlns="" id="{7D914455-2ABC-4552-BB10-4096CA933370}"/>
+                <a16:creationId xmlns="" xmlns:a16="http://schemas.microsoft.com/office/drawing/2014/main" id="{7D914455-2ABC-4552-BB10-4096CA933370}"/>
               </a:ext>
             </a:extLst>
           </p:cNvPr>
@@ -4934,7 +4934,7 @@
           <p:cNvPr id="58" name="Flowchart: Connector 57">
             <a:extLst>
               <a:ext uri="{FF2B5EF4-FFF2-40B4-BE49-F238E27FC236}">
-                <a16:creationId xmlns:a16="http://schemas.microsoft.com/office/drawing/2014/main" xmlns="" id="{9C3E27BA-2189-4B40-AD1A-7D1F339FF262}"/>
+                <a16:creationId xmlns="" xmlns:a16="http://schemas.microsoft.com/office/drawing/2014/main" id="{9C3E27BA-2189-4B40-AD1A-7D1F339FF262}"/>
               </a:ext>
             </a:extLst>
           </p:cNvPr>
@@ -5088,7 +5088,7 @@
           <p:cNvPr id="101" name="TextBox 100">
             <a:extLst>
               <a:ext uri="{FF2B5EF4-FFF2-40B4-BE49-F238E27FC236}">
-                <a16:creationId xmlns:a16="http://schemas.microsoft.com/office/drawing/2014/main" xmlns="" id="{72A97373-F0D4-4124-B988-BFA2DDC4452D}"/>
+                <a16:creationId xmlns="" xmlns:a16="http://schemas.microsoft.com/office/drawing/2014/main" id="{72A97373-F0D4-4124-B988-BFA2DDC4452D}"/>
               </a:ext>
             </a:extLst>
           </p:cNvPr>
@@ -5123,7 +5123,7 @@
           <p:cNvPr id="35" name="Flowchart: Connector 34">
             <a:extLst>
               <a:ext uri="{FF2B5EF4-FFF2-40B4-BE49-F238E27FC236}">
-                <a16:creationId xmlns:a16="http://schemas.microsoft.com/office/drawing/2014/main" xmlns="" id="{AB66528D-8577-4D76-8BDB-4C297C2C910F}"/>
+                <a16:creationId xmlns="" xmlns:a16="http://schemas.microsoft.com/office/drawing/2014/main" id="{AB66528D-8577-4D76-8BDB-4C297C2C910F}"/>
               </a:ext>
             </a:extLst>
           </p:cNvPr>
@@ -5277,7 +5277,7 @@
           <p:cNvPr id="36" name="TextBox 35">
             <a:extLst>
               <a:ext uri="{FF2B5EF4-FFF2-40B4-BE49-F238E27FC236}">
-                <a16:creationId xmlns:a16="http://schemas.microsoft.com/office/drawing/2014/main" xmlns="" id="{A487E570-40E8-45D0-BB55-48C4C1478062}"/>
+                <a16:creationId xmlns="" xmlns:a16="http://schemas.microsoft.com/office/drawing/2014/main" id="{A487E570-40E8-45D0-BB55-48C4C1478062}"/>
               </a:ext>
             </a:extLst>
           </p:cNvPr>
@@ -5356,7 +5356,7 @@
           <p:cNvPr id="41" name="Connecteur droit avec flèche 40">
             <a:extLst>
               <a:ext uri="{FF2B5EF4-FFF2-40B4-BE49-F238E27FC236}">
-                <a16:creationId xmlns:a16="http://schemas.microsoft.com/office/drawing/2014/main" xmlns="" id="{B63C43D5-46A5-4E71-A1BE-232A4DEFA663}"/>
+                <a16:creationId xmlns="" xmlns:a16="http://schemas.microsoft.com/office/drawing/2014/main" id="{B63C43D5-46A5-4E71-A1BE-232A4DEFA663}"/>
               </a:ext>
             </a:extLst>
           </p:cNvPr>
@@ -5402,7 +5402,7 @@
           <p:cNvPr id="2" name="Titre 1">
             <a:extLst>
               <a:ext uri="{FF2B5EF4-FFF2-40B4-BE49-F238E27FC236}">
-                <a16:creationId xmlns:a16="http://schemas.microsoft.com/office/drawing/2014/main" xmlns="" id="{BE1EF875-6C58-4C63-8827-144A113C2FC6}"/>
+                <a16:creationId xmlns="" xmlns:a16="http://schemas.microsoft.com/office/drawing/2014/main" id="{BE1EF875-6C58-4C63-8827-144A113C2FC6}"/>
               </a:ext>
             </a:extLst>
           </p:cNvPr>
@@ -5432,7 +5432,7 @@
           <p:cNvPr id="4" name="Picture 27" descr="C:\Users\TH9628\Desktop\mobile-icon-icon-52143.png">
             <a:extLst>
               <a:ext uri="{FF2B5EF4-FFF2-40B4-BE49-F238E27FC236}">
-                <a16:creationId xmlns:a16="http://schemas.microsoft.com/office/drawing/2014/main" xmlns="" id="{2C08B1B6-CA28-4B02-A0AA-8E2BD74A6F1F}"/>
+                <a16:creationId xmlns="" xmlns:a16="http://schemas.microsoft.com/office/drawing/2014/main" id="{2C08B1B6-CA28-4B02-A0AA-8E2BD74A6F1F}"/>
               </a:ext>
             </a:extLst>
           </p:cNvPr>
@@ -5469,7 +5469,7 @@
           <p:cNvPr id="5" name="Group 1">
             <a:extLst>
               <a:ext uri="{FF2B5EF4-FFF2-40B4-BE49-F238E27FC236}">
-                <a16:creationId xmlns:a16="http://schemas.microsoft.com/office/drawing/2014/main" xmlns="" id="{EFC9C9B0-FFF8-4BE5-B3B0-B7D9ABD6DA55}"/>
+                <a16:creationId xmlns="" xmlns:a16="http://schemas.microsoft.com/office/drawing/2014/main" id="{EFC9C9B0-FFF8-4BE5-B3B0-B7D9ABD6DA55}"/>
               </a:ext>
             </a:extLst>
           </p:cNvPr>
@@ -5489,7 +5489,7 @@
             <p:cNvPr id="6" name="Rectangle 5">
               <a:extLst>
                 <a:ext uri="{FF2B5EF4-FFF2-40B4-BE49-F238E27FC236}">
-                  <a16:creationId xmlns:a16="http://schemas.microsoft.com/office/drawing/2014/main" xmlns="" id="{C2DB1095-3A42-46F4-99E3-F302B746D3A9}"/>
+                  <a16:creationId xmlns="" xmlns:a16="http://schemas.microsoft.com/office/drawing/2014/main" id="{C2DB1095-3A42-46F4-99E3-F302B746D3A9}"/>
                 </a:ext>
               </a:extLst>
             </p:cNvPr>
@@ -5553,7 +5553,7 @@
             <p:cNvPr id="7" name="Picture 30" descr="C:\Users\TH9628\Desktop\openid-icon-250x250.png">
               <a:extLst>
                 <a:ext uri="{FF2B5EF4-FFF2-40B4-BE49-F238E27FC236}">
-                  <a16:creationId xmlns:a16="http://schemas.microsoft.com/office/drawing/2014/main" xmlns="" id="{43545B32-6063-45CB-99D9-03B0FCBBCE37}"/>
+                  <a16:creationId xmlns="" xmlns:a16="http://schemas.microsoft.com/office/drawing/2014/main" id="{43545B32-6063-45CB-99D9-03B0FCBBCE37}"/>
                 </a:ext>
               </a:extLst>
             </p:cNvPr>
@@ -5593,7 +5593,7 @@
           <p:cNvPr id="15" name="Rectangle 14">
             <a:extLst>
               <a:ext uri="{FF2B5EF4-FFF2-40B4-BE49-F238E27FC236}">
-                <a16:creationId xmlns:a16="http://schemas.microsoft.com/office/drawing/2014/main" xmlns="" id="{5A5C04F5-20DA-4A51-B836-62D31E7585CB}"/>
+                <a16:creationId xmlns="" xmlns:a16="http://schemas.microsoft.com/office/drawing/2014/main" id="{5A5C04F5-20DA-4A51-B836-62D31E7585CB}"/>
               </a:ext>
             </a:extLst>
           </p:cNvPr>
@@ -5645,7 +5645,7 @@
           <p:cNvPr id="18" name="Flowchart: Connector 48">
             <a:extLst>
               <a:ext uri="{FF2B5EF4-FFF2-40B4-BE49-F238E27FC236}">
-                <a16:creationId xmlns:a16="http://schemas.microsoft.com/office/drawing/2014/main" xmlns="" id="{9B0B1316-EA44-4766-8EB4-114368414791}"/>
+                <a16:creationId xmlns="" xmlns:a16="http://schemas.microsoft.com/office/drawing/2014/main" id="{9B0B1316-EA44-4766-8EB4-114368414791}"/>
               </a:ext>
             </a:extLst>
           </p:cNvPr>
@@ -5799,7 +5799,7 @@
           <p:cNvPr id="42" name="TextBox 64">
             <a:extLst>
               <a:ext uri="{FF2B5EF4-FFF2-40B4-BE49-F238E27FC236}">
-                <a16:creationId xmlns:a16="http://schemas.microsoft.com/office/drawing/2014/main" xmlns="" id="{92550DB6-EEAF-4A43-BDDA-F2DEEBCC2B29}"/>
+                <a16:creationId xmlns="" xmlns:a16="http://schemas.microsoft.com/office/drawing/2014/main" id="{92550DB6-EEAF-4A43-BDDA-F2DEEBCC2B29}"/>
               </a:ext>
             </a:extLst>
           </p:cNvPr>
@@ -5870,7 +5870,7 @@
           <p:cNvPr id="27" name="Connecteur droit avec flèche 26">
             <a:extLst>
               <a:ext uri="{FF2B5EF4-FFF2-40B4-BE49-F238E27FC236}">
-                <a16:creationId xmlns:a16="http://schemas.microsoft.com/office/drawing/2014/main" xmlns="" id="{E8097635-F421-478D-AB96-F8496777E0B5}"/>
+                <a16:creationId xmlns="" xmlns:a16="http://schemas.microsoft.com/office/drawing/2014/main" id="{E8097635-F421-478D-AB96-F8496777E0B5}"/>
               </a:ext>
             </a:extLst>
           </p:cNvPr>
@@ -5913,7 +5913,7 @@
           <p:cNvPr id="2" name="Titre 1">
             <a:extLst>
               <a:ext uri="{FF2B5EF4-FFF2-40B4-BE49-F238E27FC236}">
-                <a16:creationId xmlns:a16="http://schemas.microsoft.com/office/drawing/2014/main" xmlns="" id="{C3C571F2-00D0-46E9-BD26-A2E07DDA0248}"/>
+                <a16:creationId xmlns="" xmlns:a16="http://schemas.microsoft.com/office/drawing/2014/main" id="{C3C571F2-00D0-46E9-BD26-A2E07DDA0248}"/>
               </a:ext>
             </a:extLst>
           </p:cNvPr>
@@ -5938,7 +5938,7 @@
           <p:cNvPr id="3" name="Groupe 2">
             <a:extLst>
               <a:ext uri="{FF2B5EF4-FFF2-40B4-BE49-F238E27FC236}">
-                <a16:creationId xmlns:a16="http://schemas.microsoft.com/office/drawing/2014/main" xmlns="" id="{E2009B61-01D0-4BE7-AE95-F246BC9AAB30}"/>
+                <a16:creationId xmlns="" xmlns:a16="http://schemas.microsoft.com/office/drawing/2014/main" id="{E2009B61-01D0-4BE7-AE95-F246BC9AAB30}"/>
               </a:ext>
             </a:extLst>
           </p:cNvPr>
@@ -5958,7 +5958,7 @@
             <p:cNvPr id="1026" name="Picture 2" descr="RÃ©sultat de recherche d'images pour &quot;oauth 2.0&quot;">
               <a:extLst>
                 <a:ext uri="{FF2B5EF4-FFF2-40B4-BE49-F238E27FC236}">
-                  <a16:creationId xmlns:a16="http://schemas.microsoft.com/office/drawing/2014/main" xmlns="" id="{A91B0D05-3FA9-49CF-98BB-131EB61D9815}"/>
+                  <a16:creationId xmlns="" xmlns:a16="http://schemas.microsoft.com/office/drawing/2014/main" id="{A91B0D05-3FA9-49CF-98BB-131EB61D9815}"/>
                 </a:ext>
               </a:extLst>
             </p:cNvPr>
@@ -6005,7 +6005,7 @@
             <p:cNvPr id="5" name="Rectangle 4">
               <a:extLst>
                 <a:ext uri="{FF2B5EF4-FFF2-40B4-BE49-F238E27FC236}">
-                  <a16:creationId xmlns:a16="http://schemas.microsoft.com/office/drawing/2014/main" xmlns="" id="{40322766-0F38-4A4C-AE82-B25208E3B69D}"/>
+                  <a16:creationId xmlns="" xmlns:a16="http://schemas.microsoft.com/office/drawing/2014/main" id="{40322766-0F38-4A4C-AE82-B25208E3B69D}"/>
                 </a:ext>
               </a:extLst>
             </p:cNvPr>
@@ -6078,7 +6078,7 @@
           <p:cNvPr id="7" name="Picture 27" descr="C:\Users\TH9628\Desktop\mobile-icon-icon-52143.png">
             <a:extLst>
               <a:ext uri="{FF2B5EF4-FFF2-40B4-BE49-F238E27FC236}">
-                <a16:creationId xmlns:a16="http://schemas.microsoft.com/office/drawing/2014/main" xmlns="" id="{F8DC07C1-6FF3-4B1A-B6CE-43F8D55A7B57}"/>
+                <a16:creationId xmlns="" xmlns:a16="http://schemas.microsoft.com/office/drawing/2014/main" id="{F8DC07C1-6FF3-4B1A-B6CE-43F8D55A7B57}"/>
               </a:ext>
             </a:extLst>
           </p:cNvPr>
@@ -6115,7 +6115,7 @@
           <p:cNvPr id="10" name="Rectangle 9">
             <a:extLst>
               <a:ext uri="{FF2B5EF4-FFF2-40B4-BE49-F238E27FC236}">
-                <a16:creationId xmlns:a16="http://schemas.microsoft.com/office/drawing/2014/main" xmlns="" id="{4F9483D6-D27F-47D4-BFAF-AC8DB10A4F50}"/>
+                <a16:creationId xmlns="" xmlns:a16="http://schemas.microsoft.com/office/drawing/2014/main" id="{4F9483D6-D27F-47D4-BFAF-AC8DB10A4F50}"/>
               </a:ext>
             </a:extLst>
           </p:cNvPr>
@@ -6179,7 +6179,7 @@
           <p:cNvPr id="11" name="Group 1">
             <a:extLst>
               <a:ext uri="{FF2B5EF4-FFF2-40B4-BE49-F238E27FC236}">
-                <a16:creationId xmlns:a16="http://schemas.microsoft.com/office/drawing/2014/main" xmlns="" id="{99242CCD-16A8-43FA-8D91-70DCA9849DB5}"/>
+                <a16:creationId xmlns="" xmlns:a16="http://schemas.microsoft.com/office/drawing/2014/main" id="{99242CCD-16A8-43FA-8D91-70DCA9849DB5}"/>
               </a:ext>
             </a:extLst>
           </p:cNvPr>
@@ -6199,7 +6199,7 @@
             <p:cNvPr id="12" name="Rectangle 11">
               <a:extLst>
                 <a:ext uri="{FF2B5EF4-FFF2-40B4-BE49-F238E27FC236}">
-                  <a16:creationId xmlns:a16="http://schemas.microsoft.com/office/drawing/2014/main" xmlns="" id="{12C3F592-0A80-4759-BC82-1B43541731E2}"/>
+                  <a16:creationId xmlns="" xmlns:a16="http://schemas.microsoft.com/office/drawing/2014/main" id="{12C3F592-0A80-4759-BC82-1B43541731E2}"/>
                 </a:ext>
               </a:extLst>
             </p:cNvPr>
@@ -6263,7 +6263,7 @@
             <p:cNvPr id="13" name="Picture 30" descr="C:\Users\TH9628\Desktop\openid-icon-250x250.png">
               <a:extLst>
                 <a:ext uri="{FF2B5EF4-FFF2-40B4-BE49-F238E27FC236}">
-                  <a16:creationId xmlns:a16="http://schemas.microsoft.com/office/drawing/2014/main" xmlns="" id="{36E81613-82AA-45A0-8481-28AC1B1D10D7}"/>
+                  <a16:creationId xmlns="" xmlns:a16="http://schemas.microsoft.com/office/drawing/2014/main" id="{36E81613-82AA-45A0-8481-28AC1B1D10D7}"/>
                 </a:ext>
               </a:extLst>
             </p:cNvPr>
@@ -6303,7 +6303,7 @@
           <p:cNvPr id="15" name="Connector: Elbow 20">
             <a:extLst>
               <a:ext uri="{FF2B5EF4-FFF2-40B4-BE49-F238E27FC236}">
-                <a16:creationId xmlns:a16="http://schemas.microsoft.com/office/drawing/2014/main" xmlns="" id="{22BB339A-F865-4F8A-BF95-A24A9C940DF8}"/>
+                <a16:creationId xmlns="" xmlns:a16="http://schemas.microsoft.com/office/drawing/2014/main" id="{22BB339A-F865-4F8A-BF95-A24A9C940DF8}"/>
               </a:ext>
             </a:extLst>
           </p:cNvPr>
@@ -6346,7 +6346,7 @@
           <p:cNvPr id="19" name="Rectangle 18">
             <a:extLst>
               <a:ext uri="{FF2B5EF4-FFF2-40B4-BE49-F238E27FC236}">
-                <a16:creationId xmlns:a16="http://schemas.microsoft.com/office/drawing/2014/main" xmlns="" id="{C871908A-6BD3-43F3-9340-B6149EC27798}"/>
+                <a16:creationId xmlns="" xmlns:a16="http://schemas.microsoft.com/office/drawing/2014/main" id="{C871908A-6BD3-43F3-9340-B6149EC27798}"/>
               </a:ext>
             </a:extLst>
           </p:cNvPr>
@@ -6398,7 +6398,7 @@
           <p:cNvPr id="21" name="Flowchart: Connector 48">
             <a:extLst>
               <a:ext uri="{FF2B5EF4-FFF2-40B4-BE49-F238E27FC236}">
-                <a16:creationId xmlns:a16="http://schemas.microsoft.com/office/drawing/2014/main" xmlns="" id="{D2CBAE77-A903-455F-8A47-CFB07017604A}"/>
+                <a16:creationId xmlns="" xmlns:a16="http://schemas.microsoft.com/office/drawing/2014/main" id="{D2CBAE77-A903-455F-8A47-CFB07017604A}"/>
               </a:ext>
             </a:extLst>
           </p:cNvPr>
@@ -6552,7 +6552,7 @@
           <p:cNvPr id="22" name="TextBox 64">
             <a:extLst>
               <a:ext uri="{FF2B5EF4-FFF2-40B4-BE49-F238E27FC236}">
-                <a16:creationId xmlns:a16="http://schemas.microsoft.com/office/drawing/2014/main" xmlns="" id="{0863BD44-56BE-431A-9730-9D4D4DAF7547}"/>
+                <a16:creationId xmlns="" xmlns:a16="http://schemas.microsoft.com/office/drawing/2014/main" id="{0863BD44-56BE-431A-9730-9D4D4DAF7547}"/>
               </a:ext>
             </a:extLst>
           </p:cNvPr>
@@ -6587,7 +6587,7 @@
           <p:cNvPr id="25" name="Flowchart: Connector 48">
             <a:extLst>
               <a:ext uri="{FF2B5EF4-FFF2-40B4-BE49-F238E27FC236}">
-                <a16:creationId xmlns:a16="http://schemas.microsoft.com/office/drawing/2014/main" xmlns="" id="{9D702632-F899-4A91-9B44-F8BA4595C72B}"/>
+                <a16:creationId xmlns="" xmlns:a16="http://schemas.microsoft.com/office/drawing/2014/main" id="{9D702632-F899-4A91-9B44-F8BA4595C72B}"/>
               </a:ext>
             </a:extLst>
           </p:cNvPr>
@@ -6741,7 +6741,7 @@
           <p:cNvPr id="26" name="TextBox 64">
             <a:extLst>
               <a:ext uri="{FF2B5EF4-FFF2-40B4-BE49-F238E27FC236}">
-                <a16:creationId xmlns:a16="http://schemas.microsoft.com/office/drawing/2014/main" xmlns="" id="{A86C29EE-A42D-47D9-8F13-18DD1A8AB716}"/>
+                <a16:creationId xmlns="" xmlns:a16="http://schemas.microsoft.com/office/drawing/2014/main" id="{A86C29EE-A42D-47D9-8F13-18DD1A8AB716}"/>
               </a:ext>
             </a:extLst>
           </p:cNvPr>
@@ -6784,7 +6784,7 @@
           <p:cNvPr id="31" name="Rectangle 30">
             <a:extLst>
               <a:ext uri="{FF2B5EF4-FFF2-40B4-BE49-F238E27FC236}">
-                <a16:creationId xmlns:a16="http://schemas.microsoft.com/office/drawing/2014/main" xmlns="" id="{7E3FEC73-2370-44E4-BAF8-3C65D5804566}"/>
+                <a16:creationId xmlns="" xmlns:a16="http://schemas.microsoft.com/office/drawing/2014/main" id="{7E3FEC73-2370-44E4-BAF8-3C65D5804566}"/>
               </a:ext>
             </a:extLst>
           </p:cNvPr>
@@ -6848,7 +6848,7 @@
           <p:cNvPr id="1024" name="Connecteur : en angle 1023">
             <a:extLst>
               <a:ext uri="{FF2B5EF4-FFF2-40B4-BE49-F238E27FC236}">
-                <a16:creationId xmlns:a16="http://schemas.microsoft.com/office/drawing/2014/main" xmlns="" id="{8F4FDF4C-E667-40D6-84C1-B4639CF949C4}"/>
+                <a16:creationId xmlns="" xmlns:a16="http://schemas.microsoft.com/office/drawing/2014/main" id="{8F4FDF4C-E667-40D6-84C1-B4639CF949C4}"/>
               </a:ext>
             </a:extLst>
           </p:cNvPr>
@@ -6894,7 +6894,7 @@
           <p:cNvPr id="34" name="Flowchart: Connector 48">
             <a:extLst>
               <a:ext uri="{FF2B5EF4-FFF2-40B4-BE49-F238E27FC236}">
-                <a16:creationId xmlns:a16="http://schemas.microsoft.com/office/drawing/2014/main" xmlns="" id="{33933F33-3924-4400-9360-CABDF6CB0406}"/>
+                <a16:creationId xmlns="" xmlns:a16="http://schemas.microsoft.com/office/drawing/2014/main" id="{33933F33-3924-4400-9360-CABDF6CB0406}"/>
               </a:ext>
             </a:extLst>
           </p:cNvPr>
@@ -7048,7 +7048,7 @@
           <p:cNvPr id="35" name="TextBox 64">
             <a:extLst>
               <a:ext uri="{FF2B5EF4-FFF2-40B4-BE49-F238E27FC236}">
-                <a16:creationId xmlns:a16="http://schemas.microsoft.com/office/drawing/2014/main" xmlns="" id="{BD79C151-7356-4280-AA7C-0A08460347C5}"/>
+                <a16:creationId xmlns="" xmlns:a16="http://schemas.microsoft.com/office/drawing/2014/main" id="{BD79C151-7356-4280-AA7C-0A08460347C5}"/>
               </a:ext>
             </a:extLst>
           </p:cNvPr>
@@ -7091,7 +7091,7 @@
           <p:cNvPr id="36" name="Connecteur : en angle 35">
             <a:extLst>
               <a:ext uri="{FF2B5EF4-FFF2-40B4-BE49-F238E27FC236}">
-                <a16:creationId xmlns:a16="http://schemas.microsoft.com/office/drawing/2014/main" xmlns="" id="{7548A302-DEB7-4960-B107-BA738D260FAF}"/>
+                <a16:creationId xmlns="" xmlns:a16="http://schemas.microsoft.com/office/drawing/2014/main" id="{7548A302-DEB7-4960-B107-BA738D260FAF}"/>
               </a:ext>
             </a:extLst>
           </p:cNvPr>
@@ -7137,7 +7137,7 @@
           <p:cNvPr id="39" name="Flowchart: Connector 48">
             <a:extLst>
               <a:ext uri="{FF2B5EF4-FFF2-40B4-BE49-F238E27FC236}">
-                <a16:creationId xmlns:a16="http://schemas.microsoft.com/office/drawing/2014/main" xmlns="" id="{54ABCFB3-187E-4165-B9A9-2D5B218904F9}"/>
+                <a16:creationId xmlns="" xmlns:a16="http://schemas.microsoft.com/office/drawing/2014/main" id="{54ABCFB3-187E-4165-B9A9-2D5B218904F9}"/>
               </a:ext>
             </a:extLst>
           </p:cNvPr>
@@ -7291,7 +7291,7 @@
           <p:cNvPr id="40" name="TextBox 64">
             <a:extLst>
               <a:ext uri="{FF2B5EF4-FFF2-40B4-BE49-F238E27FC236}">
-                <a16:creationId xmlns:a16="http://schemas.microsoft.com/office/drawing/2014/main" xmlns="" id="{A3246E6F-AC12-4DB2-8C5E-FB653440B01A}"/>
+                <a16:creationId xmlns="" xmlns:a16="http://schemas.microsoft.com/office/drawing/2014/main" id="{A3246E6F-AC12-4DB2-8C5E-FB653440B01A}"/>
               </a:ext>
             </a:extLst>
           </p:cNvPr>
@@ -7362,7 +7362,7 @@
           <p:cNvPr id="19" name="Connecteur : en angle 18">
             <a:extLst>
               <a:ext uri="{FF2B5EF4-FFF2-40B4-BE49-F238E27FC236}">
-                <a16:creationId xmlns:a16="http://schemas.microsoft.com/office/drawing/2014/main" xmlns="" id="{DE2D9272-3A4E-42AB-A651-FA3D32CFB869}"/>
+                <a16:creationId xmlns="" xmlns:a16="http://schemas.microsoft.com/office/drawing/2014/main" id="{DE2D9272-3A4E-42AB-A651-FA3D32CFB869}"/>
               </a:ext>
             </a:extLst>
           </p:cNvPr>
@@ -7405,7 +7405,7 @@
           <p:cNvPr id="2" name="Titre 1">
             <a:extLst>
               <a:ext uri="{FF2B5EF4-FFF2-40B4-BE49-F238E27FC236}">
-                <a16:creationId xmlns:a16="http://schemas.microsoft.com/office/drawing/2014/main" xmlns="" id="{6FD0320A-5D69-42D0-A5D2-2693542827C5}"/>
+                <a16:creationId xmlns="" xmlns:a16="http://schemas.microsoft.com/office/drawing/2014/main" id="{6FD0320A-5D69-42D0-A5D2-2693542827C5}"/>
               </a:ext>
             </a:extLst>
           </p:cNvPr>
@@ -7430,7 +7430,7 @@
           <p:cNvPr id="4" name="Groupe 3">
             <a:extLst>
               <a:ext uri="{FF2B5EF4-FFF2-40B4-BE49-F238E27FC236}">
-                <a16:creationId xmlns:a16="http://schemas.microsoft.com/office/drawing/2014/main" xmlns="" id="{B77DFB85-625A-4811-AF71-3D6ADDAC0F3F}"/>
+                <a16:creationId xmlns="" xmlns:a16="http://schemas.microsoft.com/office/drawing/2014/main" id="{B77DFB85-625A-4811-AF71-3D6ADDAC0F3F}"/>
               </a:ext>
             </a:extLst>
           </p:cNvPr>
@@ -7450,7 +7450,7 @@
             <p:cNvPr id="5" name="Picture 2" descr="RÃ©sultat de recherche d'images pour &quot;oauth 2.0&quot;">
               <a:extLst>
                 <a:ext uri="{FF2B5EF4-FFF2-40B4-BE49-F238E27FC236}">
-                  <a16:creationId xmlns:a16="http://schemas.microsoft.com/office/drawing/2014/main" xmlns="" id="{1F35142D-0F29-4F90-B8BF-DB61D3675D62}"/>
+                  <a16:creationId xmlns="" xmlns:a16="http://schemas.microsoft.com/office/drawing/2014/main" id="{1F35142D-0F29-4F90-B8BF-DB61D3675D62}"/>
                 </a:ext>
               </a:extLst>
             </p:cNvPr>
@@ -7497,7 +7497,7 @@
             <p:cNvPr id="6" name="Rectangle 5">
               <a:extLst>
                 <a:ext uri="{FF2B5EF4-FFF2-40B4-BE49-F238E27FC236}">
-                  <a16:creationId xmlns:a16="http://schemas.microsoft.com/office/drawing/2014/main" xmlns="" id="{EC6FCFCE-08C8-46A5-91AC-EFB2B418A2D3}"/>
+                  <a16:creationId xmlns="" xmlns:a16="http://schemas.microsoft.com/office/drawing/2014/main" id="{EC6FCFCE-08C8-46A5-91AC-EFB2B418A2D3}"/>
                 </a:ext>
               </a:extLst>
             </p:cNvPr>
@@ -7570,7 +7570,7 @@
           <p:cNvPr id="7" name="Picture 27" descr="C:\Users\TH9628\Desktop\mobile-icon-icon-52143.png">
             <a:extLst>
               <a:ext uri="{FF2B5EF4-FFF2-40B4-BE49-F238E27FC236}">
-                <a16:creationId xmlns:a16="http://schemas.microsoft.com/office/drawing/2014/main" xmlns="" id="{87E77082-BB3E-4341-A86A-1BBA30DDEC03}"/>
+                <a16:creationId xmlns="" xmlns:a16="http://schemas.microsoft.com/office/drawing/2014/main" id="{87E77082-BB3E-4341-A86A-1BBA30DDEC03}"/>
               </a:ext>
             </a:extLst>
           </p:cNvPr>
@@ -7607,7 +7607,7 @@
           <p:cNvPr id="13" name="Rectangle 12">
             <a:extLst>
               <a:ext uri="{FF2B5EF4-FFF2-40B4-BE49-F238E27FC236}">
-                <a16:creationId xmlns:a16="http://schemas.microsoft.com/office/drawing/2014/main" xmlns="" id="{A612104F-D081-4CDC-A3EF-B8217C8FB132}"/>
+                <a16:creationId xmlns="" xmlns:a16="http://schemas.microsoft.com/office/drawing/2014/main" id="{A612104F-D081-4CDC-A3EF-B8217C8FB132}"/>
               </a:ext>
             </a:extLst>
           </p:cNvPr>
@@ -7659,7 +7659,7 @@
           <p:cNvPr id="18" name="Rectangle 17">
             <a:extLst>
               <a:ext uri="{FF2B5EF4-FFF2-40B4-BE49-F238E27FC236}">
-                <a16:creationId xmlns:a16="http://schemas.microsoft.com/office/drawing/2014/main" xmlns="" id="{416B028C-5EF2-4D2A-A9DF-79B87FADB9AB}"/>
+                <a16:creationId xmlns="" xmlns:a16="http://schemas.microsoft.com/office/drawing/2014/main" id="{416B028C-5EF2-4D2A-A9DF-79B87FADB9AB}"/>
               </a:ext>
             </a:extLst>
           </p:cNvPr>
@@ -7723,7 +7723,7 @@
           <p:cNvPr id="33" name="TextBox 64">
             <a:extLst>
               <a:ext uri="{FF2B5EF4-FFF2-40B4-BE49-F238E27FC236}">
-                <a16:creationId xmlns:a16="http://schemas.microsoft.com/office/drawing/2014/main" xmlns="" id="{41EC19D0-43BD-4712-BD06-2A49FA443F2C}"/>
+                <a16:creationId xmlns="" xmlns:a16="http://schemas.microsoft.com/office/drawing/2014/main" id="{41EC19D0-43BD-4712-BD06-2A49FA443F2C}"/>
               </a:ext>
             </a:extLst>
           </p:cNvPr>
@@ -7766,7 +7766,7 @@
           <p:cNvPr id="37" name="Flowchart: Connector 48">
             <a:extLst>
               <a:ext uri="{FF2B5EF4-FFF2-40B4-BE49-F238E27FC236}">
-                <a16:creationId xmlns:a16="http://schemas.microsoft.com/office/drawing/2014/main" xmlns="" id="{2B30D166-3506-4EE5-9F0A-3A8CE39ABCB8}"/>
+                <a16:creationId xmlns="" xmlns:a16="http://schemas.microsoft.com/office/drawing/2014/main" id="{2B30D166-3506-4EE5-9F0A-3A8CE39ABCB8}"/>
               </a:ext>
             </a:extLst>
           </p:cNvPr>
@@ -7920,7 +7920,7 @@
           <p:cNvPr id="38" name="TextBox 64">
             <a:extLst>
               <a:ext uri="{FF2B5EF4-FFF2-40B4-BE49-F238E27FC236}">
-                <a16:creationId xmlns:a16="http://schemas.microsoft.com/office/drawing/2014/main" xmlns="" id="{97AD785A-8CCB-4DB9-AA22-772C51CFFA11}"/>
+                <a16:creationId xmlns="" xmlns:a16="http://schemas.microsoft.com/office/drawing/2014/main" id="{97AD785A-8CCB-4DB9-AA22-772C51CFFA11}"/>
               </a:ext>
             </a:extLst>
           </p:cNvPr>
@@ -7955,7 +7955,7 @@
           <p:cNvPr id="15" name="Rectangle 14">
             <a:extLst>
               <a:ext uri="{FF2B5EF4-FFF2-40B4-BE49-F238E27FC236}">
-                <a16:creationId xmlns:a16="http://schemas.microsoft.com/office/drawing/2014/main" xmlns="" id="{E28B39B2-B173-488E-8CEA-51A74AFE3C08}"/>
+                <a16:creationId xmlns="" xmlns:a16="http://schemas.microsoft.com/office/drawing/2014/main" id="{E28B39B2-B173-488E-8CEA-51A74AFE3C08}"/>
               </a:ext>
             </a:extLst>
           </p:cNvPr>
@@ -8019,7 +8019,7 @@
           <p:cNvPr id="16" name="Connector: Elbow 20">
             <a:extLst>
               <a:ext uri="{FF2B5EF4-FFF2-40B4-BE49-F238E27FC236}">
-                <a16:creationId xmlns:a16="http://schemas.microsoft.com/office/drawing/2014/main" xmlns="" id="{23E740FD-1F92-4A33-B827-5EA405F662AD}"/>
+                <a16:creationId xmlns="" xmlns:a16="http://schemas.microsoft.com/office/drawing/2014/main" id="{23E740FD-1F92-4A33-B827-5EA405F662AD}"/>
               </a:ext>
             </a:extLst>
           </p:cNvPr>
@@ -8062,7 +8062,7 @@
           <p:cNvPr id="17" name="Connecteur : en angle 16">
             <a:extLst>
               <a:ext uri="{FF2B5EF4-FFF2-40B4-BE49-F238E27FC236}">
-                <a16:creationId xmlns:a16="http://schemas.microsoft.com/office/drawing/2014/main" xmlns="" id="{8568C5AA-250D-4B92-A5BE-109E78628ED2}"/>
+                <a16:creationId xmlns="" xmlns:a16="http://schemas.microsoft.com/office/drawing/2014/main" id="{8568C5AA-250D-4B92-A5BE-109E78628ED2}"/>
               </a:ext>
             </a:extLst>
           </p:cNvPr>
@@ -8107,7 +8107,7 @@
           <p:cNvPr id="20" name="Flowchart: Connector 48">
             <a:extLst>
               <a:ext uri="{FF2B5EF4-FFF2-40B4-BE49-F238E27FC236}">
-                <a16:creationId xmlns:a16="http://schemas.microsoft.com/office/drawing/2014/main" xmlns="" id="{2B4E642B-5930-4402-9692-C70D2544BF42}"/>
+                <a16:creationId xmlns="" xmlns:a16="http://schemas.microsoft.com/office/drawing/2014/main" id="{2B4E642B-5930-4402-9692-C70D2544BF42}"/>
               </a:ext>
             </a:extLst>
           </p:cNvPr>
@@ -8261,7 +8261,7 @@
           <p:cNvPr id="21" name="Group 1">
             <a:extLst>
               <a:ext uri="{FF2B5EF4-FFF2-40B4-BE49-F238E27FC236}">
-                <a16:creationId xmlns:a16="http://schemas.microsoft.com/office/drawing/2014/main" xmlns="" id="{210A69D8-E745-44CD-9063-1566F2D33CF4}"/>
+                <a16:creationId xmlns="" xmlns:a16="http://schemas.microsoft.com/office/drawing/2014/main" id="{210A69D8-E745-44CD-9063-1566F2D33CF4}"/>
               </a:ext>
             </a:extLst>
           </p:cNvPr>
@@ -8281,7 +8281,7 @@
             <p:cNvPr id="22" name="Rectangle 21">
               <a:extLst>
                 <a:ext uri="{FF2B5EF4-FFF2-40B4-BE49-F238E27FC236}">
-                  <a16:creationId xmlns:a16="http://schemas.microsoft.com/office/drawing/2014/main" xmlns="" id="{992BD531-BA1D-4D32-9A45-E798C5D09B26}"/>
+                  <a16:creationId xmlns="" xmlns:a16="http://schemas.microsoft.com/office/drawing/2014/main" id="{992BD531-BA1D-4D32-9A45-E798C5D09B26}"/>
                 </a:ext>
               </a:extLst>
             </p:cNvPr>
@@ -8345,7 +8345,7 @@
             <p:cNvPr id="23" name="Picture 30" descr="C:\Users\TH9628\Desktop\openid-icon-250x250.png">
               <a:extLst>
                 <a:ext uri="{FF2B5EF4-FFF2-40B4-BE49-F238E27FC236}">
-                  <a16:creationId xmlns:a16="http://schemas.microsoft.com/office/drawing/2014/main" xmlns="" id="{781906E1-87EA-47CE-8208-0D1117392F2B}"/>
+                  <a16:creationId xmlns="" xmlns:a16="http://schemas.microsoft.com/office/drawing/2014/main" id="{781906E1-87EA-47CE-8208-0D1117392F2B}"/>
                 </a:ext>
               </a:extLst>
             </p:cNvPr>
@@ -8385,7 +8385,7 @@
           <p:cNvPr id="24" name="Connecteur droit avec flèche 23">
             <a:extLst>
               <a:ext uri="{FF2B5EF4-FFF2-40B4-BE49-F238E27FC236}">
-                <a16:creationId xmlns:a16="http://schemas.microsoft.com/office/drawing/2014/main" xmlns="" id="{BC97F2CE-7B2B-4A93-8910-CB292768E8D0}"/>
+                <a16:creationId xmlns="" xmlns:a16="http://schemas.microsoft.com/office/drawing/2014/main" id="{BC97F2CE-7B2B-4A93-8910-CB292768E8D0}"/>
               </a:ext>
             </a:extLst>
           </p:cNvPr>
@@ -8428,7 +8428,7 @@
           <p:cNvPr id="25" name="TextBox 64">
             <a:extLst>
               <a:ext uri="{FF2B5EF4-FFF2-40B4-BE49-F238E27FC236}">
-                <a16:creationId xmlns:a16="http://schemas.microsoft.com/office/drawing/2014/main" xmlns="" id="{329D6261-9E19-4777-9344-FCDDB26FB22D}"/>
+                <a16:creationId xmlns="" xmlns:a16="http://schemas.microsoft.com/office/drawing/2014/main" id="{329D6261-9E19-4777-9344-FCDDB26FB22D}"/>
               </a:ext>
             </a:extLst>
           </p:cNvPr>
@@ -8471,7 +8471,7 @@
           <p:cNvPr id="27" name="Flowchart: Connector 48">
             <a:extLst>
               <a:ext uri="{FF2B5EF4-FFF2-40B4-BE49-F238E27FC236}">
-                <a16:creationId xmlns:a16="http://schemas.microsoft.com/office/drawing/2014/main" xmlns="" id="{E0E004D9-2C6F-498B-BED2-20F0306E2E58}"/>
+                <a16:creationId xmlns="" xmlns:a16="http://schemas.microsoft.com/office/drawing/2014/main" id="{E0E004D9-2C6F-498B-BED2-20F0306E2E58}"/>
               </a:ext>
             </a:extLst>
           </p:cNvPr>
@@ -8625,7 +8625,7 @@
           <p:cNvPr id="35" name="TextBox 64">
             <a:extLst>
               <a:ext uri="{FF2B5EF4-FFF2-40B4-BE49-F238E27FC236}">
-                <a16:creationId xmlns:a16="http://schemas.microsoft.com/office/drawing/2014/main" xmlns="" id="{23397C8C-9483-4E36-97A8-7938D43459DF}"/>
+                <a16:creationId xmlns="" xmlns:a16="http://schemas.microsoft.com/office/drawing/2014/main" id="{23397C8C-9483-4E36-97A8-7938D43459DF}"/>
               </a:ext>
             </a:extLst>
           </p:cNvPr>
@@ -8666,7 +8666,7 @@
           <p:cNvPr id="39" name="Flowchart: Connector 48">
             <a:extLst>
               <a:ext uri="{FF2B5EF4-FFF2-40B4-BE49-F238E27FC236}">
-                <a16:creationId xmlns:a16="http://schemas.microsoft.com/office/drawing/2014/main" xmlns="" id="{2280A4AD-4B73-417B-BED6-3E67479C69F8}"/>
+                <a16:creationId xmlns="" xmlns:a16="http://schemas.microsoft.com/office/drawing/2014/main" id="{2280A4AD-4B73-417B-BED6-3E67479C69F8}"/>
               </a:ext>
             </a:extLst>
           </p:cNvPr>
@@ -8820,7 +8820,7 @@
           <p:cNvPr id="30" name="Connecteur : en angle 29">
             <a:extLst>
               <a:ext uri="{FF2B5EF4-FFF2-40B4-BE49-F238E27FC236}">
-                <a16:creationId xmlns:a16="http://schemas.microsoft.com/office/drawing/2014/main" xmlns="" id="{05D83E66-2911-4916-99D0-6465D800EE7A}"/>
+                <a16:creationId xmlns="" xmlns:a16="http://schemas.microsoft.com/office/drawing/2014/main" id="{05D83E66-2911-4916-99D0-6465D800EE7A}"/>
               </a:ext>
             </a:extLst>
           </p:cNvPr>
@@ -8864,7 +8864,7 @@
           <p:cNvPr id="40" name="Flowchart: Connector 48">
             <a:extLst>
               <a:ext uri="{FF2B5EF4-FFF2-40B4-BE49-F238E27FC236}">
-                <a16:creationId xmlns:a16="http://schemas.microsoft.com/office/drawing/2014/main" xmlns="" id="{D2B48504-C1D2-451C-8792-F1F568D3A5C3}"/>
+                <a16:creationId xmlns="" xmlns:a16="http://schemas.microsoft.com/office/drawing/2014/main" id="{D2B48504-C1D2-451C-8792-F1F568D3A5C3}"/>
               </a:ext>
             </a:extLst>
           </p:cNvPr>
@@ -9018,7 +9018,7 @@
           <p:cNvPr id="41" name="TextBox 64">
             <a:extLst>
               <a:ext uri="{FF2B5EF4-FFF2-40B4-BE49-F238E27FC236}">
-                <a16:creationId xmlns:a16="http://schemas.microsoft.com/office/drawing/2014/main" xmlns="" id="{CA9B8ECF-00BF-4E19-92B9-9B15872A3A38}"/>
+                <a16:creationId xmlns="" xmlns:a16="http://schemas.microsoft.com/office/drawing/2014/main" id="{CA9B8ECF-00BF-4E19-92B9-9B15872A3A38}"/>
               </a:ext>
             </a:extLst>
           </p:cNvPr>
@@ -9083,7 +9083,7 @@
           <p:cNvPr id="64" name="Connecteur : en angle 63">
             <a:extLst>
               <a:ext uri="{FF2B5EF4-FFF2-40B4-BE49-F238E27FC236}">
-                <a16:creationId xmlns:a16="http://schemas.microsoft.com/office/drawing/2014/main" xmlns="" id="{9F4C84A9-3A3F-4B1F-8BC5-6FCDA728FC34}"/>
+                <a16:creationId xmlns="" xmlns:a16="http://schemas.microsoft.com/office/drawing/2014/main" id="{9F4C84A9-3A3F-4B1F-8BC5-6FCDA728FC34}"/>
               </a:ext>
             </a:extLst>
           </p:cNvPr>
@@ -9132,7 +9132,7 @@
           <p:cNvPr id="59" name="Connecteur : en angle 58">
             <a:extLst>
               <a:ext uri="{FF2B5EF4-FFF2-40B4-BE49-F238E27FC236}">
-                <a16:creationId xmlns:a16="http://schemas.microsoft.com/office/drawing/2014/main" xmlns="" id="{5C1C86BB-F07E-4B3B-8017-8B9CB1E5864E}"/>
+                <a16:creationId xmlns="" xmlns:a16="http://schemas.microsoft.com/office/drawing/2014/main" id="{5C1C86BB-F07E-4B3B-8017-8B9CB1E5864E}"/>
               </a:ext>
             </a:extLst>
           </p:cNvPr>
@@ -9180,7 +9180,7 @@
           <p:cNvPr id="58" name="Connecteur : en angle 57">
             <a:extLst>
               <a:ext uri="{FF2B5EF4-FFF2-40B4-BE49-F238E27FC236}">
-                <a16:creationId xmlns:a16="http://schemas.microsoft.com/office/drawing/2014/main" xmlns="" id="{9CC5942C-0244-4716-8760-3C2FBF98FF93}"/>
+                <a16:creationId xmlns="" xmlns:a16="http://schemas.microsoft.com/office/drawing/2014/main" id="{9CC5942C-0244-4716-8760-3C2FBF98FF93}"/>
               </a:ext>
             </a:extLst>
           </p:cNvPr>
@@ -9226,7 +9226,7 @@
           <p:cNvPr id="54" name="Connecteur : en angle 53">
             <a:extLst>
               <a:ext uri="{FF2B5EF4-FFF2-40B4-BE49-F238E27FC236}">
-                <a16:creationId xmlns:a16="http://schemas.microsoft.com/office/drawing/2014/main" xmlns="" id="{5016A860-0EF1-4D12-98CE-0BA729D72FEE}"/>
+                <a16:creationId xmlns="" xmlns:a16="http://schemas.microsoft.com/office/drawing/2014/main" id="{5016A860-0EF1-4D12-98CE-0BA729D72FEE}"/>
               </a:ext>
             </a:extLst>
           </p:cNvPr>
@@ -9272,7 +9272,7 @@
           <p:cNvPr id="3" name="Rectangle 2">
             <a:extLst>
               <a:ext uri="{FF2B5EF4-FFF2-40B4-BE49-F238E27FC236}">
-                <a16:creationId xmlns:a16="http://schemas.microsoft.com/office/drawing/2014/main" xmlns="" id="{B8193079-43C0-41A3-9EC1-A9C33740B569}"/>
+                <a16:creationId xmlns="" xmlns:a16="http://schemas.microsoft.com/office/drawing/2014/main" id="{B8193079-43C0-41A3-9EC1-A9C33740B569}"/>
               </a:ext>
             </a:extLst>
           </p:cNvPr>
@@ -9336,7 +9336,7 @@
           <p:cNvPr id="4" name="Rectangle 3">
             <a:extLst>
               <a:ext uri="{FF2B5EF4-FFF2-40B4-BE49-F238E27FC236}">
-                <a16:creationId xmlns:a16="http://schemas.microsoft.com/office/drawing/2014/main" xmlns="" id="{290F92F7-A962-430A-8C7A-E7D631DFF812}"/>
+                <a16:creationId xmlns="" xmlns:a16="http://schemas.microsoft.com/office/drawing/2014/main" id="{290F92F7-A962-430A-8C7A-E7D631DFF812}"/>
               </a:ext>
             </a:extLst>
           </p:cNvPr>
@@ -9408,7 +9408,7 @@
           <p:cNvPr id="5" name="Rectangle 4">
             <a:extLst>
               <a:ext uri="{FF2B5EF4-FFF2-40B4-BE49-F238E27FC236}">
-                <a16:creationId xmlns:a16="http://schemas.microsoft.com/office/drawing/2014/main" xmlns="" id="{2A37F4EB-1F80-409E-85AB-A1C6124CCC97}"/>
+                <a16:creationId xmlns="" xmlns:a16="http://schemas.microsoft.com/office/drawing/2014/main" id="{2A37F4EB-1F80-409E-85AB-A1C6124CCC97}"/>
               </a:ext>
             </a:extLst>
           </p:cNvPr>
@@ -9472,7 +9472,7 @@
           <p:cNvPr id="7" name="Rectangle 6">
             <a:extLst>
               <a:ext uri="{FF2B5EF4-FFF2-40B4-BE49-F238E27FC236}">
-                <a16:creationId xmlns:a16="http://schemas.microsoft.com/office/drawing/2014/main" xmlns="" id="{608CACB9-03AB-4B0E-9E6A-961982C1B0D5}"/>
+                <a16:creationId xmlns="" xmlns:a16="http://schemas.microsoft.com/office/drawing/2014/main" id="{608CACB9-03AB-4B0E-9E6A-961982C1B0D5}"/>
               </a:ext>
             </a:extLst>
           </p:cNvPr>
@@ -9536,7 +9536,7 @@
           <p:cNvPr id="8" name="Picture 7" descr="Bildergebnis für computer screen">
             <a:extLst>
               <a:ext uri="{FF2B5EF4-FFF2-40B4-BE49-F238E27FC236}">
-                <a16:creationId xmlns:a16="http://schemas.microsoft.com/office/drawing/2014/main" xmlns="" id="{6120478A-AAE2-4C80-AF97-2F68145B5FA1}"/>
+                <a16:creationId xmlns="" xmlns:a16="http://schemas.microsoft.com/office/drawing/2014/main" id="{6120478A-AAE2-4C80-AF97-2F68145B5FA1}"/>
               </a:ext>
             </a:extLst>
           </p:cNvPr>
@@ -9583,7 +9583,7 @@
           <p:cNvPr id="9" name="Group 4">
             <a:extLst>
               <a:ext uri="{FF2B5EF4-FFF2-40B4-BE49-F238E27FC236}">
-                <a16:creationId xmlns:a16="http://schemas.microsoft.com/office/drawing/2014/main" xmlns="" id="{AA71BF96-745D-4634-B31E-AFD63ED8EF0C}"/>
+                <a16:creationId xmlns="" xmlns:a16="http://schemas.microsoft.com/office/drawing/2014/main" id="{AA71BF96-745D-4634-B31E-AFD63ED8EF0C}"/>
               </a:ext>
             </a:extLst>
           </p:cNvPr>
@@ -9603,7 +9603,7 @@
             <p:cNvPr id="10" name="Picture 2">
               <a:extLst>
                 <a:ext uri="{FF2B5EF4-FFF2-40B4-BE49-F238E27FC236}">
-                  <a16:creationId xmlns:a16="http://schemas.microsoft.com/office/drawing/2014/main" xmlns="" id="{3158E163-FB53-4C35-B612-7A36D75DB296}"/>
+                  <a16:creationId xmlns="" xmlns:a16="http://schemas.microsoft.com/office/drawing/2014/main" id="{3158E163-FB53-4C35-B612-7A36D75DB296}"/>
                 </a:ext>
               </a:extLst>
             </p:cNvPr>
@@ -9663,7 +9663,7 @@
             <p:cNvPr id="11" name="Picture 4" descr="Image result for heatmap">
               <a:extLst>
                 <a:ext uri="{FF2B5EF4-FFF2-40B4-BE49-F238E27FC236}">
-                  <a16:creationId xmlns:a16="http://schemas.microsoft.com/office/drawing/2014/main" xmlns="" id="{5698B150-8C4E-42A8-95FD-BE89316591E8}"/>
+                  <a16:creationId xmlns="" xmlns:a16="http://schemas.microsoft.com/office/drawing/2014/main" id="{5698B150-8C4E-42A8-95FD-BE89316591E8}"/>
                 </a:ext>
               </a:extLst>
             </p:cNvPr>
@@ -9710,7 +9710,7 @@
             <p:cNvPr id="12" name="Picture 4" descr="Image result for heatmap">
               <a:extLst>
                 <a:ext uri="{FF2B5EF4-FFF2-40B4-BE49-F238E27FC236}">
-                  <a16:creationId xmlns:a16="http://schemas.microsoft.com/office/drawing/2014/main" xmlns="" id="{0232950E-3D6D-4131-8452-66A32E0F0306}"/>
+                  <a16:creationId xmlns="" xmlns:a16="http://schemas.microsoft.com/office/drawing/2014/main" id="{0232950E-3D6D-4131-8452-66A32E0F0306}"/>
                 </a:ext>
               </a:extLst>
             </p:cNvPr>
@@ -9757,7 +9757,7 @@
             <p:cNvPr id="13" name="Picture 4" descr="Image result for heatmap">
               <a:extLst>
                 <a:ext uri="{FF2B5EF4-FFF2-40B4-BE49-F238E27FC236}">
-                  <a16:creationId xmlns:a16="http://schemas.microsoft.com/office/drawing/2014/main" xmlns="" id="{28544EBB-FA88-4059-86A0-FF0A4AC550F2}"/>
+                  <a16:creationId xmlns="" xmlns:a16="http://schemas.microsoft.com/office/drawing/2014/main" id="{28544EBB-FA88-4059-86A0-FF0A4AC550F2}"/>
                 </a:ext>
               </a:extLst>
             </p:cNvPr>
@@ -9804,7 +9804,7 @@
             <p:cNvPr id="14" name="Picture 4" descr="Image result for heatmap">
               <a:extLst>
                 <a:ext uri="{FF2B5EF4-FFF2-40B4-BE49-F238E27FC236}">
-                  <a16:creationId xmlns:a16="http://schemas.microsoft.com/office/drawing/2014/main" xmlns="" id="{09822DC8-DC06-4B33-98BB-5C595325B53D}"/>
+                  <a16:creationId xmlns="" xmlns:a16="http://schemas.microsoft.com/office/drawing/2014/main" id="{09822DC8-DC06-4B33-98BB-5C595325B53D}"/>
                 </a:ext>
               </a:extLst>
             </p:cNvPr>
@@ -9851,7 +9851,7 @@
             <p:cNvPr id="15" name="Picture 4" descr="Image result for heatmap">
               <a:extLst>
                 <a:ext uri="{FF2B5EF4-FFF2-40B4-BE49-F238E27FC236}">
-                  <a16:creationId xmlns:a16="http://schemas.microsoft.com/office/drawing/2014/main" xmlns="" id="{243AF162-70AB-4E5F-AF66-3551DFCC2D05}"/>
+                  <a16:creationId xmlns="" xmlns:a16="http://schemas.microsoft.com/office/drawing/2014/main" id="{243AF162-70AB-4E5F-AF66-3551DFCC2D05}"/>
                 </a:ext>
               </a:extLst>
             </p:cNvPr>
@@ -9898,7 +9898,7 @@
             <p:cNvPr id="16" name="Picture 4" descr="Image result for heatmap">
               <a:extLst>
                 <a:ext uri="{FF2B5EF4-FFF2-40B4-BE49-F238E27FC236}">
-                  <a16:creationId xmlns:a16="http://schemas.microsoft.com/office/drawing/2014/main" xmlns="" id="{C7B82DBD-0ABB-41EF-BC4D-AB06030CE461}"/>
+                  <a16:creationId xmlns="" xmlns:a16="http://schemas.microsoft.com/office/drawing/2014/main" id="{C7B82DBD-0ABB-41EF-BC4D-AB06030CE461}"/>
                 </a:ext>
               </a:extLst>
             </p:cNvPr>
@@ -9945,7 +9945,7 @@
             <p:cNvPr id="17" name="Picture 8" descr="Image result for heatmap">
               <a:extLst>
                 <a:ext uri="{FF2B5EF4-FFF2-40B4-BE49-F238E27FC236}">
-                  <a16:creationId xmlns:a16="http://schemas.microsoft.com/office/drawing/2014/main" xmlns="" id="{349B892E-EED6-4071-B8DA-DF898603658A}"/>
+                  <a16:creationId xmlns="" xmlns:a16="http://schemas.microsoft.com/office/drawing/2014/main" id="{349B892E-EED6-4071-B8DA-DF898603658A}"/>
                 </a:ext>
               </a:extLst>
             </p:cNvPr>
@@ -9992,7 +9992,7 @@
             <p:cNvPr id="18" name="Picture 4" descr="Image result for heatmap">
               <a:extLst>
                 <a:ext uri="{FF2B5EF4-FFF2-40B4-BE49-F238E27FC236}">
-                  <a16:creationId xmlns:a16="http://schemas.microsoft.com/office/drawing/2014/main" xmlns="" id="{7122F150-1CA5-4318-A005-163F129D83DB}"/>
+                  <a16:creationId xmlns="" xmlns:a16="http://schemas.microsoft.com/office/drawing/2014/main" id="{7122F150-1CA5-4318-A005-163F129D83DB}"/>
                 </a:ext>
               </a:extLst>
             </p:cNvPr>
@@ -10039,7 +10039,7 @@
             <p:cNvPr id="19" name="Picture 4" descr="Image result for heatmap">
               <a:extLst>
                 <a:ext uri="{FF2B5EF4-FFF2-40B4-BE49-F238E27FC236}">
-                  <a16:creationId xmlns:a16="http://schemas.microsoft.com/office/drawing/2014/main" xmlns="" id="{2AAB2111-3E6E-4874-BBC9-2519D6249E8C}"/>
+                  <a16:creationId xmlns="" xmlns:a16="http://schemas.microsoft.com/office/drawing/2014/main" id="{2AAB2111-3E6E-4874-BBC9-2519D6249E8C}"/>
                 </a:ext>
               </a:extLst>
             </p:cNvPr>
@@ -10086,7 +10086,7 @@
             <p:cNvPr id="20" name="Picture 4" descr="Image result for heatmap">
               <a:extLst>
                 <a:ext uri="{FF2B5EF4-FFF2-40B4-BE49-F238E27FC236}">
-                  <a16:creationId xmlns:a16="http://schemas.microsoft.com/office/drawing/2014/main" xmlns="" id="{B4EA3148-93D7-4FF9-8B7E-7F1F93F83A88}"/>
+                  <a16:creationId xmlns="" xmlns:a16="http://schemas.microsoft.com/office/drawing/2014/main" id="{B4EA3148-93D7-4FF9-8B7E-7F1F93F83A88}"/>
                 </a:ext>
               </a:extLst>
             </p:cNvPr>
@@ -10133,7 +10133,7 @@
             <p:cNvPr id="21" name="Picture 4" descr="Image result for heatmap">
               <a:extLst>
                 <a:ext uri="{FF2B5EF4-FFF2-40B4-BE49-F238E27FC236}">
-                  <a16:creationId xmlns:a16="http://schemas.microsoft.com/office/drawing/2014/main" xmlns="" id="{3B3D696D-6CAC-45EA-B828-AA0E4EB50EC5}"/>
+                  <a16:creationId xmlns="" xmlns:a16="http://schemas.microsoft.com/office/drawing/2014/main" id="{3B3D696D-6CAC-45EA-B828-AA0E4EB50EC5}"/>
                 </a:ext>
               </a:extLst>
             </p:cNvPr>
@@ -10180,7 +10180,7 @@
             <p:cNvPr id="22" name="Picture 4" descr="Image result for heatmap">
               <a:extLst>
                 <a:ext uri="{FF2B5EF4-FFF2-40B4-BE49-F238E27FC236}">
-                  <a16:creationId xmlns:a16="http://schemas.microsoft.com/office/drawing/2014/main" xmlns="" id="{3005E46A-71D2-437C-BA62-B0C62CC7DAD6}"/>
+                  <a16:creationId xmlns="" xmlns:a16="http://schemas.microsoft.com/office/drawing/2014/main" id="{3005E46A-71D2-437C-BA62-B0C62CC7DAD6}"/>
                 </a:ext>
               </a:extLst>
             </p:cNvPr>
@@ -10227,7 +10227,7 @@
             <p:cNvPr id="23" name="Picture 4" descr="Image result for heatmap">
               <a:extLst>
                 <a:ext uri="{FF2B5EF4-FFF2-40B4-BE49-F238E27FC236}">
-                  <a16:creationId xmlns:a16="http://schemas.microsoft.com/office/drawing/2014/main" xmlns="" id="{29570675-B8EE-4555-92B6-4BDC24F61F31}"/>
+                  <a16:creationId xmlns="" xmlns:a16="http://schemas.microsoft.com/office/drawing/2014/main" id="{29570675-B8EE-4555-92B6-4BDC24F61F31}"/>
                 </a:ext>
               </a:extLst>
             </p:cNvPr>
@@ -10274,7 +10274,7 @@
             <p:cNvPr id="24" name="Picture 4" descr="Image result for heatmap">
               <a:extLst>
                 <a:ext uri="{FF2B5EF4-FFF2-40B4-BE49-F238E27FC236}">
-                  <a16:creationId xmlns:a16="http://schemas.microsoft.com/office/drawing/2014/main" xmlns="" id="{0CAE5BCA-5512-4C7A-AF77-F4167225FC17}"/>
+                  <a16:creationId xmlns="" xmlns:a16="http://schemas.microsoft.com/office/drawing/2014/main" id="{0CAE5BCA-5512-4C7A-AF77-F4167225FC17}"/>
                 </a:ext>
               </a:extLst>
             </p:cNvPr>
@@ -10321,7 +10321,7 @@
             <p:cNvPr id="25" name="Picture 4" descr="Image result for heatmap">
               <a:extLst>
                 <a:ext uri="{FF2B5EF4-FFF2-40B4-BE49-F238E27FC236}">
-                  <a16:creationId xmlns:a16="http://schemas.microsoft.com/office/drawing/2014/main" xmlns="" id="{034D4F6B-046C-46AD-9896-FBEAFCC703D6}"/>
+                  <a16:creationId xmlns="" xmlns:a16="http://schemas.microsoft.com/office/drawing/2014/main" id="{034D4F6B-046C-46AD-9896-FBEAFCC703D6}"/>
                 </a:ext>
               </a:extLst>
             </p:cNvPr>
@@ -10368,7 +10368,7 @@
             <p:cNvPr id="26" name="Picture 4" descr="Image result for heatmap">
               <a:extLst>
                 <a:ext uri="{FF2B5EF4-FFF2-40B4-BE49-F238E27FC236}">
-                  <a16:creationId xmlns:a16="http://schemas.microsoft.com/office/drawing/2014/main" xmlns="" id="{9F99E9A8-909A-45E1-8AEB-4B5D78698A13}"/>
+                  <a16:creationId xmlns="" xmlns:a16="http://schemas.microsoft.com/office/drawing/2014/main" id="{9F99E9A8-909A-45E1-8AEB-4B5D78698A13}"/>
                 </a:ext>
               </a:extLst>
             </p:cNvPr>
@@ -10416,7 +10416,7 @@
           <p:cNvPr id="27" name="Group 5">
             <a:extLst>
               <a:ext uri="{FF2B5EF4-FFF2-40B4-BE49-F238E27FC236}">
-                <a16:creationId xmlns:a16="http://schemas.microsoft.com/office/drawing/2014/main" xmlns="" id="{D9D9FE26-E6C6-4A50-BD10-8AF78A4AF136}"/>
+                <a16:creationId xmlns="" xmlns:a16="http://schemas.microsoft.com/office/drawing/2014/main" id="{D9D9FE26-E6C6-4A50-BD10-8AF78A4AF136}"/>
               </a:ext>
             </a:extLst>
           </p:cNvPr>
@@ -10436,7 +10436,7 @@
             <p:cNvPr id="28" name="Rectangle 27">
               <a:extLst>
                 <a:ext uri="{FF2B5EF4-FFF2-40B4-BE49-F238E27FC236}">
-                  <a16:creationId xmlns:a16="http://schemas.microsoft.com/office/drawing/2014/main" xmlns="" id="{3A7BEEE2-F771-4618-8FDD-66C6B1D837D7}"/>
+                  <a16:creationId xmlns="" xmlns:a16="http://schemas.microsoft.com/office/drawing/2014/main" id="{3A7BEEE2-F771-4618-8FDD-66C6B1D837D7}"/>
                 </a:ext>
               </a:extLst>
             </p:cNvPr>
@@ -10503,7 +10503,7 @@
             <p:cNvPr id="29" name="Rectangle 28">
               <a:extLst>
                 <a:ext uri="{FF2B5EF4-FFF2-40B4-BE49-F238E27FC236}">
-                  <a16:creationId xmlns:a16="http://schemas.microsoft.com/office/drawing/2014/main" xmlns="" id="{1BC9C02F-3A85-431F-B7AF-9E2F49B1534D}"/>
+                  <a16:creationId xmlns="" xmlns:a16="http://schemas.microsoft.com/office/drawing/2014/main" id="{1BC9C02F-3A85-431F-B7AF-9E2F49B1534D}"/>
                 </a:ext>
               </a:extLst>
             </p:cNvPr>
@@ -10570,7 +10570,7 @@
             <p:cNvPr id="30" name="Rectangle 29">
               <a:extLst>
                 <a:ext uri="{FF2B5EF4-FFF2-40B4-BE49-F238E27FC236}">
-                  <a16:creationId xmlns:a16="http://schemas.microsoft.com/office/drawing/2014/main" xmlns="" id="{8C0DEDC6-16F6-4382-8E82-5C45D1D962DF}"/>
+                  <a16:creationId xmlns="" xmlns:a16="http://schemas.microsoft.com/office/drawing/2014/main" id="{8C0DEDC6-16F6-4382-8E82-5C45D1D962DF}"/>
                 </a:ext>
               </a:extLst>
             </p:cNvPr>
@@ -10637,7 +10637,7 @@
             <p:cNvPr id="31" name="Rectangle 30">
               <a:extLst>
                 <a:ext uri="{FF2B5EF4-FFF2-40B4-BE49-F238E27FC236}">
-                  <a16:creationId xmlns:a16="http://schemas.microsoft.com/office/drawing/2014/main" xmlns="" id="{7582E491-E5AB-44D1-AAE5-C4D0662674B0}"/>
+                  <a16:creationId xmlns="" xmlns:a16="http://schemas.microsoft.com/office/drawing/2014/main" id="{7582E491-E5AB-44D1-AAE5-C4D0662674B0}"/>
                 </a:ext>
               </a:extLst>
             </p:cNvPr>
@@ -10704,7 +10704,7 @@
             <p:cNvPr id="32" name="TextBox 2">
               <a:extLst>
                 <a:ext uri="{FF2B5EF4-FFF2-40B4-BE49-F238E27FC236}">
-                  <a16:creationId xmlns:a16="http://schemas.microsoft.com/office/drawing/2014/main" xmlns="" id="{312A7638-8378-405E-A27F-EFEFA521E057}"/>
+                  <a16:creationId xmlns="" xmlns:a16="http://schemas.microsoft.com/office/drawing/2014/main" id="{312A7638-8378-405E-A27F-EFEFA521E057}"/>
                 </a:ext>
               </a:extLst>
             </p:cNvPr>
@@ -10739,7 +10739,7 @@
             <p:cNvPr id="33" name="TextBox 104">
               <a:extLst>
                 <a:ext uri="{FF2B5EF4-FFF2-40B4-BE49-F238E27FC236}">
-                  <a16:creationId xmlns:a16="http://schemas.microsoft.com/office/drawing/2014/main" xmlns="" id="{24303F12-7D68-4B76-81F8-306976C26FFA}"/>
+                  <a16:creationId xmlns="" xmlns:a16="http://schemas.microsoft.com/office/drawing/2014/main" id="{24303F12-7D68-4B76-81F8-306976C26FFA}"/>
                 </a:ext>
               </a:extLst>
             </p:cNvPr>
@@ -10774,7 +10774,7 @@
             <p:cNvPr id="34" name="TextBox 106">
               <a:extLst>
                 <a:ext uri="{FF2B5EF4-FFF2-40B4-BE49-F238E27FC236}">
-                  <a16:creationId xmlns:a16="http://schemas.microsoft.com/office/drawing/2014/main" xmlns="" id="{D58360A9-0D66-4038-B0C9-C0A7D538ECF6}"/>
+                  <a16:creationId xmlns="" xmlns:a16="http://schemas.microsoft.com/office/drawing/2014/main" id="{D58360A9-0D66-4038-B0C9-C0A7D538ECF6}"/>
                 </a:ext>
               </a:extLst>
             </p:cNvPr>
@@ -10809,7 +10809,7 @@
             <p:cNvPr id="35" name="TextBox 107">
               <a:extLst>
                 <a:ext uri="{FF2B5EF4-FFF2-40B4-BE49-F238E27FC236}">
-                  <a16:creationId xmlns:a16="http://schemas.microsoft.com/office/drawing/2014/main" xmlns="" id="{4AE9E213-FAD6-47B9-A793-E7505F77A5B3}"/>
+                  <a16:creationId xmlns="" xmlns:a16="http://schemas.microsoft.com/office/drawing/2014/main" id="{4AE9E213-FAD6-47B9-A793-E7505F77A5B3}"/>
                 </a:ext>
               </a:extLst>
             </p:cNvPr>
@@ -10845,7 +10845,7 @@
           <p:cNvPr id="36" name="Rectangle 35">
             <a:extLst>
               <a:ext uri="{FF2B5EF4-FFF2-40B4-BE49-F238E27FC236}">
-                <a16:creationId xmlns:a16="http://schemas.microsoft.com/office/drawing/2014/main" xmlns="" id="{E49376A3-29C4-4E93-8ED5-47F39563CD37}"/>
+                <a16:creationId xmlns="" xmlns:a16="http://schemas.microsoft.com/office/drawing/2014/main" id="{E49376A3-29C4-4E93-8ED5-47F39563CD37}"/>
               </a:ext>
             </a:extLst>
           </p:cNvPr>
@@ -10909,7 +10909,7 @@
           <p:cNvPr id="40" name="Flowchart: Connector 48">
             <a:extLst>
               <a:ext uri="{FF2B5EF4-FFF2-40B4-BE49-F238E27FC236}">
-                <a16:creationId xmlns:a16="http://schemas.microsoft.com/office/drawing/2014/main" xmlns="" id="{2C1082F3-A8C4-4258-A9D9-220E4403A8EF}"/>
+                <a16:creationId xmlns="" xmlns:a16="http://schemas.microsoft.com/office/drawing/2014/main" id="{2C1082F3-A8C4-4258-A9D9-220E4403A8EF}"/>
               </a:ext>
             </a:extLst>
           </p:cNvPr>
@@ -11063,7 +11063,7 @@
           <p:cNvPr id="41" name="Groupe 40">
             <a:extLst>
               <a:ext uri="{FF2B5EF4-FFF2-40B4-BE49-F238E27FC236}">
-                <a16:creationId xmlns:a16="http://schemas.microsoft.com/office/drawing/2014/main" xmlns="" id="{F3CAD17D-A00C-4A5B-9466-258B8EF01CA1}"/>
+                <a16:creationId xmlns="" xmlns:a16="http://schemas.microsoft.com/office/drawing/2014/main" id="{F3CAD17D-A00C-4A5B-9466-258B8EF01CA1}"/>
               </a:ext>
             </a:extLst>
           </p:cNvPr>
@@ -11083,7 +11083,7 @@
             <p:cNvPr id="42" name="Picture 2" descr="RÃ©sultat de recherche d'images pour &quot;oauth 2.0&quot;">
               <a:extLst>
                 <a:ext uri="{FF2B5EF4-FFF2-40B4-BE49-F238E27FC236}">
-                  <a16:creationId xmlns:a16="http://schemas.microsoft.com/office/drawing/2014/main" xmlns="" id="{CC59D893-124C-4B42-B3CC-F66D12856139}"/>
+                  <a16:creationId xmlns="" xmlns:a16="http://schemas.microsoft.com/office/drawing/2014/main" id="{CC59D893-124C-4B42-B3CC-F66D12856139}"/>
                 </a:ext>
               </a:extLst>
             </p:cNvPr>
@@ -11130,7 +11130,7 @@
             <p:cNvPr id="43" name="Rectangle 42">
               <a:extLst>
                 <a:ext uri="{FF2B5EF4-FFF2-40B4-BE49-F238E27FC236}">
-                  <a16:creationId xmlns:a16="http://schemas.microsoft.com/office/drawing/2014/main" xmlns="" id="{98826F94-86D6-4E2C-AAAF-8ADD24C8B322}"/>
+                  <a16:creationId xmlns="" xmlns:a16="http://schemas.microsoft.com/office/drawing/2014/main" id="{98826F94-86D6-4E2C-AAAF-8ADD24C8B322}"/>
                 </a:ext>
               </a:extLst>
             </p:cNvPr>
@@ -11203,7 +11203,7 @@
           <p:cNvPr id="50" name="Flowchart: Connector 48">
             <a:extLst>
               <a:ext uri="{FF2B5EF4-FFF2-40B4-BE49-F238E27FC236}">
-                <a16:creationId xmlns:a16="http://schemas.microsoft.com/office/drawing/2014/main" xmlns="" id="{FBA78009-016F-4693-A0E8-B224C573B053}"/>
+                <a16:creationId xmlns="" xmlns:a16="http://schemas.microsoft.com/office/drawing/2014/main" id="{FBA78009-016F-4693-A0E8-B224C573B053}"/>
               </a:ext>
             </a:extLst>
           </p:cNvPr>
@@ -11357,7 +11357,7 @@
           <p:cNvPr id="55" name="TextBox 64">
             <a:extLst>
               <a:ext uri="{FF2B5EF4-FFF2-40B4-BE49-F238E27FC236}">
-                <a16:creationId xmlns:a16="http://schemas.microsoft.com/office/drawing/2014/main" xmlns="" id="{42445C76-5B0D-413B-B7D8-BA05D6F585B6}"/>
+                <a16:creationId xmlns="" xmlns:a16="http://schemas.microsoft.com/office/drawing/2014/main" id="{42445C76-5B0D-413B-B7D8-BA05D6F585B6}"/>
               </a:ext>
             </a:extLst>
           </p:cNvPr>
@@ -11416,7 +11416,7 @@
           <p:cNvPr id="56" name="TextBox 64">
             <a:extLst>
               <a:ext uri="{FF2B5EF4-FFF2-40B4-BE49-F238E27FC236}">
-                <a16:creationId xmlns:a16="http://schemas.microsoft.com/office/drawing/2014/main" xmlns="" id="{79108192-3FBD-453D-BD29-302CFFD4AFAF}"/>
+                <a16:creationId xmlns="" xmlns:a16="http://schemas.microsoft.com/office/drawing/2014/main" id="{79108192-3FBD-453D-BD29-302CFFD4AFAF}"/>
               </a:ext>
             </a:extLst>
           </p:cNvPr>
@@ -11459,7 +11459,7 @@
           <p:cNvPr id="63" name="TextBox 64">
             <a:extLst>
               <a:ext uri="{FF2B5EF4-FFF2-40B4-BE49-F238E27FC236}">
-                <a16:creationId xmlns:a16="http://schemas.microsoft.com/office/drawing/2014/main" xmlns="" id="{1D3A6C2C-946B-4152-9111-2AFF7390C07E}"/>
+                <a16:creationId xmlns="" xmlns:a16="http://schemas.microsoft.com/office/drawing/2014/main" id="{1D3A6C2C-946B-4152-9111-2AFF7390C07E}"/>
               </a:ext>
             </a:extLst>
           </p:cNvPr>
@@ -11500,7 +11500,7 @@
           <p:cNvPr id="75" name="Flowchart: Connector 48">
             <a:extLst>
               <a:ext uri="{FF2B5EF4-FFF2-40B4-BE49-F238E27FC236}">
-                <a16:creationId xmlns:a16="http://schemas.microsoft.com/office/drawing/2014/main" xmlns="" id="{BB977A44-A99C-4B7D-B288-9FBAE0BE1BDD}"/>
+                <a16:creationId xmlns="" xmlns:a16="http://schemas.microsoft.com/office/drawing/2014/main" id="{BB977A44-A99C-4B7D-B288-9FBAE0BE1BDD}"/>
               </a:ext>
             </a:extLst>
           </p:cNvPr>
@@ -11654,7 +11654,7 @@
           <p:cNvPr id="76" name="TextBox 64">
             <a:extLst>
               <a:ext uri="{FF2B5EF4-FFF2-40B4-BE49-F238E27FC236}">
-                <a16:creationId xmlns:a16="http://schemas.microsoft.com/office/drawing/2014/main" xmlns="" id="{49CAFD92-4F03-458E-BEE6-C7179BE9BFF8}"/>
+                <a16:creationId xmlns="" xmlns:a16="http://schemas.microsoft.com/office/drawing/2014/main" id="{49CAFD92-4F03-458E-BEE6-C7179BE9BFF8}"/>
               </a:ext>
             </a:extLst>
           </p:cNvPr>
@@ -11689,7 +11689,7 @@
           <p:cNvPr id="57" name="Flowchart: Connector 48">
             <a:extLst>
               <a:ext uri="{FF2B5EF4-FFF2-40B4-BE49-F238E27FC236}">
-                <a16:creationId xmlns:a16="http://schemas.microsoft.com/office/drawing/2014/main" xmlns="" id="{D1BBED99-5EF8-4256-96AB-04837210BD36}"/>
+                <a16:creationId xmlns="" xmlns:a16="http://schemas.microsoft.com/office/drawing/2014/main" id="{D1BBED99-5EF8-4256-96AB-04837210BD36}"/>
               </a:ext>
             </a:extLst>
           </p:cNvPr>
@@ -11843,7 +11843,7 @@
           <p:cNvPr id="47" name="Connecteur droit avec flèche 46">
             <a:extLst>
               <a:ext uri="{FF2B5EF4-FFF2-40B4-BE49-F238E27FC236}">
-                <a16:creationId xmlns:a16="http://schemas.microsoft.com/office/drawing/2014/main" xmlns="" id="{81659C81-BCC7-4664-9372-ADF3572E4164}"/>
+                <a16:creationId xmlns="" xmlns:a16="http://schemas.microsoft.com/office/drawing/2014/main" id="{81659C81-BCC7-4664-9372-ADF3572E4164}"/>
               </a:ext>
             </a:extLst>
           </p:cNvPr>
@@ -11885,7 +11885,7 @@
           <p:cNvPr id="60" name="Connecteur droit avec flèche 59">
             <a:extLst>
               <a:ext uri="{FF2B5EF4-FFF2-40B4-BE49-F238E27FC236}">
-                <a16:creationId xmlns:a16="http://schemas.microsoft.com/office/drawing/2014/main" xmlns="" id="{47A24A89-F0D5-406F-8490-AADC0B6AA9B8}"/>
+                <a16:creationId xmlns="" xmlns:a16="http://schemas.microsoft.com/office/drawing/2014/main" id="{47A24A89-F0D5-406F-8490-AADC0B6AA9B8}"/>
               </a:ext>
             </a:extLst>
           </p:cNvPr>
@@ -11929,7 +11929,7 @@
           <p:cNvPr id="65" name="Flowchart: Connector 48">
             <a:extLst>
               <a:ext uri="{FF2B5EF4-FFF2-40B4-BE49-F238E27FC236}">
-                <a16:creationId xmlns:a16="http://schemas.microsoft.com/office/drawing/2014/main" xmlns="" id="{CFF67A95-D49C-47E9-9768-E3118C11187E}"/>
+                <a16:creationId xmlns="" xmlns:a16="http://schemas.microsoft.com/office/drawing/2014/main" id="{CFF67A95-D49C-47E9-9768-E3118C11187E}"/>
               </a:ext>
             </a:extLst>
           </p:cNvPr>
@@ -12083,7 +12083,7 @@
           <p:cNvPr id="66" name="Flowchart: Connector 48">
             <a:extLst>
               <a:ext uri="{FF2B5EF4-FFF2-40B4-BE49-F238E27FC236}">
-                <a16:creationId xmlns:a16="http://schemas.microsoft.com/office/drawing/2014/main" xmlns="" id="{9C8C8B17-5B38-45B8-AC8F-3CEC248A4657}"/>
+                <a16:creationId xmlns="" xmlns:a16="http://schemas.microsoft.com/office/drawing/2014/main" id="{9C8C8B17-5B38-45B8-AC8F-3CEC248A4657}"/>
               </a:ext>
             </a:extLst>
           </p:cNvPr>
@@ -12237,7 +12237,7 @@
           <p:cNvPr id="67" name="TextBox 64">
             <a:extLst>
               <a:ext uri="{FF2B5EF4-FFF2-40B4-BE49-F238E27FC236}">
-                <a16:creationId xmlns:a16="http://schemas.microsoft.com/office/drawing/2014/main" xmlns="" id="{806D6C04-D272-437B-916A-D75385C99276}"/>
+                <a16:creationId xmlns="" xmlns:a16="http://schemas.microsoft.com/office/drawing/2014/main" id="{806D6C04-D272-437B-916A-D75385C99276}"/>
               </a:ext>
             </a:extLst>
           </p:cNvPr>
@@ -12272,7 +12272,7 @@
           <p:cNvPr id="68" name="TextBox 64">
             <a:extLst>
               <a:ext uri="{FF2B5EF4-FFF2-40B4-BE49-F238E27FC236}">
-                <a16:creationId xmlns:a16="http://schemas.microsoft.com/office/drawing/2014/main" xmlns="" id="{0C4497A5-FF2B-4A87-9214-4E02451B5272}"/>
+                <a16:creationId xmlns="" xmlns:a16="http://schemas.microsoft.com/office/drawing/2014/main" id="{0C4497A5-FF2B-4A87-9214-4E02451B5272}"/>
               </a:ext>
             </a:extLst>
           </p:cNvPr>
@@ -12337,7 +12337,7 @@
           <p:cNvPr id="3" name="Rectangle 2">
             <a:extLst>
               <a:ext uri="{FF2B5EF4-FFF2-40B4-BE49-F238E27FC236}">
-                <a16:creationId xmlns:a16="http://schemas.microsoft.com/office/drawing/2014/main" xmlns="" id="{608CACB9-03AB-4B0E-9E6A-961982C1B0D5}"/>
+                <a16:creationId xmlns="" xmlns:a16="http://schemas.microsoft.com/office/drawing/2014/main" id="{608CACB9-03AB-4B0E-9E6A-961982C1B0D5}"/>
               </a:ext>
             </a:extLst>
           </p:cNvPr>
@@ -12346,7 +12346,7 @@
         </p:nvSpPr>
         <p:spPr>
           <a:xfrm>
-            <a:off x="123224" y="2415617"/>
+            <a:off x="3549858" y="6381328"/>
             <a:ext cx="2339786" cy="358188"/>
           </a:xfrm>
           <a:prstGeom prst="rect">
@@ -12414,7 +12414,7 @@
           <p:cNvPr id="4" name="Rectangle 3">
             <a:extLst>
               <a:ext uri="{FF2B5EF4-FFF2-40B4-BE49-F238E27FC236}">
-                <a16:creationId xmlns:a16="http://schemas.microsoft.com/office/drawing/2014/main" xmlns="" id="{608CACB9-03AB-4B0E-9E6A-961982C1B0D5}"/>
+                <a16:creationId xmlns="" xmlns:a16="http://schemas.microsoft.com/office/drawing/2014/main" id="{608CACB9-03AB-4B0E-9E6A-961982C1B0D5}"/>
               </a:ext>
             </a:extLst>
           </p:cNvPr>
@@ -12423,7 +12423,7 @@
         </p:nvSpPr>
         <p:spPr>
           <a:xfrm>
-            <a:off x="5025025" y="2396859"/>
+            <a:off x="7249002" y="3282683"/>
             <a:ext cx="1871263" cy="395705"/>
           </a:xfrm>
           <a:prstGeom prst="rect">
@@ -12486,90 +12486,12 @@
           </a:p>
         </p:txBody>
       </p:sp>
-      <p:cxnSp>
-        <p:nvCxnSpPr>
-          <p:cNvPr id="8" name="Straight Arrow Connector 7"/>
-          <p:cNvCxnSpPr>
-            <a:stCxn id="3" idx="3"/>
-          </p:cNvCxnSpPr>
-          <p:nvPr/>
-        </p:nvCxnSpPr>
-        <p:spPr>
-          <a:xfrm>
-            <a:off x="2463010" y="2594711"/>
-            <a:ext cx="420841" cy="2"/>
-          </a:xfrm>
-          <a:prstGeom prst="straightConnector1">
-            <a:avLst/>
-          </a:prstGeom>
-          <a:ln>
-            <a:solidFill>
-              <a:schemeClr val="tx1"/>
-            </a:solidFill>
-            <a:tailEnd type="arrow"/>
-          </a:ln>
-        </p:spPr>
-        <p:style>
-          <a:lnRef idx="1">
-            <a:schemeClr val="accent1"/>
-          </a:lnRef>
-          <a:fillRef idx="0">
-            <a:schemeClr val="accent1"/>
-          </a:fillRef>
-          <a:effectRef idx="0">
-            <a:schemeClr val="accent1"/>
-          </a:effectRef>
-          <a:fontRef idx="minor">
-            <a:schemeClr val="tx1"/>
-          </a:fontRef>
-        </p:style>
-      </p:cxnSp>
-      <p:cxnSp>
-        <p:nvCxnSpPr>
-          <p:cNvPr id="10" name="Straight Arrow Connector 9"/>
-          <p:cNvCxnSpPr>
-            <a:stCxn id="82" idx="3"/>
-            <a:endCxn id="4" idx="1"/>
-          </p:cNvCxnSpPr>
-          <p:nvPr/>
-        </p:nvCxnSpPr>
-        <p:spPr>
-          <a:xfrm flipV="1">
-            <a:off x="4612043" y="2594712"/>
-            <a:ext cx="412982" cy="1649"/>
-          </a:xfrm>
-          <a:prstGeom prst="straightConnector1">
-            <a:avLst/>
-          </a:prstGeom>
-          <a:ln>
-            <a:solidFill>
-              <a:schemeClr val="tx1"/>
-            </a:solidFill>
-            <a:headEnd type="arrow"/>
-            <a:tailEnd type="arrow"/>
-          </a:ln>
-        </p:spPr>
-        <p:style>
-          <a:lnRef idx="1">
-            <a:schemeClr val="accent1"/>
-          </a:lnRef>
-          <a:fillRef idx="0">
-            <a:schemeClr val="accent1"/>
-          </a:fillRef>
-          <a:effectRef idx="0">
-            <a:schemeClr val="accent1"/>
-          </a:effectRef>
-          <a:fontRef idx="minor">
-            <a:schemeClr val="tx1"/>
-          </a:fontRef>
-        </p:style>
-      </p:cxnSp>
       <p:sp>
         <p:nvSpPr>
           <p:cNvPr id="38" name="Rectangle 37">
             <a:extLst>
               <a:ext uri="{FF2B5EF4-FFF2-40B4-BE49-F238E27FC236}">
-                <a16:creationId xmlns:a16="http://schemas.microsoft.com/office/drawing/2014/main" xmlns="" id="{608CACB9-03AB-4B0E-9E6A-961982C1B0D5}"/>
+                <a16:creationId xmlns="" xmlns:a16="http://schemas.microsoft.com/office/drawing/2014/main" id="{608CACB9-03AB-4B0E-9E6A-961982C1B0D5}"/>
               </a:ext>
             </a:extLst>
           </p:cNvPr>
@@ -12578,7 +12500,7 @@
         </p:nvSpPr>
         <p:spPr>
           <a:xfrm>
-            <a:off x="370263" y="4792579"/>
+            <a:off x="929002" y="5886919"/>
             <a:ext cx="1871263" cy="395705"/>
           </a:xfrm>
           <a:prstGeom prst="rect">
@@ -12633,298 +12555,97 @@
           </a:p>
         </p:txBody>
       </p:sp>
-      <p:sp>
-        <p:nvSpPr>
-          <p:cNvPr id="55" name="Rectangle 54">
-            <a:extLst>
-              <a:ext uri="{FF2B5EF4-FFF2-40B4-BE49-F238E27FC236}">
-                <a16:creationId xmlns:a16="http://schemas.microsoft.com/office/drawing/2014/main" xmlns="" id="{608CACB9-03AB-4B0E-9E6A-961982C1B0D5}"/>
-              </a:ext>
-            </a:extLst>
-          </p:cNvPr>
-          <p:cNvSpPr/>
+      <p:grpSp>
+        <p:nvGrpSpPr>
+          <p:cNvPr id="19" name="Group 18"/>
+          <p:cNvGrpSpPr/>
           <p:nvPr/>
-        </p:nvSpPr>
-        <p:spPr>
+        </p:nvGrpSpPr>
+        <p:grpSpPr>
           <a:xfrm>
-            <a:off x="3995936" y="160338"/>
-            <a:ext cx="1728192" cy="1076171"/>
+            <a:off x="6623952" y="4617660"/>
+            <a:ext cx="521297" cy="1007372"/>
+            <a:chOff x="4719750" y="5026831"/>
+            <a:chExt cx="521297" cy="1007372"/>
           </a:xfrm>
-          <a:prstGeom prst="rect">
-            <a:avLst/>
-          </a:prstGeom>
-          <a:noFill/>
-          <a:ln>
-            <a:solidFill>
-              <a:schemeClr val="tx1"/>
-            </a:solidFill>
-          </a:ln>
-        </p:spPr>
-        <p:style>
-          <a:lnRef idx="2">
-            <a:schemeClr val="accent1">
-              <a:shade val="50000"/>
-            </a:schemeClr>
-          </a:lnRef>
-          <a:fillRef idx="1">
-            <a:schemeClr val="accent1"/>
-          </a:fillRef>
-          <a:effectRef idx="0">
-            <a:schemeClr val="accent1"/>
-          </a:effectRef>
-          <a:fontRef idx="minor">
-            <a:schemeClr val="lt1"/>
-          </a:fontRef>
-        </p:style>
-        <p:txBody>
-          <a:bodyPr rot="0" spcFirstLastPara="0" vert="horz" wrap="square" lIns="91440" tIns="45720" rIns="91440" bIns="45720" numCol="1" spcCol="0" rtlCol="0" fromWordArt="0" anchor="b" anchorCtr="0" forceAA="0" compatLnSpc="1">
-            <a:prstTxWarp prst="textNoShape">
+        </p:grpSpPr>
+        <p:sp>
+          <p:nvSpPr>
+            <p:cNvPr id="82" name="Can 81"/>
+            <p:cNvSpPr/>
+            <p:nvPr/>
+          </p:nvSpPr>
+          <p:spPr>
+            <a:xfrm>
+              <a:off x="4764376" y="5026831"/>
+              <a:ext cx="432048" cy="1007372"/>
+            </a:xfrm>
+            <a:prstGeom prst="can">
               <a:avLst/>
-            </a:prstTxWarp>
-            <a:noAutofit/>
-          </a:bodyPr>
-          <a:lstStyle/>
-          <a:p>
-            <a:pPr algn="ctr"/>
-            <a:r>
-              <a:rPr lang="fr-BE" sz="1600" dirty="0" err="1" smtClean="0">
-                <a:solidFill>
-                  <a:schemeClr val="tx1"/>
-                </a:solidFill>
-              </a:rPr>
-              <a:t>RabbitMq</a:t>
-            </a:r>
-            <a:endParaRPr lang="en-US" sz="1600" dirty="0">
+            </a:prstGeom>
+            <a:noFill/>
+            <a:ln>
               <a:solidFill>
                 <a:schemeClr val="tx1"/>
               </a:solidFill>
-            </a:endParaRPr>
-          </a:p>
-        </p:txBody>
-      </p:sp>
-      <p:sp>
-        <p:nvSpPr>
-          <p:cNvPr id="56" name="Rectangle 55">
-            <a:extLst>
-              <a:ext uri="{FF2B5EF4-FFF2-40B4-BE49-F238E27FC236}">
-                <a16:creationId xmlns:a16="http://schemas.microsoft.com/office/drawing/2014/main" xmlns="" id="{608CACB9-03AB-4B0E-9E6A-961982C1B0D5}"/>
-              </a:ext>
-            </a:extLst>
-          </p:cNvPr>
-          <p:cNvSpPr/>
-          <p:nvPr/>
-        </p:nvSpPr>
-        <p:spPr>
-          <a:xfrm>
-            <a:off x="1598915" y="160338"/>
-            <a:ext cx="1728192" cy="1076171"/>
-          </a:xfrm>
-          <a:prstGeom prst="rect">
-            <a:avLst/>
-          </a:prstGeom>
-          <a:noFill/>
-          <a:ln>
-            <a:solidFill>
-              <a:schemeClr val="tx1"/>
-            </a:solidFill>
-          </a:ln>
-        </p:spPr>
-        <p:style>
-          <a:lnRef idx="2">
-            <a:schemeClr val="accent1">
-              <a:shade val="50000"/>
-            </a:schemeClr>
-          </a:lnRef>
-          <a:fillRef idx="1">
-            <a:schemeClr val="accent1"/>
-          </a:fillRef>
-          <a:effectRef idx="0">
-            <a:schemeClr val="accent1"/>
-          </a:effectRef>
-          <a:fontRef idx="minor">
-            <a:schemeClr val="lt1"/>
-          </a:fontRef>
-        </p:style>
-        <p:txBody>
-          <a:bodyPr rot="0" spcFirstLastPara="0" vert="horz" wrap="square" lIns="91440" tIns="45720" rIns="91440" bIns="45720" numCol="1" spcCol="0" rtlCol="0" fromWordArt="0" anchor="b" anchorCtr="0" forceAA="0" compatLnSpc="1">
-            <a:prstTxWarp prst="textNoShape">
+            </a:ln>
+          </p:spPr>
+          <p:style>
+            <a:lnRef idx="2">
+              <a:schemeClr val="accent1">
+                <a:shade val="50000"/>
+              </a:schemeClr>
+            </a:lnRef>
+            <a:fillRef idx="1">
+              <a:schemeClr val="accent1"/>
+            </a:fillRef>
+            <a:effectRef idx="0">
+              <a:schemeClr val="accent1"/>
+            </a:effectRef>
+            <a:fontRef idx="minor">
+              <a:schemeClr val="lt1"/>
+            </a:fontRef>
+          </p:style>
+          <p:txBody>
+            <a:bodyPr rtlCol="0" anchor="ctr"/>
+            <a:lstStyle/>
+            <a:p>
+              <a:pPr algn="ctr"/>
+              <a:endParaRPr lang="en-US"/>
+            </a:p>
+          </p:txBody>
+        </p:sp>
+        <p:sp>
+          <p:nvSpPr>
+            <p:cNvPr id="83" name="TextBox 82"/>
+            <p:cNvSpPr txBox="1"/>
+            <p:nvPr/>
+          </p:nvSpPr>
+          <p:spPr>
+            <a:xfrm>
+              <a:off x="4719750" y="5363972"/>
+              <a:ext cx="521297" cy="369332"/>
+            </a:xfrm>
+            <a:prstGeom prst="rect">
               <a:avLst/>
-            </a:prstTxWarp>
-            <a:noAutofit/>
-          </a:bodyPr>
-          <a:lstStyle/>
-          <a:p>
-            <a:pPr algn="ctr"/>
-            <a:r>
-              <a:rPr lang="fr-BE" sz="1600" dirty="0" err="1" smtClean="0">
-                <a:solidFill>
-                  <a:schemeClr val="tx1"/>
-                </a:solidFill>
-              </a:rPr>
-              <a:t>InMemory</a:t>
-            </a:r>
-            <a:endParaRPr lang="en-US" sz="1600" dirty="0">
-              <a:solidFill>
-                <a:schemeClr val="tx1"/>
-              </a:solidFill>
-            </a:endParaRPr>
-          </a:p>
-        </p:txBody>
-      </p:sp>
-      <p:cxnSp>
-        <p:nvCxnSpPr>
-          <p:cNvPr id="59" name="Elbow Connector 58"/>
-          <p:cNvCxnSpPr>
-            <a:stCxn id="56" idx="2"/>
-            <a:endCxn id="82" idx="4"/>
-          </p:cNvCxnSpPr>
-          <p:nvPr/>
-        </p:nvCxnSpPr>
-        <p:spPr>
-          <a:xfrm rot="16200000" flipH="1">
-            <a:off x="2533565" y="1165955"/>
-            <a:ext cx="1143828" cy="1284936"/>
-          </a:xfrm>
-          <a:prstGeom prst="bentConnector3">
-            <a:avLst/>
-          </a:prstGeom>
-          <a:ln>
-            <a:solidFill>
-              <a:schemeClr val="tx1"/>
-            </a:solidFill>
-            <a:tailEnd type="arrow"/>
-          </a:ln>
-        </p:spPr>
-        <p:style>
-          <a:lnRef idx="1">
-            <a:schemeClr val="accent1"/>
-          </a:lnRef>
-          <a:fillRef idx="0">
-            <a:schemeClr val="accent1"/>
-          </a:fillRef>
-          <a:effectRef idx="0">
-            <a:schemeClr val="accent1"/>
-          </a:effectRef>
-          <a:fontRef idx="minor">
-            <a:schemeClr val="tx1"/>
-          </a:fontRef>
-        </p:style>
-      </p:cxnSp>
-      <p:cxnSp>
-        <p:nvCxnSpPr>
-          <p:cNvPr id="78" name="Elbow Connector 77"/>
-          <p:cNvCxnSpPr>
-            <a:stCxn id="55" idx="2"/>
-            <a:endCxn id="82" idx="4"/>
-          </p:cNvCxnSpPr>
-          <p:nvPr/>
-        </p:nvCxnSpPr>
-        <p:spPr>
-          <a:xfrm rot="5400000">
-            <a:off x="3732076" y="1252381"/>
-            <a:ext cx="1143828" cy="1112085"/>
-          </a:xfrm>
-          <a:prstGeom prst="bentConnector3">
-            <a:avLst/>
-          </a:prstGeom>
-          <a:ln>
-            <a:solidFill>
-              <a:schemeClr val="tx1"/>
-            </a:solidFill>
-            <a:tailEnd type="arrow"/>
-          </a:ln>
-        </p:spPr>
-        <p:style>
-          <a:lnRef idx="1">
-            <a:schemeClr val="accent1"/>
-          </a:lnRef>
-          <a:fillRef idx="0">
-            <a:schemeClr val="accent1"/>
-          </a:fillRef>
-          <a:effectRef idx="0">
-            <a:schemeClr val="accent1"/>
-          </a:effectRef>
-          <a:fontRef idx="minor">
-            <a:schemeClr val="tx1"/>
-          </a:fontRef>
-        </p:style>
-      </p:cxnSp>
-      <p:sp>
-        <p:nvSpPr>
-          <p:cNvPr id="82" name="Can 81"/>
-          <p:cNvSpPr/>
-          <p:nvPr/>
-        </p:nvSpPr>
-        <p:spPr>
-          <a:xfrm rot="16200000">
-            <a:off x="3531923" y="1732265"/>
-            <a:ext cx="432048" cy="1728192"/>
-          </a:xfrm>
-          <a:prstGeom prst="can">
-            <a:avLst/>
-          </a:prstGeom>
-          <a:noFill/>
-          <a:ln>
-            <a:solidFill>
-              <a:schemeClr val="tx1"/>
-            </a:solidFill>
-          </a:ln>
-        </p:spPr>
-        <p:style>
-          <a:lnRef idx="2">
-            <a:schemeClr val="accent1">
-              <a:shade val="50000"/>
-            </a:schemeClr>
-          </a:lnRef>
-          <a:fillRef idx="1">
-            <a:schemeClr val="accent1"/>
-          </a:fillRef>
-          <a:effectRef idx="0">
-            <a:schemeClr val="accent1"/>
-          </a:effectRef>
-          <a:fontRef idx="minor">
-            <a:schemeClr val="lt1"/>
-          </a:fontRef>
-        </p:style>
-        <p:txBody>
-          <a:bodyPr rtlCol="0" anchor="ctr"/>
-          <a:lstStyle/>
-          <a:p>
-            <a:pPr algn="ctr"/>
-            <a:endParaRPr lang="en-US"/>
-          </a:p>
-        </p:txBody>
-      </p:sp>
-      <p:sp>
-        <p:nvSpPr>
-          <p:cNvPr id="83" name="TextBox 82"/>
-          <p:cNvSpPr txBox="1"/>
-          <p:nvPr/>
-        </p:nvSpPr>
-        <p:spPr>
-          <a:xfrm>
-            <a:off x="3487299" y="2402307"/>
-            <a:ext cx="521297" cy="369332"/>
-          </a:xfrm>
-          <a:prstGeom prst="rect">
-            <a:avLst/>
-          </a:prstGeom>
-          <a:noFill/>
-        </p:spPr>
-        <p:txBody>
-          <a:bodyPr wrap="none" rtlCol="0">
-            <a:spAutoFit/>
-          </a:bodyPr>
-          <a:lstStyle/>
-          <a:p>
-            <a:r>
-              <a:rPr lang="fr-BE" dirty="0" smtClean="0"/>
-              <a:t>Bus</a:t>
-            </a:r>
-            <a:endParaRPr lang="en-US" dirty="0"/>
-          </a:p>
-        </p:txBody>
-      </p:sp>
+            </a:prstGeom>
+            <a:noFill/>
+          </p:spPr>
+          <p:txBody>
+            <a:bodyPr wrap="none" rtlCol="0">
+              <a:spAutoFit/>
+            </a:bodyPr>
+            <a:lstStyle/>
+            <a:p>
+              <a:r>
+                <a:rPr lang="fr-BE" dirty="0" smtClean="0"/>
+                <a:t>Bus</a:t>
+              </a:r>
+              <a:endParaRPr lang="en-US" dirty="0"/>
+            </a:p>
+          </p:txBody>
+        </p:sp>
+      </p:grpSp>
       <p:grpSp>
         <p:nvGrpSpPr>
           <p:cNvPr id="1046" name="Group 1045"/>
@@ -12933,10 +12654,10 @@
         </p:nvGrpSpPr>
         <p:grpSpPr>
           <a:xfrm>
-            <a:off x="2859491" y="4434875"/>
-            <a:ext cx="1871263" cy="1111115"/>
-            <a:chOff x="5372198" y="5630253"/>
-            <a:chExt cx="1871263" cy="1111115"/>
+            <a:off x="209087" y="4328578"/>
+            <a:ext cx="1626609" cy="776265"/>
+            <a:chOff x="5452417" y="5209497"/>
+            <a:chExt cx="1871263" cy="776265"/>
           </a:xfrm>
         </p:grpSpPr>
         <p:pic>
@@ -12962,8 +12683,8 @@
           </p:blipFill>
           <p:spPr bwMode="auto">
             <a:xfrm>
-              <a:off x="5916124" y="5630253"/>
-              <a:ext cx="804095" cy="804095"/>
+              <a:off x="6110270" y="5264234"/>
+              <a:ext cx="425856" cy="425856"/>
             </a:xfrm>
             <a:prstGeom prst="rect">
               <a:avLst/>
@@ -12985,7 +12706,7 @@
             <p:cNvPr id="90" name="Rectangle 89">
               <a:extLst>
                 <a:ext uri="{FF2B5EF4-FFF2-40B4-BE49-F238E27FC236}">
-                  <a16:creationId xmlns:a16="http://schemas.microsoft.com/office/drawing/2014/main" xmlns="" id="{608CACB9-03AB-4B0E-9E6A-961982C1B0D5}"/>
+                  <a16:creationId xmlns="" xmlns:a16="http://schemas.microsoft.com/office/drawing/2014/main" id="{608CACB9-03AB-4B0E-9E6A-961982C1B0D5}"/>
                 </a:ext>
               </a:extLst>
             </p:cNvPr>
@@ -12994,8 +12715,8 @@
           </p:nvSpPr>
           <p:spPr>
             <a:xfrm>
-              <a:off x="5372198" y="5630253"/>
-              <a:ext cx="1871263" cy="1111115"/>
+              <a:off x="5452417" y="5209497"/>
+              <a:ext cx="1871263" cy="776265"/>
             </a:xfrm>
             <a:prstGeom prst="rect">
               <a:avLst/>
@@ -13058,46 +12779,6 @@
           </p:txBody>
         </p:sp>
       </p:grpSp>
-      <p:cxnSp>
-        <p:nvCxnSpPr>
-          <p:cNvPr id="98" name="Elbow Connector 97"/>
-          <p:cNvCxnSpPr>
-            <a:stCxn id="4" idx="0"/>
-            <a:endCxn id="176" idx="1"/>
-          </p:cNvCxnSpPr>
-          <p:nvPr/>
-        </p:nvCxnSpPr>
-        <p:spPr>
-          <a:xfrm rot="5400000" flipH="1" flipV="1">
-            <a:off x="5742951" y="930671"/>
-            <a:ext cx="1683895" cy="1248483"/>
-          </a:xfrm>
-          <a:prstGeom prst="bentConnector2">
-            <a:avLst/>
-          </a:prstGeom>
-          <a:ln>
-            <a:solidFill>
-              <a:schemeClr val="tx1"/>
-            </a:solidFill>
-            <a:headEnd type="arrow"/>
-            <a:tailEnd type="arrow"/>
-          </a:ln>
-        </p:spPr>
-        <p:style>
-          <a:lnRef idx="1">
-            <a:schemeClr val="accent1"/>
-          </a:lnRef>
-          <a:fillRef idx="0">
-            <a:schemeClr val="accent1"/>
-          </a:fillRef>
-          <a:effectRef idx="0">
-            <a:schemeClr val="accent1"/>
-          </a:effectRef>
-          <a:fontRef idx="minor">
-            <a:schemeClr val="tx1"/>
-          </a:fontRef>
-        </p:style>
-      </p:cxnSp>
       <p:grpSp>
         <p:nvGrpSpPr>
           <p:cNvPr id="1045" name="Group 1044"/>
@@ -13106,10 +12787,10 @@
         </p:nvGrpSpPr>
         <p:grpSpPr>
           <a:xfrm>
-            <a:off x="2859492" y="5666132"/>
-            <a:ext cx="1871263" cy="1120390"/>
+            <a:off x="1907704" y="3480536"/>
+            <a:ext cx="1584175" cy="780119"/>
             <a:chOff x="5359402" y="4419937"/>
-            <a:chExt cx="1871263" cy="1120390"/>
+            <a:chExt cx="1871263" cy="852725"/>
           </a:xfrm>
         </p:grpSpPr>
         <p:sp>
@@ -13117,7 +12798,7 @@
             <p:cNvPr id="101" name="Rectangle 100">
               <a:extLst>
                 <a:ext uri="{FF2B5EF4-FFF2-40B4-BE49-F238E27FC236}">
-                  <a16:creationId xmlns:a16="http://schemas.microsoft.com/office/drawing/2014/main" xmlns="" id="{608CACB9-03AB-4B0E-9E6A-961982C1B0D5}"/>
+                  <a16:creationId xmlns="" xmlns:a16="http://schemas.microsoft.com/office/drawing/2014/main" id="{608CACB9-03AB-4B0E-9E6A-961982C1B0D5}"/>
                 </a:ext>
               </a:extLst>
             </p:cNvPr>
@@ -13127,7 +12808,7 @@
           <p:spPr>
             <a:xfrm>
               <a:off x="5359402" y="4419937"/>
-              <a:ext cx="1871263" cy="1120390"/>
+              <a:ext cx="1871263" cy="852725"/>
             </a:xfrm>
             <a:prstGeom prst="rect">
               <a:avLst/>
@@ -13166,36 +12847,12 @@
             <a:p>
               <a:pPr algn="ctr"/>
               <a:r>
-                <a:rPr lang="fr-BE" sz="1600" dirty="0" err="1" smtClean="0">
-                  <a:solidFill>
-                    <a:schemeClr val="tx1"/>
-                  </a:solidFill>
-                </a:rPr>
-                <a:t>Elastic</a:t>
-              </a:r>
-              <a:r>
                 <a:rPr lang="fr-BE" sz="1600" dirty="0" smtClean="0">
                   <a:solidFill>
                     <a:schemeClr val="tx1"/>
                   </a:solidFill>
                 </a:rPr>
-                <a:t> </a:t>
-              </a:r>
-              <a:r>
-                <a:rPr lang="fr-BE" sz="1600" dirty="0" err="1" smtClean="0">
-                  <a:solidFill>
-                    <a:schemeClr val="tx1"/>
-                  </a:solidFill>
-                </a:rPr>
-                <a:t>search</a:t>
-              </a:r>
-              <a:r>
-                <a:rPr lang="fr-BE" sz="1600" dirty="0" smtClean="0">
-                  <a:solidFill>
-                    <a:schemeClr val="tx1"/>
-                  </a:solidFill>
-                </a:rPr>
-                <a:t> </a:t>
+                <a:t>ES </a:t>
               </a:r>
               <a:r>
                 <a:rPr lang="fr-BE" sz="1600" dirty="0" err="1" smtClean="0">
@@ -13236,8 +12893,8 @@
           </p:blipFill>
           <p:spPr bwMode="auto">
             <a:xfrm>
-              <a:off x="5961373" y="4476080"/>
-              <a:ext cx="667325" cy="664677"/>
+              <a:off x="6099447" y="4607992"/>
+              <a:ext cx="391171" cy="389619"/>
             </a:xfrm>
             <a:prstGeom prst="rect">
               <a:avLst/>
@@ -13263,10 +12920,10 @@
         </p:nvGrpSpPr>
         <p:grpSpPr>
           <a:xfrm>
-            <a:off x="2857540" y="3212976"/>
-            <a:ext cx="1871263" cy="1084317"/>
-            <a:chOff x="2904369" y="3351354"/>
-            <a:chExt cx="1871263" cy="1084317"/>
+            <a:off x="227715" y="3472866"/>
+            <a:ext cx="1607981" cy="771703"/>
+            <a:chOff x="2985565" y="3323011"/>
+            <a:chExt cx="1607981" cy="664376"/>
           </a:xfrm>
         </p:grpSpPr>
         <p:sp>
@@ -13274,7 +12931,7 @@
             <p:cNvPr id="91" name="Rectangle 90">
               <a:extLst>
                 <a:ext uri="{FF2B5EF4-FFF2-40B4-BE49-F238E27FC236}">
-                  <a16:creationId xmlns:a16="http://schemas.microsoft.com/office/drawing/2014/main" xmlns="" id="{608CACB9-03AB-4B0E-9E6A-961982C1B0D5}"/>
+                  <a16:creationId xmlns="" xmlns:a16="http://schemas.microsoft.com/office/drawing/2014/main" id="{608CACB9-03AB-4B0E-9E6A-961982C1B0D5}"/>
                 </a:ext>
               </a:extLst>
             </p:cNvPr>
@@ -13283,8 +12940,8 @@
           </p:nvSpPr>
           <p:spPr>
             <a:xfrm>
-              <a:off x="2904369" y="3351354"/>
-              <a:ext cx="1871263" cy="1084317"/>
+              <a:off x="2985565" y="3323011"/>
+              <a:ext cx="1607981" cy="664376"/>
             </a:xfrm>
             <a:prstGeom prst="rect">
               <a:avLst/>
@@ -13377,8 +13034,8 @@
           </p:blipFill>
           <p:spPr bwMode="auto">
             <a:xfrm>
-              <a:off x="3461533" y="3411228"/>
-              <a:ext cx="667184" cy="648858"/>
+              <a:off x="3605102" y="3358063"/>
+              <a:ext cx="368905" cy="358772"/>
             </a:xfrm>
             <a:prstGeom prst="rect">
               <a:avLst/>
@@ -13435,94 +13092,1715 @@
           </a:p>
         </p:txBody>
       </p:sp>
+      <p:grpSp>
+        <p:nvGrpSpPr>
+          <p:cNvPr id="21" name="Group 20"/>
+          <p:cNvGrpSpPr/>
+          <p:nvPr/>
+        </p:nvGrpSpPr>
+        <p:grpSpPr>
+          <a:xfrm>
+            <a:off x="7318802" y="4478577"/>
+            <a:ext cx="1728192" cy="626266"/>
+            <a:chOff x="3995936" y="160339"/>
+            <a:chExt cx="1728192" cy="626266"/>
+          </a:xfrm>
+        </p:grpSpPr>
+        <p:sp>
+          <p:nvSpPr>
+            <p:cNvPr id="55" name="Rectangle 54">
+              <a:extLst>
+                <a:ext uri="{FF2B5EF4-FFF2-40B4-BE49-F238E27FC236}">
+                  <a16:creationId xmlns="" xmlns:a16="http://schemas.microsoft.com/office/drawing/2014/main" id="{608CACB9-03AB-4B0E-9E6A-961982C1B0D5}"/>
+                </a:ext>
+              </a:extLst>
+            </p:cNvPr>
+            <p:cNvSpPr/>
+            <p:nvPr/>
+          </p:nvSpPr>
+          <p:spPr>
+            <a:xfrm>
+              <a:off x="3995936" y="160339"/>
+              <a:ext cx="1728192" cy="626266"/>
+            </a:xfrm>
+            <a:prstGeom prst="rect">
+              <a:avLst/>
+            </a:prstGeom>
+            <a:noFill/>
+            <a:ln>
+              <a:solidFill>
+                <a:schemeClr val="tx1"/>
+              </a:solidFill>
+            </a:ln>
+          </p:spPr>
+          <p:style>
+            <a:lnRef idx="2">
+              <a:schemeClr val="accent1">
+                <a:shade val="50000"/>
+              </a:schemeClr>
+            </a:lnRef>
+            <a:fillRef idx="1">
+              <a:schemeClr val="accent1"/>
+            </a:fillRef>
+            <a:effectRef idx="0">
+              <a:schemeClr val="accent1"/>
+            </a:effectRef>
+            <a:fontRef idx="minor">
+              <a:schemeClr val="lt1"/>
+            </a:fontRef>
+          </p:style>
+          <p:txBody>
+            <a:bodyPr rot="0" spcFirstLastPara="0" vert="horz" wrap="square" lIns="91440" tIns="45720" rIns="91440" bIns="45720" numCol="1" spcCol="0" rtlCol="0" fromWordArt="0" anchor="b" anchorCtr="0" forceAA="0" compatLnSpc="1">
+              <a:prstTxWarp prst="textNoShape">
+                <a:avLst/>
+              </a:prstTxWarp>
+              <a:noAutofit/>
+            </a:bodyPr>
+            <a:lstStyle/>
+            <a:p>
+              <a:pPr algn="ctr"/>
+              <a:r>
+                <a:rPr lang="fr-BE" sz="1600" dirty="0" err="1" smtClean="0">
+                  <a:solidFill>
+                    <a:schemeClr val="tx1"/>
+                  </a:solidFill>
+                </a:rPr>
+                <a:t>RabbitMq</a:t>
+              </a:r>
+              <a:endParaRPr lang="en-US" sz="1600" dirty="0">
+                <a:solidFill>
+                  <a:schemeClr val="tx1"/>
+                </a:solidFill>
+              </a:endParaRPr>
+            </a:p>
+          </p:txBody>
+        </p:sp>
+        <p:pic>
+          <p:nvPicPr>
+            <p:cNvPr id="1050" name="Picture 14" descr="RÃ©sultat de recherche d'images pour &quot;rabbitmq&quot;"/>
+            <p:cNvPicPr>
+              <a:picLocks noChangeAspect="1" noChangeArrowheads="1"/>
+            </p:cNvPicPr>
+            <p:nvPr/>
+          </p:nvPicPr>
+          <p:blipFill>
+            <a:blip r:embed="rId5" cstate="print">
+              <a:extLst>
+                <a:ext uri="{28A0092B-C50C-407E-A947-70E740481C1C}">
+                  <a14:useLocalDpi xmlns:a14="http://schemas.microsoft.com/office/drawing/2010/main" val="0"/>
+                </a:ext>
+              </a:extLst>
+            </a:blip>
+            <a:srcRect/>
+            <a:stretch>
+              <a:fillRect/>
+            </a:stretch>
+          </p:blipFill>
+          <p:spPr bwMode="auto">
+            <a:xfrm>
+              <a:off x="4387236" y="245930"/>
+              <a:ext cx="965803" cy="289741"/>
+            </a:xfrm>
+            <a:prstGeom prst="rect">
+              <a:avLst/>
+            </a:prstGeom>
+            <a:noFill/>
+            <a:extLst>
+              <a:ext uri="{909E8E84-426E-40DD-AFC4-6F175D3DCCD1}">
+                <a14:hiddenFill xmlns:a14="http://schemas.microsoft.com/office/drawing/2010/main">
+                  <a:solidFill>
+                    <a:srgbClr val="FFFFFF"/>
+                  </a:solidFill>
+                </a14:hiddenFill>
+              </a:ext>
+            </a:extLst>
+          </p:spPr>
+        </p:pic>
+      </p:grpSp>
+      <p:grpSp>
+        <p:nvGrpSpPr>
+          <p:cNvPr id="22" name="Group 21"/>
+          <p:cNvGrpSpPr/>
+          <p:nvPr/>
+        </p:nvGrpSpPr>
+        <p:grpSpPr>
+          <a:xfrm>
+            <a:off x="7318802" y="5263306"/>
+            <a:ext cx="1728192" cy="609600"/>
+            <a:chOff x="1598915" y="160337"/>
+            <a:chExt cx="1728192" cy="609600"/>
+          </a:xfrm>
+        </p:grpSpPr>
+        <p:sp>
+          <p:nvSpPr>
+            <p:cNvPr id="56" name="Rectangle 55">
+              <a:extLst>
+                <a:ext uri="{FF2B5EF4-FFF2-40B4-BE49-F238E27FC236}">
+                  <a16:creationId xmlns="" xmlns:a16="http://schemas.microsoft.com/office/drawing/2014/main" id="{608CACB9-03AB-4B0E-9E6A-961982C1B0D5}"/>
+                </a:ext>
+              </a:extLst>
+            </p:cNvPr>
+            <p:cNvSpPr/>
+            <p:nvPr/>
+          </p:nvSpPr>
+          <p:spPr>
+            <a:xfrm>
+              <a:off x="1598915" y="160338"/>
+              <a:ext cx="1728192" cy="609599"/>
+            </a:xfrm>
+            <a:prstGeom prst="rect">
+              <a:avLst/>
+            </a:prstGeom>
+            <a:noFill/>
+            <a:ln>
+              <a:solidFill>
+                <a:schemeClr val="tx1"/>
+              </a:solidFill>
+            </a:ln>
+          </p:spPr>
+          <p:style>
+            <a:lnRef idx="2">
+              <a:schemeClr val="accent1">
+                <a:shade val="50000"/>
+              </a:schemeClr>
+            </a:lnRef>
+            <a:fillRef idx="1">
+              <a:schemeClr val="accent1"/>
+            </a:fillRef>
+            <a:effectRef idx="0">
+              <a:schemeClr val="accent1"/>
+            </a:effectRef>
+            <a:fontRef idx="minor">
+              <a:schemeClr val="lt1"/>
+            </a:fontRef>
+          </p:style>
+          <p:txBody>
+            <a:bodyPr rot="0" spcFirstLastPara="0" vert="horz" wrap="square" lIns="91440" tIns="45720" rIns="91440" bIns="45720" numCol="1" spcCol="0" rtlCol="0" fromWordArt="0" anchor="b" anchorCtr="0" forceAA="0" compatLnSpc="1">
+              <a:prstTxWarp prst="textNoShape">
+                <a:avLst/>
+              </a:prstTxWarp>
+              <a:noAutofit/>
+            </a:bodyPr>
+            <a:lstStyle/>
+            <a:p>
+              <a:pPr algn="ctr"/>
+              <a:r>
+                <a:rPr lang="fr-BE" sz="1600" dirty="0" err="1" smtClean="0">
+                  <a:solidFill>
+                    <a:schemeClr val="tx1"/>
+                  </a:solidFill>
+                </a:rPr>
+                <a:t>InMemory</a:t>
+              </a:r>
+              <a:endParaRPr lang="en-US" sz="1600" dirty="0">
+                <a:solidFill>
+                  <a:schemeClr val="tx1"/>
+                </a:solidFill>
+              </a:endParaRPr>
+            </a:p>
+          </p:txBody>
+        </p:sp>
+        <p:pic>
+          <p:nvPicPr>
+            <p:cNvPr id="1054" name="Picture 18" descr="Image associÃ©e"/>
+            <p:cNvPicPr>
+              <a:picLocks noChangeAspect="1" noChangeArrowheads="1"/>
+            </p:cNvPicPr>
+            <p:nvPr/>
+          </p:nvPicPr>
+          <p:blipFill>
+            <a:blip r:embed="rId6" cstate="print">
+              <a:extLst>
+                <a:ext uri="{28A0092B-C50C-407E-A947-70E740481C1C}">
+                  <a14:useLocalDpi xmlns:a14="http://schemas.microsoft.com/office/drawing/2010/main" val="0"/>
+                </a:ext>
+              </a:extLst>
+            </a:blip>
+            <a:srcRect/>
+            <a:stretch>
+              <a:fillRect/>
+            </a:stretch>
+          </p:blipFill>
+          <p:spPr bwMode="auto">
+            <a:xfrm>
+              <a:off x="2280113" y="160337"/>
+              <a:ext cx="386008" cy="386008"/>
+            </a:xfrm>
+            <a:prstGeom prst="rect">
+              <a:avLst/>
+            </a:prstGeom>
+            <a:noFill/>
+            <a:extLst>
+              <a:ext uri="{909E8E84-426E-40DD-AFC4-6F175D3DCCD1}">
+                <a14:hiddenFill xmlns:a14="http://schemas.microsoft.com/office/drawing/2010/main">
+                  <a:solidFill>
+                    <a:srgbClr val="FFFFFF"/>
+                  </a:solidFill>
+                </a14:hiddenFill>
+              </a:ext>
+            </a:extLst>
+          </p:spPr>
+        </p:pic>
+      </p:grpSp>
       <p:sp>
         <p:nvSpPr>
-          <p:cNvPr id="1048" name="AutoShape 10" descr="RÃ©sultat de recherche d'images pour &quot;rabbitmq&quot;"/>
-          <p:cNvSpPr>
-            <a:spLocks noChangeAspect="1" noChangeArrowheads="1"/>
-          </p:cNvSpPr>
+          <p:cNvPr id="53" name="Rectangle 52"/>
+          <p:cNvSpPr/>
           <p:nvPr/>
         </p:nvSpPr>
-        <p:spPr bwMode="auto">
+        <p:spPr>
           <a:xfrm>
-            <a:off x="307975" y="7937"/>
-            <a:ext cx="304800" cy="304801"/>
+            <a:off x="93372" y="3361632"/>
+            <a:ext cx="3542524" cy="1943259"/>
           </a:xfrm>
           <a:prstGeom prst="rect">
             <a:avLst/>
           </a:prstGeom>
           <a:noFill/>
-          <a:extLst>
-            <a:ext uri="{909E8E84-426E-40DD-AFC4-6F175D3DCCD1}">
-              <a14:hiddenFill xmlns:a14="http://schemas.microsoft.com/office/drawing/2010/main">
-                <a:solidFill>
-                  <a:srgbClr val="FFFFFF"/>
-                </a:solidFill>
-              </a14:hiddenFill>
-            </a:ext>
-          </a:extLst>
+          <a:ln>
+            <a:solidFill>
+              <a:schemeClr val="tx1"/>
+            </a:solidFill>
+          </a:ln>
         </p:spPr>
+        <p:style>
+          <a:lnRef idx="2">
+            <a:schemeClr val="accent1">
+              <a:shade val="50000"/>
+            </a:schemeClr>
+          </a:lnRef>
+          <a:fillRef idx="1">
+            <a:schemeClr val="accent1"/>
+          </a:fillRef>
+          <a:effectRef idx="0">
+            <a:schemeClr val="accent1"/>
+          </a:effectRef>
+          <a:fontRef idx="minor">
+            <a:schemeClr val="lt1"/>
+          </a:fontRef>
+        </p:style>
         <p:txBody>
-          <a:bodyPr vert="horz" wrap="square" lIns="91440" tIns="45720" rIns="91440" bIns="45720" numCol="1" anchor="t" anchorCtr="0" compatLnSpc="1">
-            <a:prstTxWarp prst="textNoShape">
-              <a:avLst/>
-            </a:prstTxWarp>
-          </a:bodyPr>
+          <a:bodyPr rtlCol="0" anchor="ctr"/>
           <a:lstStyle/>
           <a:p>
+            <a:pPr algn="ctr"/>
             <a:endParaRPr lang="en-US"/>
           </a:p>
         </p:txBody>
       </p:sp>
+      <p:grpSp>
+        <p:nvGrpSpPr>
+          <p:cNvPr id="62" name="Group 61"/>
+          <p:cNvGrpSpPr/>
+          <p:nvPr/>
+        </p:nvGrpSpPr>
+        <p:grpSpPr>
+          <a:xfrm>
+            <a:off x="5128101" y="1083578"/>
+            <a:ext cx="1871263" cy="776265"/>
+            <a:chOff x="2904369" y="3351354"/>
+            <a:chExt cx="1871263" cy="776265"/>
+          </a:xfrm>
+        </p:grpSpPr>
+        <p:sp>
+          <p:nvSpPr>
+            <p:cNvPr id="63" name="Rectangle 62">
+              <a:extLst>
+                <a:ext uri="{FF2B5EF4-FFF2-40B4-BE49-F238E27FC236}">
+                  <a16:creationId xmlns="" xmlns:a16="http://schemas.microsoft.com/office/drawing/2014/main" id="{608CACB9-03AB-4B0E-9E6A-961982C1B0D5}"/>
+                </a:ext>
+              </a:extLst>
+            </p:cNvPr>
+            <p:cNvSpPr/>
+            <p:nvPr/>
+          </p:nvSpPr>
+          <p:spPr>
+            <a:xfrm>
+              <a:off x="2904369" y="3351354"/>
+              <a:ext cx="1871263" cy="776265"/>
+            </a:xfrm>
+            <a:prstGeom prst="rect">
+              <a:avLst/>
+            </a:prstGeom>
+            <a:noFill/>
+            <a:ln>
+              <a:solidFill>
+                <a:schemeClr val="tx1"/>
+              </a:solidFill>
+            </a:ln>
+          </p:spPr>
+          <p:style>
+            <a:lnRef idx="2">
+              <a:schemeClr val="accent1">
+                <a:shade val="50000"/>
+              </a:schemeClr>
+            </a:lnRef>
+            <a:fillRef idx="1">
+              <a:schemeClr val="accent1"/>
+            </a:fillRef>
+            <a:effectRef idx="0">
+              <a:schemeClr val="accent1"/>
+            </a:effectRef>
+            <a:fontRef idx="minor">
+              <a:schemeClr val="lt1"/>
+            </a:fontRef>
+          </p:style>
+          <p:txBody>
+            <a:bodyPr rot="0" spcFirstLastPara="0" vert="horz" wrap="square" lIns="91440" tIns="45720" rIns="91440" bIns="45720" numCol="1" spcCol="0" rtlCol="0" fromWordArt="0" anchor="b" anchorCtr="0" forceAA="0" compatLnSpc="1">
+              <a:prstTxWarp prst="textNoShape">
+                <a:avLst/>
+              </a:prstTxWarp>
+              <a:noAutofit/>
+            </a:bodyPr>
+            <a:lstStyle/>
+            <a:p>
+              <a:pPr algn="ctr"/>
+              <a:r>
+                <a:rPr lang="fr-BE" sz="1600" dirty="0" err="1" smtClean="0">
+                  <a:solidFill>
+                    <a:schemeClr val="tx1"/>
+                  </a:solidFill>
+                </a:rPr>
+                <a:t>SqlServer</a:t>
+              </a:r>
+              <a:r>
+                <a:rPr lang="fr-BE" sz="1600" dirty="0" smtClean="0">
+                  <a:solidFill>
+                    <a:schemeClr val="tx1"/>
+                  </a:solidFill>
+                </a:rPr>
+                <a:t> repo</a:t>
+              </a:r>
+              <a:endParaRPr lang="en-US" sz="1600" dirty="0">
+                <a:solidFill>
+                  <a:schemeClr val="tx1"/>
+                </a:solidFill>
+              </a:endParaRPr>
+            </a:p>
+          </p:txBody>
+        </p:sp>
+        <p:pic>
+          <p:nvPicPr>
+            <p:cNvPr id="64" name="Picture 6" descr="RÃ©sultat de recherche d'images pour &quot;sql server icon&quot;"/>
+            <p:cNvPicPr>
+              <a:picLocks noChangeAspect="1" noChangeArrowheads="1"/>
+            </p:cNvPicPr>
+            <p:nvPr/>
+          </p:nvPicPr>
+          <p:blipFill>
+            <a:blip r:embed="rId7" cstate="print">
+              <a:extLst>
+                <a:ext uri="{28A0092B-C50C-407E-A947-70E740481C1C}">
+                  <a14:useLocalDpi xmlns:a14="http://schemas.microsoft.com/office/drawing/2010/main" val="0"/>
+                </a:ext>
+              </a:extLst>
+            </a:blip>
+            <a:srcRect/>
+            <a:stretch>
+              <a:fillRect/>
+            </a:stretch>
+          </p:blipFill>
+          <p:spPr bwMode="auto">
+            <a:xfrm>
+              <a:off x="3576651" y="3411228"/>
+              <a:ext cx="470910" cy="457975"/>
+            </a:xfrm>
+            <a:prstGeom prst="rect">
+              <a:avLst/>
+            </a:prstGeom>
+            <a:noFill/>
+            <a:extLst>
+              <a:ext uri="{909E8E84-426E-40DD-AFC4-6F175D3DCCD1}">
+                <a14:hiddenFill xmlns:a14="http://schemas.microsoft.com/office/drawing/2010/main">
+                  <a:solidFill>
+                    <a:srgbClr val="FFFFFF"/>
+                  </a:solidFill>
+                </a14:hiddenFill>
+              </a:ext>
+            </a:extLst>
+          </p:spPr>
+        </p:pic>
+      </p:grpSp>
+      <p:grpSp>
+        <p:nvGrpSpPr>
+          <p:cNvPr id="65" name="Group 64"/>
+          <p:cNvGrpSpPr/>
+          <p:nvPr/>
+        </p:nvGrpSpPr>
+        <p:grpSpPr>
+          <a:xfrm>
+            <a:off x="7095232" y="227867"/>
+            <a:ext cx="1871263" cy="771703"/>
+            <a:chOff x="7237267" y="2597881"/>
+            <a:chExt cx="1871263" cy="771703"/>
+          </a:xfrm>
+        </p:grpSpPr>
+        <p:pic>
+          <p:nvPicPr>
+            <p:cNvPr id="66" name="Picture 20" descr="RÃ©sultat de recherche d'images pour &quot;sqlite icon&quot;"/>
+            <p:cNvPicPr>
+              <a:picLocks noChangeAspect="1" noChangeArrowheads="1"/>
+            </p:cNvPicPr>
+            <p:nvPr/>
+          </p:nvPicPr>
+          <p:blipFill>
+            <a:blip r:embed="rId8" cstate="print">
+              <a:extLst>
+                <a:ext uri="{28A0092B-C50C-407E-A947-70E740481C1C}">
+                  <a14:useLocalDpi xmlns:a14="http://schemas.microsoft.com/office/drawing/2010/main" val="0"/>
+                </a:ext>
+              </a:extLst>
+            </a:blip>
+            <a:srcRect/>
+            <a:stretch>
+              <a:fillRect/>
+            </a:stretch>
+          </p:blipFill>
+          <p:spPr bwMode="auto">
+            <a:xfrm>
+              <a:off x="7861108" y="2629899"/>
+              <a:ext cx="630325" cy="527859"/>
+            </a:xfrm>
+            <a:prstGeom prst="rect">
+              <a:avLst/>
+            </a:prstGeom>
+            <a:noFill/>
+            <a:extLst>
+              <a:ext uri="{909E8E84-426E-40DD-AFC4-6F175D3DCCD1}">
+                <a14:hiddenFill xmlns:a14="http://schemas.microsoft.com/office/drawing/2010/main">
+                  <a:solidFill>
+                    <a:srgbClr val="FFFFFF"/>
+                  </a:solidFill>
+                </a14:hiddenFill>
+              </a:ext>
+            </a:extLst>
+          </p:spPr>
+        </p:pic>
+        <p:sp>
+          <p:nvSpPr>
+            <p:cNvPr id="67" name="Rectangle 66">
+              <a:extLst>
+                <a:ext uri="{FF2B5EF4-FFF2-40B4-BE49-F238E27FC236}">
+                  <a16:creationId xmlns="" xmlns:a16="http://schemas.microsoft.com/office/drawing/2014/main" id="{608CACB9-03AB-4B0E-9E6A-961982C1B0D5}"/>
+                </a:ext>
+              </a:extLst>
+            </p:cNvPr>
+            <p:cNvSpPr/>
+            <p:nvPr/>
+          </p:nvSpPr>
+          <p:spPr>
+            <a:xfrm>
+              <a:off x="7237267" y="2597881"/>
+              <a:ext cx="1871263" cy="771703"/>
+            </a:xfrm>
+            <a:prstGeom prst="rect">
+              <a:avLst/>
+            </a:prstGeom>
+            <a:noFill/>
+            <a:ln>
+              <a:solidFill>
+                <a:schemeClr val="tx1"/>
+              </a:solidFill>
+            </a:ln>
+          </p:spPr>
+          <p:style>
+            <a:lnRef idx="2">
+              <a:schemeClr val="accent1">
+                <a:shade val="50000"/>
+              </a:schemeClr>
+            </a:lnRef>
+            <a:fillRef idx="1">
+              <a:schemeClr val="accent1"/>
+            </a:fillRef>
+            <a:effectRef idx="0">
+              <a:schemeClr val="accent1"/>
+            </a:effectRef>
+            <a:fontRef idx="minor">
+              <a:schemeClr val="lt1"/>
+            </a:fontRef>
+          </p:style>
+          <p:txBody>
+            <a:bodyPr rot="0" spcFirstLastPara="0" vert="horz" wrap="square" lIns="91440" tIns="45720" rIns="91440" bIns="45720" numCol="1" spcCol="0" rtlCol="0" fromWordArt="0" anchor="b" anchorCtr="0" forceAA="0" compatLnSpc="1">
+              <a:prstTxWarp prst="textNoShape">
+                <a:avLst/>
+              </a:prstTxWarp>
+              <a:noAutofit/>
+            </a:bodyPr>
+            <a:lstStyle/>
+            <a:p>
+              <a:pPr algn="ctr"/>
+              <a:r>
+                <a:rPr lang="fr-BE" sz="1600" dirty="0" err="1" smtClean="0">
+                  <a:solidFill>
+                    <a:schemeClr val="tx1"/>
+                  </a:solidFill>
+                </a:rPr>
+                <a:t>Sqlite</a:t>
+              </a:r>
+              <a:r>
+                <a:rPr lang="fr-BE" sz="1600" dirty="0" smtClean="0">
+                  <a:solidFill>
+                    <a:schemeClr val="tx1"/>
+                  </a:solidFill>
+                </a:rPr>
+                <a:t> repo</a:t>
+              </a:r>
+              <a:endParaRPr lang="en-US" sz="1600" dirty="0">
+                <a:solidFill>
+                  <a:schemeClr val="tx1"/>
+                </a:solidFill>
+              </a:endParaRPr>
+            </a:p>
+          </p:txBody>
+        </p:sp>
+      </p:grpSp>
+      <p:grpSp>
+        <p:nvGrpSpPr>
+          <p:cNvPr id="68" name="Group 67"/>
+          <p:cNvGrpSpPr/>
+          <p:nvPr/>
+        </p:nvGrpSpPr>
+        <p:grpSpPr>
+          <a:xfrm>
+            <a:off x="5128102" y="227867"/>
+            <a:ext cx="1871263" cy="771703"/>
+            <a:chOff x="6942822" y="620067"/>
+            <a:chExt cx="1871263" cy="771703"/>
+          </a:xfrm>
+        </p:grpSpPr>
+        <p:sp>
+          <p:nvSpPr>
+            <p:cNvPr id="69" name="Rectangle 68">
+              <a:extLst>
+                <a:ext uri="{FF2B5EF4-FFF2-40B4-BE49-F238E27FC236}">
+                  <a16:creationId xmlns="" xmlns:a16="http://schemas.microsoft.com/office/drawing/2014/main" id="{608CACB9-03AB-4B0E-9E6A-961982C1B0D5}"/>
+                </a:ext>
+              </a:extLst>
+            </p:cNvPr>
+            <p:cNvSpPr/>
+            <p:nvPr/>
+          </p:nvSpPr>
+          <p:spPr>
+            <a:xfrm>
+              <a:off x="6942822" y="620067"/>
+              <a:ext cx="1871263" cy="771703"/>
+            </a:xfrm>
+            <a:prstGeom prst="rect">
+              <a:avLst/>
+            </a:prstGeom>
+            <a:noFill/>
+            <a:ln>
+              <a:solidFill>
+                <a:schemeClr val="tx1"/>
+              </a:solidFill>
+            </a:ln>
+          </p:spPr>
+          <p:style>
+            <a:lnRef idx="2">
+              <a:schemeClr val="accent1">
+                <a:shade val="50000"/>
+              </a:schemeClr>
+            </a:lnRef>
+            <a:fillRef idx="1">
+              <a:schemeClr val="accent1"/>
+            </a:fillRef>
+            <a:effectRef idx="0">
+              <a:schemeClr val="accent1"/>
+            </a:effectRef>
+            <a:fontRef idx="minor">
+              <a:schemeClr val="lt1"/>
+            </a:fontRef>
+          </p:style>
+          <p:txBody>
+            <a:bodyPr rot="0" spcFirstLastPara="0" vert="horz" wrap="square" lIns="91440" tIns="45720" rIns="91440" bIns="45720" numCol="1" spcCol="0" rtlCol="0" fromWordArt="0" anchor="b" anchorCtr="0" forceAA="0" compatLnSpc="1">
+              <a:prstTxWarp prst="textNoShape">
+                <a:avLst/>
+              </a:prstTxWarp>
+              <a:noAutofit/>
+            </a:bodyPr>
+            <a:lstStyle/>
+            <a:p>
+              <a:pPr algn="ctr"/>
+              <a:r>
+                <a:rPr lang="fr-BE" sz="1600" dirty="0" err="1" smtClean="0">
+                  <a:solidFill>
+                    <a:schemeClr val="tx1"/>
+                  </a:solidFill>
+                </a:rPr>
+                <a:t>Postgres</a:t>
+              </a:r>
+              <a:r>
+                <a:rPr lang="fr-BE" sz="1600" dirty="0" smtClean="0">
+                  <a:solidFill>
+                    <a:schemeClr val="tx1"/>
+                  </a:solidFill>
+                </a:rPr>
+                <a:t> repo</a:t>
+              </a:r>
+              <a:endParaRPr lang="en-US" sz="1600" dirty="0">
+                <a:solidFill>
+                  <a:schemeClr val="tx1"/>
+                </a:solidFill>
+              </a:endParaRPr>
+            </a:p>
+          </p:txBody>
+        </p:sp>
+        <p:pic>
+          <p:nvPicPr>
+            <p:cNvPr id="70" name="Picture 22" descr="Image associÃ©e"/>
+            <p:cNvPicPr>
+              <a:picLocks noChangeAspect="1" noChangeArrowheads="1"/>
+            </p:cNvPicPr>
+            <p:nvPr/>
+          </p:nvPicPr>
+          <p:blipFill>
+            <a:blip r:embed="rId9" cstate="print">
+              <a:extLst>
+                <a:ext uri="{28A0092B-C50C-407E-A947-70E740481C1C}">
+                  <a14:useLocalDpi xmlns:a14="http://schemas.microsoft.com/office/drawing/2010/main" val="0"/>
+                </a:ext>
+              </a:extLst>
+            </a:blip>
+            <a:srcRect/>
+            <a:stretch>
+              <a:fillRect/>
+            </a:stretch>
+          </p:blipFill>
+          <p:spPr bwMode="auto">
+            <a:xfrm>
+              <a:off x="7615832" y="688691"/>
+              <a:ext cx="459247" cy="473534"/>
+            </a:xfrm>
+            <a:prstGeom prst="rect">
+              <a:avLst/>
+            </a:prstGeom>
+            <a:noFill/>
+            <a:extLst>
+              <a:ext uri="{909E8E84-426E-40DD-AFC4-6F175D3DCCD1}">
+                <a14:hiddenFill xmlns:a14="http://schemas.microsoft.com/office/drawing/2010/main">
+                  <a:solidFill>
+                    <a:srgbClr val="FFFFFF"/>
+                  </a:solidFill>
+                </a14:hiddenFill>
+              </a:ext>
+            </a:extLst>
+          </p:spPr>
+        </p:pic>
+      </p:grpSp>
+      <p:grpSp>
+        <p:nvGrpSpPr>
+          <p:cNvPr id="71" name="Group 70"/>
+          <p:cNvGrpSpPr/>
+          <p:nvPr/>
+        </p:nvGrpSpPr>
+        <p:grpSpPr>
+          <a:xfrm>
+            <a:off x="7104905" y="1083578"/>
+            <a:ext cx="1871263" cy="776265"/>
+            <a:chOff x="5337877" y="5217078"/>
+            <a:chExt cx="1871263" cy="776265"/>
+          </a:xfrm>
+        </p:grpSpPr>
+        <p:sp>
+          <p:nvSpPr>
+            <p:cNvPr id="72" name="Rectangle 71">
+              <a:extLst>
+                <a:ext uri="{FF2B5EF4-FFF2-40B4-BE49-F238E27FC236}">
+                  <a16:creationId xmlns="" xmlns:a16="http://schemas.microsoft.com/office/drawing/2014/main" id="{608CACB9-03AB-4B0E-9E6A-961982C1B0D5}"/>
+                </a:ext>
+              </a:extLst>
+            </p:cNvPr>
+            <p:cNvSpPr/>
+            <p:nvPr/>
+          </p:nvSpPr>
+          <p:spPr>
+            <a:xfrm>
+              <a:off x="5337877" y="5217078"/>
+              <a:ext cx="1871263" cy="776265"/>
+            </a:xfrm>
+            <a:prstGeom prst="rect">
+              <a:avLst/>
+            </a:prstGeom>
+            <a:noFill/>
+            <a:ln>
+              <a:solidFill>
+                <a:schemeClr val="tx1"/>
+              </a:solidFill>
+            </a:ln>
+          </p:spPr>
+          <p:style>
+            <a:lnRef idx="2">
+              <a:schemeClr val="accent1">
+                <a:shade val="50000"/>
+              </a:schemeClr>
+            </a:lnRef>
+            <a:fillRef idx="1">
+              <a:schemeClr val="accent1"/>
+            </a:fillRef>
+            <a:effectRef idx="0">
+              <a:schemeClr val="accent1"/>
+            </a:effectRef>
+            <a:fontRef idx="minor">
+              <a:schemeClr val="lt1"/>
+            </a:fontRef>
+          </p:style>
+          <p:txBody>
+            <a:bodyPr rot="0" spcFirstLastPara="0" vert="horz" wrap="square" lIns="91440" tIns="45720" rIns="91440" bIns="45720" numCol="1" spcCol="0" rtlCol="0" fromWordArt="0" anchor="b" anchorCtr="0" forceAA="0" compatLnSpc="1">
+              <a:prstTxWarp prst="textNoShape">
+                <a:avLst/>
+              </a:prstTxWarp>
+              <a:noAutofit/>
+            </a:bodyPr>
+            <a:lstStyle/>
+            <a:p>
+              <a:pPr algn="ctr"/>
+              <a:r>
+                <a:rPr lang="fr-BE" sz="1600" dirty="0" err="1" smtClean="0">
+                  <a:solidFill>
+                    <a:schemeClr val="tx1"/>
+                  </a:solidFill>
+                </a:rPr>
+                <a:t>InMemory</a:t>
+              </a:r>
+              <a:r>
+                <a:rPr lang="fr-BE" sz="1600" dirty="0" smtClean="0">
+                  <a:solidFill>
+                    <a:schemeClr val="tx1"/>
+                  </a:solidFill>
+                </a:rPr>
+                <a:t> repo</a:t>
+              </a:r>
+              <a:endParaRPr lang="en-US" sz="1600" dirty="0">
+                <a:solidFill>
+                  <a:schemeClr val="tx1"/>
+                </a:solidFill>
+              </a:endParaRPr>
+            </a:p>
+          </p:txBody>
+        </p:sp>
+        <p:pic>
+          <p:nvPicPr>
+            <p:cNvPr id="73" name="Picture 18" descr="Image associÃ©e"/>
+            <p:cNvPicPr>
+              <a:picLocks noChangeAspect="1" noChangeArrowheads="1"/>
+            </p:cNvPicPr>
+            <p:nvPr/>
+          </p:nvPicPr>
+          <p:blipFill>
+            <a:blip r:embed="rId10" cstate="print">
+              <a:extLst>
+                <a:ext uri="{28A0092B-C50C-407E-A947-70E740481C1C}">
+                  <a14:useLocalDpi xmlns:a14="http://schemas.microsoft.com/office/drawing/2010/main" val="0"/>
+                </a:ext>
+              </a:extLst>
+            </a:blip>
+            <a:srcRect/>
+            <a:stretch>
+              <a:fillRect/>
+            </a:stretch>
+          </p:blipFill>
+          <p:spPr bwMode="auto">
+            <a:xfrm>
+              <a:off x="6026437" y="5290491"/>
+              <a:ext cx="481539" cy="481539"/>
+            </a:xfrm>
+            <a:prstGeom prst="rect">
+              <a:avLst/>
+            </a:prstGeom>
+            <a:noFill/>
+            <a:extLst>
+              <a:ext uri="{909E8E84-426E-40DD-AFC4-6F175D3DCCD1}">
+                <a14:hiddenFill xmlns:a14="http://schemas.microsoft.com/office/drawing/2010/main">
+                  <a:solidFill>
+                    <a:srgbClr val="FFFFFF"/>
+                  </a:solidFill>
+                </a14:hiddenFill>
+              </a:ext>
+            </a:extLst>
+          </p:spPr>
+        </p:pic>
+      </p:grpSp>
       <p:sp>
         <p:nvSpPr>
-          <p:cNvPr id="1049" name="AutoShape 12" descr="RÃ©sultat de recherche d'images pour &quot;rabbitmq&quot;"/>
-          <p:cNvSpPr>
-            <a:spLocks noChangeAspect="1" noChangeArrowheads="1"/>
-          </p:cNvSpPr>
+          <p:cNvPr id="74" name="Rectangle 73"/>
+          <p:cNvSpPr/>
           <p:nvPr/>
         </p:nvSpPr>
-        <p:spPr bwMode="auto">
+        <p:spPr>
           <a:xfrm>
-            <a:off x="460375" y="160337"/>
-            <a:ext cx="304800" cy="304801"/>
+            <a:off x="5004048" y="116632"/>
+            <a:ext cx="4032448" cy="1943259"/>
           </a:xfrm>
           <a:prstGeom prst="rect">
             <a:avLst/>
           </a:prstGeom>
           <a:noFill/>
-          <a:extLst>
-            <a:ext uri="{909E8E84-426E-40DD-AFC4-6F175D3DCCD1}">
-              <a14:hiddenFill xmlns:a14="http://schemas.microsoft.com/office/drawing/2010/main">
-                <a:solidFill>
-                  <a:srgbClr val="FFFFFF"/>
-                </a:solidFill>
-              </a14:hiddenFill>
-            </a:ext>
-          </a:extLst>
+          <a:ln>
+            <a:solidFill>
+              <a:schemeClr val="tx1"/>
+            </a:solidFill>
+          </a:ln>
         </p:spPr>
+        <p:style>
+          <a:lnRef idx="2">
+            <a:schemeClr val="accent1">
+              <a:shade val="50000"/>
+            </a:schemeClr>
+          </a:lnRef>
+          <a:fillRef idx="1">
+            <a:schemeClr val="accent1"/>
+          </a:fillRef>
+          <a:effectRef idx="0">
+            <a:schemeClr val="accent1"/>
+          </a:effectRef>
+          <a:fontRef idx="minor">
+            <a:schemeClr val="lt1"/>
+          </a:fontRef>
+        </p:style>
         <p:txBody>
-          <a:bodyPr vert="horz" wrap="square" lIns="91440" tIns="45720" rIns="91440" bIns="45720" numCol="1" anchor="t" anchorCtr="0" compatLnSpc="1">
+          <a:bodyPr rtlCol="0" anchor="ctr"/>
+          <a:lstStyle/>
+          <a:p>
+            <a:pPr algn="ctr"/>
+            <a:endParaRPr lang="en-US"/>
+          </a:p>
+        </p:txBody>
+      </p:sp>
+      <p:sp>
+        <p:nvSpPr>
+          <p:cNvPr id="77" name="Rectangle 76">
+            <a:extLst>
+              <a:ext uri="{FF2B5EF4-FFF2-40B4-BE49-F238E27FC236}">
+                <a16:creationId xmlns="" xmlns:a16="http://schemas.microsoft.com/office/drawing/2014/main" id="{608CACB9-03AB-4B0E-9E6A-961982C1B0D5}"/>
+              </a:ext>
+            </a:extLst>
+          </p:cNvPr>
+          <p:cNvSpPr/>
+          <p:nvPr/>
+        </p:nvSpPr>
+        <p:spPr>
+          <a:xfrm>
+            <a:off x="4752689" y="3315727"/>
+            <a:ext cx="1871263" cy="395705"/>
+          </a:xfrm>
+          <a:prstGeom prst="rect">
+            <a:avLst/>
+          </a:prstGeom>
+          <a:noFill/>
+          <a:ln>
+            <a:solidFill>
+              <a:schemeClr val="tx1"/>
+            </a:solidFill>
+          </a:ln>
+        </p:spPr>
+        <p:style>
+          <a:lnRef idx="2">
+            <a:schemeClr val="accent1">
+              <a:shade val="50000"/>
+            </a:schemeClr>
+          </a:lnRef>
+          <a:fillRef idx="1">
+            <a:schemeClr val="accent1"/>
+          </a:fillRef>
+          <a:effectRef idx="0">
+            <a:schemeClr val="accent1"/>
+          </a:effectRef>
+          <a:fontRef idx="minor">
+            <a:schemeClr val="lt1"/>
+          </a:fontRef>
+        </p:style>
+        <p:txBody>
+          <a:bodyPr rot="0" spcFirstLastPara="0" vert="horz" wrap="square" lIns="91440" tIns="45720" rIns="91440" bIns="45720" numCol="1" spcCol="0" rtlCol="0" fromWordArt="0" anchor="b" anchorCtr="0" forceAA="0" compatLnSpc="1">
             <a:prstTxWarp prst="textNoShape">
               <a:avLst/>
             </a:prstTxWarp>
+            <a:noAutofit/>
           </a:bodyPr>
           <a:lstStyle/>
           <a:p>
-            <a:endParaRPr lang="en-US"/>
+            <a:pPr algn="ctr"/>
+            <a:r>
+              <a:rPr lang="fr-BE" sz="1600" dirty="0" err="1" smtClean="0">
+                <a:solidFill>
+                  <a:schemeClr val="tx1"/>
+                </a:solidFill>
+              </a:rPr>
+              <a:t>OAuthRepository</a:t>
+            </a:r>
+            <a:endParaRPr lang="en-US" sz="1600" dirty="0">
+              <a:solidFill>
+                <a:schemeClr val="tx1"/>
+              </a:solidFill>
+            </a:endParaRPr>
           </a:p>
         </p:txBody>
       </p:sp>
+      <p:sp>
+        <p:nvSpPr>
+          <p:cNvPr id="79" name="Rectangle 78">
+            <a:extLst>
+              <a:ext uri="{FF2B5EF4-FFF2-40B4-BE49-F238E27FC236}">
+                <a16:creationId xmlns="" xmlns:a16="http://schemas.microsoft.com/office/drawing/2014/main" id="{608CACB9-03AB-4B0E-9E6A-961982C1B0D5}"/>
+              </a:ext>
+            </a:extLst>
+          </p:cNvPr>
+          <p:cNvSpPr/>
+          <p:nvPr/>
+        </p:nvSpPr>
+        <p:spPr>
+          <a:xfrm>
+            <a:off x="3784119" y="4333261"/>
+            <a:ext cx="1871263" cy="395705"/>
+          </a:xfrm>
+          <a:prstGeom prst="rect">
+            <a:avLst/>
+          </a:prstGeom>
+          <a:noFill/>
+          <a:ln>
+            <a:solidFill>
+              <a:schemeClr val="tx1"/>
+            </a:solidFill>
+          </a:ln>
+        </p:spPr>
+        <p:style>
+          <a:lnRef idx="2">
+            <a:schemeClr val="accent1">
+              <a:shade val="50000"/>
+            </a:schemeClr>
+          </a:lnRef>
+          <a:fillRef idx="1">
+            <a:schemeClr val="accent1"/>
+          </a:fillRef>
+          <a:effectRef idx="0">
+            <a:schemeClr val="accent1"/>
+          </a:effectRef>
+          <a:fontRef idx="minor">
+            <a:schemeClr val="lt1"/>
+          </a:fontRef>
+        </p:style>
+        <p:txBody>
+          <a:bodyPr rot="0" spcFirstLastPara="0" vert="horz" wrap="square" lIns="91440" tIns="45720" rIns="91440" bIns="45720" numCol="1" spcCol="0" rtlCol="0" fromWordArt="0" anchor="b" anchorCtr="0" forceAA="0" compatLnSpc="1">
+            <a:prstTxWarp prst="textNoShape">
+              <a:avLst/>
+            </a:prstTxWarp>
+            <a:noAutofit/>
+          </a:bodyPr>
+          <a:lstStyle/>
+          <a:p>
+            <a:pPr algn="ctr"/>
+            <a:r>
+              <a:rPr lang="fr-BE" sz="1600" dirty="0" smtClean="0">
+                <a:solidFill>
+                  <a:schemeClr val="tx1"/>
+                </a:solidFill>
+              </a:rPr>
+              <a:t>Storage </a:t>
+            </a:r>
+            <a:r>
+              <a:rPr lang="fr-BE" sz="1600" dirty="0" err="1" smtClean="0">
+                <a:solidFill>
+                  <a:schemeClr val="tx1"/>
+                </a:solidFill>
+              </a:rPr>
+              <a:t>repository</a:t>
+            </a:r>
+            <a:endParaRPr lang="en-US" sz="1600" dirty="0">
+              <a:solidFill>
+                <a:schemeClr val="tx1"/>
+              </a:solidFill>
+            </a:endParaRPr>
+          </a:p>
+        </p:txBody>
+      </p:sp>
+      <p:grpSp>
+        <p:nvGrpSpPr>
+          <p:cNvPr id="99" name="Group 98"/>
+          <p:cNvGrpSpPr/>
+          <p:nvPr/>
+        </p:nvGrpSpPr>
+        <p:grpSpPr>
+          <a:xfrm>
+            <a:off x="2329226" y="221031"/>
+            <a:ext cx="1871263" cy="677543"/>
+            <a:chOff x="5337877" y="5217078"/>
+            <a:chExt cx="1871263" cy="677543"/>
+          </a:xfrm>
+        </p:grpSpPr>
+        <p:sp>
+          <p:nvSpPr>
+            <p:cNvPr id="100" name="Rectangle 99">
+              <a:extLst>
+                <a:ext uri="{FF2B5EF4-FFF2-40B4-BE49-F238E27FC236}">
+                  <a16:creationId xmlns="" xmlns:a16="http://schemas.microsoft.com/office/drawing/2014/main" id="{608CACB9-03AB-4B0E-9E6A-961982C1B0D5}"/>
+                </a:ext>
+              </a:extLst>
+            </p:cNvPr>
+            <p:cNvSpPr/>
+            <p:nvPr/>
+          </p:nvSpPr>
+          <p:spPr>
+            <a:xfrm>
+              <a:off x="5337877" y="5217078"/>
+              <a:ext cx="1871263" cy="677543"/>
+            </a:xfrm>
+            <a:prstGeom prst="rect">
+              <a:avLst/>
+            </a:prstGeom>
+            <a:noFill/>
+            <a:ln>
+              <a:solidFill>
+                <a:schemeClr val="tx1"/>
+              </a:solidFill>
+            </a:ln>
+          </p:spPr>
+          <p:style>
+            <a:lnRef idx="2">
+              <a:schemeClr val="accent1">
+                <a:shade val="50000"/>
+              </a:schemeClr>
+            </a:lnRef>
+            <a:fillRef idx="1">
+              <a:schemeClr val="accent1"/>
+            </a:fillRef>
+            <a:effectRef idx="0">
+              <a:schemeClr val="accent1"/>
+            </a:effectRef>
+            <a:fontRef idx="minor">
+              <a:schemeClr val="lt1"/>
+            </a:fontRef>
+          </p:style>
+          <p:txBody>
+            <a:bodyPr rot="0" spcFirstLastPara="0" vert="horz" wrap="square" lIns="91440" tIns="45720" rIns="91440" bIns="45720" numCol="1" spcCol="0" rtlCol="0" fromWordArt="0" anchor="b" anchorCtr="0" forceAA="0" compatLnSpc="1">
+              <a:prstTxWarp prst="textNoShape">
+                <a:avLst/>
+              </a:prstTxWarp>
+              <a:noAutofit/>
+            </a:bodyPr>
+            <a:lstStyle/>
+            <a:p>
+              <a:pPr algn="ctr"/>
+              <a:r>
+                <a:rPr lang="fr-BE" sz="1600" dirty="0" err="1" smtClean="0">
+                  <a:solidFill>
+                    <a:schemeClr val="tx1"/>
+                  </a:solidFill>
+                </a:rPr>
+                <a:t>InMemory</a:t>
+              </a:r>
+              <a:r>
+                <a:rPr lang="fr-BE" sz="1600" dirty="0" smtClean="0">
+                  <a:solidFill>
+                    <a:schemeClr val="tx1"/>
+                  </a:solidFill>
+                </a:rPr>
+                <a:t> </a:t>
+              </a:r>
+              <a:r>
+                <a:rPr lang="fr-BE" sz="1600" dirty="0" err="1" smtClean="0">
+                  <a:solidFill>
+                    <a:schemeClr val="tx1"/>
+                  </a:solidFill>
+                </a:rPr>
+                <a:t>caching</a:t>
+              </a:r>
+              <a:endParaRPr lang="en-US" sz="1600" dirty="0">
+                <a:solidFill>
+                  <a:schemeClr val="tx1"/>
+                </a:solidFill>
+              </a:endParaRPr>
+            </a:p>
+          </p:txBody>
+        </p:sp>
+        <p:pic>
+          <p:nvPicPr>
+            <p:cNvPr id="102" name="Picture 18" descr="Image associÃ©e"/>
+            <p:cNvPicPr>
+              <a:picLocks noChangeAspect="1" noChangeArrowheads="1"/>
+            </p:cNvPicPr>
+            <p:nvPr/>
+          </p:nvPicPr>
+          <p:blipFill>
+            <a:blip r:embed="rId11" cstate="print">
+              <a:extLst>
+                <a:ext uri="{28A0092B-C50C-407E-A947-70E740481C1C}">
+                  <a14:useLocalDpi xmlns:a14="http://schemas.microsoft.com/office/drawing/2010/main" val="0"/>
+                </a:ext>
+              </a:extLst>
+            </a:blip>
+            <a:srcRect/>
+            <a:stretch>
+              <a:fillRect/>
+            </a:stretch>
+          </p:blipFill>
+          <p:spPr bwMode="auto">
+            <a:xfrm>
+              <a:off x="5923833" y="5303578"/>
+              <a:ext cx="414526" cy="414526"/>
+            </a:xfrm>
+            <a:prstGeom prst="rect">
+              <a:avLst/>
+            </a:prstGeom>
+            <a:noFill/>
+            <a:extLst>
+              <a:ext uri="{909E8E84-426E-40DD-AFC4-6F175D3DCCD1}">
+                <a14:hiddenFill xmlns:a14="http://schemas.microsoft.com/office/drawing/2010/main">
+                  <a:solidFill>
+                    <a:srgbClr val="FFFFFF"/>
+                  </a:solidFill>
+                </a14:hiddenFill>
+              </a:ext>
+            </a:extLst>
+          </p:spPr>
+        </p:pic>
+      </p:grpSp>
+      <p:grpSp>
+        <p:nvGrpSpPr>
+          <p:cNvPr id="103" name="Group 102"/>
+          <p:cNvGrpSpPr/>
+          <p:nvPr/>
+        </p:nvGrpSpPr>
+        <p:grpSpPr>
+          <a:xfrm>
+            <a:off x="2323575" y="1028363"/>
+            <a:ext cx="1871263" cy="739659"/>
+            <a:chOff x="5163658" y="4869160"/>
+            <a:chExt cx="1871263" cy="739659"/>
+          </a:xfrm>
+        </p:grpSpPr>
+        <p:sp>
+          <p:nvSpPr>
+            <p:cNvPr id="104" name="Rectangle 103">
+              <a:extLst>
+                <a:ext uri="{FF2B5EF4-FFF2-40B4-BE49-F238E27FC236}">
+                  <a16:creationId xmlns="" xmlns:a16="http://schemas.microsoft.com/office/drawing/2014/main" id="{608CACB9-03AB-4B0E-9E6A-961982C1B0D5}"/>
+                </a:ext>
+              </a:extLst>
+            </p:cNvPr>
+            <p:cNvSpPr/>
+            <p:nvPr/>
+          </p:nvSpPr>
+          <p:spPr>
+            <a:xfrm>
+              <a:off x="5163658" y="4869160"/>
+              <a:ext cx="1871263" cy="739659"/>
+            </a:xfrm>
+            <a:prstGeom prst="rect">
+              <a:avLst/>
+            </a:prstGeom>
+            <a:noFill/>
+            <a:ln>
+              <a:solidFill>
+                <a:schemeClr val="tx1"/>
+              </a:solidFill>
+            </a:ln>
+          </p:spPr>
+          <p:style>
+            <a:lnRef idx="2">
+              <a:schemeClr val="accent1">
+                <a:shade val="50000"/>
+              </a:schemeClr>
+            </a:lnRef>
+            <a:fillRef idx="1">
+              <a:schemeClr val="accent1"/>
+            </a:fillRef>
+            <a:effectRef idx="0">
+              <a:schemeClr val="accent1"/>
+            </a:effectRef>
+            <a:fontRef idx="minor">
+              <a:schemeClr val="lt1"/>
+            </a:fontRef>
+          </p:style>
+          <p:txBody>
+            <a:bodyPr rot="0" spcFirstLastPara="0" vert="horz" wrap="square" lIns="91440" tIns="45720" rIns="91440" bIns="45720" numCol="1" spcCol="0" rtlCol="0" fromWordArt="0" anchor="b" anchorCtr="0" forceAA="0" compatLnSpc="1">
+              <a:prstTxWarp prst="textNoShape">
+                <a:avLst/>
+              </a:prstTxWarp>
+              <a:noAutofit/>
+            </a:bodyPr>
+            <a:lstStyle/>
+            <a:p>
+              <a:pPr algn="ctr"/>
+              <a:r>
+                <a:rPr lang="fr-BE" sz="1600" dirty="0" smtClean="0">
+                  <a:solidFill>
+                    <a:schemeClr val="tx1"/>
+                  </a:solidFill>
+                </a:rPr>
+                <a:t>Redis </a:t>
+              </a:r>
+              <a:r>
+                <a:rPr lang="fr-BE" sz="1600" dirty="0" err="1" smtClean="0">
+                  <a:solidFill>
+                    <a:schemeClr val="tx1"/>
+                  </a:solidFill>
+                </a:rPr>
+                <a:t>caching</a:t>
+              </a:r>
+              <a:endParaRPr lang="en-US" sz="1600" dirty="0">
+                <a:solidFill>
+                  <a:schemeClr val="tx1"/>
+                </a:solidFill>
+              </a:endParaRPr>
+            </a:p>
+          </p:txBody>
+        </p:sp>
+        <p:pic>
+          <p:nvPicPr>
+            <p:cNvPr id="105" name="Picture 2" descr="RÃ©sultat de recherche d'images pour &quot;redis&quot;"/>
+            <p:cNvPicPr>
+              <a:picLocks noChangeAspect="1" noChangeArrowheads="1"/>
+            </p:cNvPicPr>
+            <p:nvPr/>
+          </p:nvPicPr>
+          <p:blipFill>
+            <a:blip r:embed="rId12" cstate="print">
+              <a:extLst>
+                <a:ext uri="{28A0092B-C50C-407E-A947-70E740481C1C}">
+                  <a14:useLocalDpi xmlns:a14="http://schemas.microsoft.com/office/drawing/2010/main" val="0"/>
+                </a:ext>
+              </a:extLst>
+            </a:blip>
+            <a:srcRect/>
+            <a:stretch>
+              <a:fillRect/>
+            </a:stretch>
+          </p:blipFill>
+          <p:spPr bwMode="auto">
+            <a:xfrm>
+              <a:off x="5757636" y="5013176"/>
+              <a:ext cx="412156" cy="367124"/>
+            </a:xfrm>
+            <a:prstGeom prst="rect">
+              <a:avLst/>
+            </a:prstGeom>
+            <a:noFill/>
+            <a:extLst>
+              <a:ext uri="{909E8E84-426E-40DD-AFC4-6F175D3DCCD1}">
+                <a14:hiddenFill xmlns:a14="http://schemas.microsoft.com/office/drawing/2010/main">
+                  <a:solidFill>
+                    <a:srgbClr val="FFFFFF"/>
+                  </a:solidFill>
+                </a14:hiddenFill>
+              </a:ext>
+            </a:extLst>
+          </p:spPr>
+        </p:pic>
+      </p:grpSp>
+      <p:sp>
+        <p:nvSpPr>
+          <p:cNvPr id="106" name="Rectangle 105"/>
+          <p:cNvSpPr/>
+          <p:nvPr/>
+        </p:nvSpPr>
+        <p:spPr>
+          <a:xfrm>
+            <a:off x="2267744" y="116632"/>
+            <a:ext cx="2016224" cy="1943258"/>
+          </a:xfrm>
+          <a:prstGeom prst="rect">
+            <a:avLst/>
+          </a:prstGeom>
+          <a:noFill/>
+          <a:ln>
+            <a:solidFill>
+              <a:schemeClr val="tx1"/>
+            </a:solidFill>
+          </a:ln>
+        </p:spPr>
+        <p:style>
+          <a:lnRef idx="2">
+            <a:schemeClr val="accent1">
+              <a:shade val="50000"/>
+            </a:schemeClr>
+          </a:lnRef>
+          <a:fillRef idx="1">
+            <a:schemeClr val="accent1"/>
+          </a:fillRef>
+          <a:effectRef idx="0">
+            <a:schemeClr val="accent1"/>
+          </a:effectRef>
+          <a:fontRef idx="minor">
+            <a:schemeClr val="lt1"/>
+          </a:fontRef>
+        </p:style>
+        <p:txBody>
+          <a:bodyPr rtlCol="0" anchor="ctr"/>
+          <a:lstStyle/>
+          <a:p>
+            <a:pPr algn="ctr"/>
+            <a:endParaRPr lang="en-US"/>
+          </a:p>
+        </p:txBody>
+      </p:sp>
+      <p:cxnSp>
+        <p:nvCxnSpPr>
+          <p:cNvPr id="107" name="Elbow Connector 106"/>
+          <p:cNvCxnSpPr>
+            <a:stCxn id="3" idx="1"/>
+            <a:endCxn id="38" idx="2"/>
+          </p:cNvCxnSpPr>
+          <p:nvPr/>
+        </p:nvCxnSpPr>
+        <p:spPr>
+          <a:xfrm rot="10800000">
+            <a:off x="1864634" y="6282624"/>
+            <a:ext cx="1685224" cy="277798"/>
+          </a:xfrm>
+          <a:prstGeom prst="bentConnector2">
+            <a:avLst/>
+          </a:prstGeom>
+          <a:ln>
+            <a:solidFill>
+              <a:schemeClr val="tx1"/>
+            </a:solidFill>
+            <a:tailEnd type="arrow"/>
+          </a:ln>
+        </p:spPr>
+        <p:style>
+          <a:lnRef idx="1">
+            <a:schemeClr val="accent1"/>
+          </a:lnRef>
+          <a:fillRef idx="0">
+            <a:schemeClr val="accent1"/>
+          </a:fillRef>
+          <a:effectRef idx="0">
+            <a:schemeClr val="accent1"/>
+          </a:effectRef>
+          <a:fontRef idx="minor">
+            <a:schemeClr val="tx1"/>
+          </a:fontRef>
+        </p:style>
+      </p:cxnSp>
+      <p:cxnSp>
+        <p:nvCxnSpPr>
+          <p:cNvPr id="46" name="Straight Arrow Connector 45"/>
+          <p:cNvCxnSpPr>
+            <a:stCxn id="38" idx="0"/>
+            <a:endCxn id="53" idx="2"/>
+          </p:cNvCxnSpPr>
+          <p:nvPr/>
+        </p:nvCxnSpPr>
+        <p:spPr>
+          <a:xfrm flipV="1">
+            <a:off x="1864634" y="5304891"/>
+            <a:ext cx="0" cy="582028"/>
+          </a:xfrm>
+          <a:prstGeom prst="straightConnector1">
+            <a:avLst/>
+          </a:prstGeom>
+          <a:ln>
+            <a:solidFill>
+              <a:schemeClr val="tx1"/>
+            </a:solidFill>
+            <a:tailEnd type="arrow"/>
+          </a:ln>
+        </p:spPr>
+        <p:style>
+          <a:lnRef idx="1">
+            <a:schemeClr val="accent1"/>
+          </a:lnRef>
+          <a:fillRef idx="0">
+            <a:schemeClr val="accent1"/>
+          </a:fillRef>
+          <a:effectRef idx="0">
+            <a:schemeClr val="accent1"/>
+          </a:effectRef>
+          <a:fontRef idx="minor">
+            <a:schemeClr val="tx1"/>
+          </a:fontRef>
+        </p:style>
+      </p:cxnSp>
+      <p:cxnSp>
+        <p:nvCxnSpPr>
+          <p:cNvPr id="117" name="Elbow Connector 116"/>
+          <p:cNvCxnSpPr>
+            <a:stCxn id="3" idx="3"/>
+            <a:endCxn id="82" idx="3"/>
+          </p:cNvCxnSpPr>
+          <p:nvPr/>
+        </p:nvCxnSpPr>
+        <p:spPr>
+          <a:xfrm flipV="1">
+            <a:off x="5889644" y="5625032"/>
+            <a:ext cx="994958" cy="935390"/>
+          </a:xfrm>
+          <a:prstGeom prst="bentConnector2">
+            <a:avLst/>
+          </a:prstGeom>
+          <a:ln>
+            <a:solidFill>
+              <a:schemeClr val="tx1"/>
+            </a:solidFill>
+            <a:tailEnd type="arrow"/>
+          </a:ln>
+        </p:spPr>
+        <p:style>
+          <a:lnRef idx="1">
+            <a:schemeClr val="accent1"/>
+          </a:lnRef>
+          <a:fillRef idx="0">
+            <a:schemeClr val="accent1"/>
+          </a:fillRef>
+          <a:effectRef idx="0">
+            <a:schemeClr val="accent1"/>
+          </a:effectRef>
+          <a:fontRef idx="minor">
+            <a:schemeClr val="tx1"/>
+          </a:fontRef>
+        </p:style>
+      </p:cxnSp>
+      <p:cxnSp>
+        <p:nvCxnSpPr>
+          <p:cNvPr id="54" name="Elbow Connector 53"/>
+          <p:cNvCxnSpPr>
+            <a:stCxn id="4" idx="2"/>
+            <a:endCxn id="82" idx="1"/>
+          </p:cNvCxnSpPr>
+          <p:nvPr/>
+        </p:nvCxnSpPr>
+        <p:spPr>
+          <a:xfrm rot="5400000">
+            <a:off x="7064982" y="3498008"/>
+            <a:ext cx="939272" cy="1300032"/>
+          </a:xfrm>
+          <a:prstGeom prst="bentConnector3">
+            <a:avLst/>
+          </a:prstGeom>
+          <a:ln>
+            <a:solidFill>
+              <a:schemeClr val="tx1"/>
+            </a:solidFill>
+            <a:headEnd type="arrow"/>
+            <a:tailEnd type="arrow"/>
+          </a:ln>
+        </p:spPr>
+        <p:style>
+          <a:lnRef idx="1">
+            <a:schemeClr val="accent1"/>
+          </a:lnRef>
+          <a:fillRef idx="0">
+            <a:schemeClr val="accent1"/>
+          </a:fillRef>
+          <a:effectRef idx="0">
+            <a:schemeClr val="accent1"/>
+          </a:effectRef>
+          <a:fontRef idx="minor">
+            <a:schemeClr val="tx1"/>
+          </a:fontRef>
+        </p:style>
+      </p:cxnSp>
+      <p:cxnSp>
+        <p:nvCxnSpPr>
+          <p:cNvPr id="124" name="Elbow Connector 123"/>
+          <p:cNvCxnSpPr>
+            <a:stCxn id="4" idx="0"/>
+            <a:endCxn id="74" idx="2"/>
+          </p:cNvCxnSpPr>
+          <p:nvPr/>
+        </p:nvCxnSpPr>
+        <p:spPr>
+          <a:xfrm rot="16200000" flipV="1">
+            <a:off x="6991057" y="2089106"/>
+            <a:ext cx="1222792" cy="1164362"/>
+          </a:xfrm>
+          <a:prstGeom prst="bentConnector3">
+            <a:avLst>
+              <a:gd name="adj1" fmla="val 50000"/>
+            </a:avLst>
+          </a:prstGeom>
+          <a:ln>
+            <a:solidFill>
+              <a:schemeClr val="tx1"/>
+            </a:solidFill>
+            <a:tailEnd type="arrow"/>
+          </a:ln>
+        </p:spPr>
+        <p:style>
+          <a:lnRef idx="1">
+            <a:schemeClr val="accent1"/>
+          </a:lnRef>
+          <a:fillRef idx="0">
+            <a:schemeClr val="accent1"/>
+          </a:fillRef>
+          <a:effectRef idx="0">
+            <a:schemeClr val="accent1"/>
+          </a:effectRef>
+          <a:fontRef idx="minor">
+            <a:schemeClr val="tx1"/>
+          </a:fontRef>
+        </p:style>
+      </p:cxnSp>
+      <p:cxnSp>
+        <p:nvCxnSpPr>
+          <p:cNvPr id="127" name="Elbow Connector 126"/>
+          <p:cNvCxnSpPr>
+            <a:stCxn id="77" idx="0"/>
+            <a:endCxn id="74" idx="2"/>
+          </p:cNvCxnSpPr>
+          <p:nvPr/>
+        </p:nvCxnSpPr>
+        <p:spPr>
+          <a:xfrm rot="5400000" flipH="1" flipV="1">
+            <a:off x="5726378" y="2021834"/>
+            <a:ext cx="1255836" cy="1331951"/>
+          </a:xfrm>
+          <a:prstGeom prst="bentConnector3">
+            <a:avLst>
+              <a:gd name="adj1" fmla="val 50000"/>
+            </a:avLst>
+          </a:prstGeom>
+          <a:ln>
+            <a:solidFill>
+              <a:schemeClr val="tx1"/>
+            </a:solidFill>
+            <a:tailEnd type="arrow"/>
+          </a:ln>
+        </p:spPr>
+        <p:style>
+          <a:lnRef idx="1">
+            <a:schemeClr val="accent1"/>
+          </a:lnRef>
+          <a:fillRef idx="0">
+            <a:schemeClr val="accent1"/>
+          </a:fillRef>
+          <a:effectRef idx="0">
+            <a:schemeClr val="accent1"/>
+          </a:effectRef>
+          <a:fontRef idx="minor">
+            <a:schemeClr val="tx1"/>
+          </a:fontRef>
+        </p:style>
+      </p:cxnSp>
+      <p:cxnSp>
+        <p:nvCxnSpPr>
+          <p:cNvPr id="130" name="Straight Arrow Connector 129"/>
+          <p:cNvCxnSpPr>
+            <a:stCxn id="3" idx="0"/>
+            <a:endCxn id="79" idx="2"/>
+          </p:cNvCxnSpPr>
+          <p:nvPr/>
+        </p:nvCxnSpPr>
+        <p:spPr>
+          <a:xfrm flipV="1">
+            <a:off x="4719751" y="4728966"/>
+            <a:ext cx="0" cy="1652362"/>
+          </a:xfrm>
+          <a:prstGeom prst="straightConnector1">
+            <a:avLst/>
+          </a:prstGeom>
+          <a:ln>
+            <a:solidFill>
+              <a:schemeClr val="tx1"/>
+            </a:solidFill>
+            <a:tailEnd type="arrow"/>
+          </a:ln>
+        </p:spPr>
+        <p:style>
+          <a:lnRef idx="1">
+            <a:schemeClr val="accent1"/>
+          </a:lnRef>
+          <a:fillRef idx="0">
+            <a:schemeClr val="accent1"/>
+          </a:fillRef>
+          <a:effectRef idx="0">
+            <a:schemeClr val="accent1"/>
+          </a:effectRef>
+          <a:fontRef idx="minor">
+            <a:schemeClr val="tx1"/>
+          </a:fontRef>
+        </p:style>
+      </p:cxnSp>
+      <p:cxnSp>
+        <p:nvCxnSpPr>
+          <p:cNvPr id="136" name="Elbow Connector 135"/>
+          <p:cNvCxnSpPr>
+            <a:endCxn id="106" idx="2"/>
+          </p:cNvCxnSpPr>
+          <p:nvPr/>
+        </p:nvCxnSpPr>
+        <p:spPr>
+          <a:xfrm rot="16200000" flipV="1">
+            <a:off x="2830718" y="2505029"/>
+            <a:ext cx="2273371" cy="1383094"/>
+          </a:xfrm>
+          <a:prstGeom prst="bentConnector3">
+            <a:avLst>
+              <a:gd name="adj1" fmla="val 50000"/>
+            </a:avLst>
+          </a:prstGeom>
+          <a:ln>
+            <a:solidFill>
+              <a:schemeClr val="tx1"/>
+            </a:solidFill>
+            <a:tailEnd type="arrow"/>
+          </a:ln>
+        </p:spPr>
+        <p:style>
+          <a:lnRef idx="1">
+            <a:schemeClr val="accent1"/>
+          </a:lnRef>
+          <a:fillRef idx="0">
+            <a:schemeClr val="accent1"/>
+          </a:fillRef>
+          <a:effectRef idx="0">
+            <a:schemeClr val="accent1"/>
+          </a:effectRef>
+          <a:fontRef idx="minor">
+            <a:schemeClr val="tx1"/>
+          </a:fontRef>
+        </p:style>
+      </p:cxnSp>
+      <p:cxnSp>
+        <p:nvCxnSpPr>
+          <p:cNvPr id="139" name="Elbow Connector 138"/>
+          <p:cNvCxnSpPr>
+            <a:stCxn id="3" idx="0"/>
+            <a:endCxn id="77" idx="2"/>
+          </p:cNvCxnSpPr>
+          <p:nvPr/>
+        </p:nvCxnSpPr>
+        <p:spPr>
+          <a:xfrm rot="5400000" flipH="1" flipV="1">
+            <a:off x="3869088" y="4562095"/>
+            <a:ext cx="2669896" cy="968570"/>
+          </a:xfrm>
+          <a:prstGeom prst="bentConnector3">
+            <a:avLst>
+              <a:gd name="adj1" fmla="val 28119"/>
+            </a:avLst>
+          </a:prstGeom>
+          <a:ln>
+            <a:solidFill>
+              <a:schemeClr val="tx1"/>
+            </a:solidFill>
+            <a:tailEnd type="arrow"/>
+          </a:ln>
+        </p:spPr>
+        <p:style>
+          <a:lnRef idx="1">
+            <a:schemeClr val="accent1"/>
+          </a:lnRef>
+          <a:fillRef idx="0">
+            <a:schemeClr val="accent1"/>
+          </a:fillRef>
+          <a:effectRef idx="0">
+            <a:schemeClr val="accent1"/>
+          </a:effectRef>
+          <a:fontRef idx="minor">
+            <a:schemeClr val="tx1"/>
+          </a:fontRef>
+        </p:style>
+      </p:cxnSp>
       <p:pic>
         <p:nvPicPr>
-          <p:cNvPr id="1050" name="Picture 14" descr="RÃ©sultat de recherche d'images pour &quot;rabbitmq&quot;"/>
+          <p:cNvPr id="143" name="Picture 2" descr="RÃ©sultat de recherche d'images pour &quot;server icon&quot;"/>
           <p:cNvPicPr>
             <a:picLocks noChangeAspect="1" noChangeArrowheads="1"/>
           </p:cNvPicPr>
           <p:nvPr/>
         </p:nvPicPr>
         <p:blipFill>
-          <a:blip r:embed="rId5" cstate="print">
+          <a:blip r:embed="rId13">
             <a:extLst>
               <a:ext uri="{28A0092B-C50C-407E-A947-70E740481C1C}">
                 <a14:useLocalDpi xmlns:a14="http://schemas.microsoft.com/office/drawing/2010/main" val="0"/>
@@ -13536,8 +14814,8 @@
         </p:blipFill>
         <p:spPr bwMode="auto">
           <a:xfrm>
-            <a:off x="4284299" y="257795"/>
-            <a:ext cx="1209643" cy="362893"/>
+            <a:off x="5889644" y="5800768"/>
+            <a:ext cx="1142256" cy="1142256"/>
           </a:xfrm>
           <a:prstGeom prst="rect">
             <a:avLst/>
@@ -13554,56 +14832,207 @@
           </a:extLst>
         </p:spPr>
       </p:pic>
-      <p:pic>
-        <p:nvPicPr>
-          <p:cNvPr id="1054" name="Picture 18" descr="Image associÃ©e"/>
-          <p:cNvPicPr>
-            <a:picLocks noChangeAspect="1" noChangeArrowheads="1"/>
-          </p:cNvPicPr>
-          <p:nvPr/>
-        </p:nvPicPr>
-        <p:blipFill>
-          <a:blip r:embed="rId6" cstate="print">
+    </p:spTree>
+    <p:extLst>
+      <p:ext uri="{BB962C8B-B14F-4D97-AF65-F5344CB8AC3E}">
+        <p14:creationId xmlns:p14="http://schemas.microsoft.com/office/powerpoint/2010/main" val="892327396"/>
+      </p:ext>
+    </p:extLst>
+  </p:cSld>
+  <p:clrMapOvr>
+    <a:masterClrMapping/>
+  </p:clrMapOvr>
+</p:sld>
+</file>
+
+<file path=ppt/slides/slide7.xml><?xml version="1.0" encoding="utf-8"?>
+<p:sld xmlns:a="http://schemas.openxmlformats.org/drawingml/2006/main" xmlns:r="http://schemas.openxmlformats.org/officeDocument/2006/relationships" xmlns:p="http://schemas.openxmlformats.org/presentationml/2006/main">
+  <p:cSld>
+    <p:spTree>
+      <p:nvGrpSpPr>
+        <p:cNvPr id="1" name=""/>
+        <p:cNvGrpSpPr/>
+        <p:nvPr/>
+      </p:nvGrpSpPr>
+      <p:grpSpPr>
+        <a:xfrm>
+          <a:off x="0" y="0"/>
+          <a:ext cx="0" cy="0"/>
+          <a:chOff x="0" y="0"/>
+          <a:chExt cx="0" cy="0"/>
+        </a:xfrm>
+      </p:grpSpPr>
+      <p:sp>
+        <p:nvSpPr>
+          <p:cNvPr id="3" name="Rectangle 2">
             <a:extLst>
-              <a:ext uri="{28A0092B-C50C-407E-A947-70E740481C1C}">
-                <a14:useLocalDpi xmlns:a14="http://schemas.microsoft.com/office/drawing/2010/main" val="0"/>
+              <a:ext uri="{FF2B5EF4-FFF2-40B4-BE49-F238E27FC236}">
+                <a16:creationId xmlns="" xmlns:a16="http://schemas.microsoft.com/office/drawing/2014/main" id="{608CACB9-03AB-4B0E-9E6A-961982C1B0D5}"/>
               </a:ext>
             </a:extLst>
-          </a:blip>
-          <a:srcRect/>
-          <a:stretch>
-            <a:fillRect/>
-          </a:stretch>
-        </p:blipFill>
-        <p:spPr bwMode="auto">
+          </p:cNvPr>
+          <p:cNvSpPr/>
+          <p:nvPr/>
+        </p:nvSpPr>
+        <p:spPr>
           <a:xfrm>
-            <a:off x="2158211" y="160337"/>
-            <a:ext cx="609600" cy="609600"/>
+            <a:off x="3523107" y="6093296"/>
+            <a:ext cx="2339786" cy="358188"/>
           </a:xfrm>
           <a:prstGeom prst="rect">
             <a:avLst/>
           </a:prstGeom>
           <a:noFill/>
-          <a:extLst>
-            <a:ext uri="{909E8E84-426E-40DD-AFC4-6F175D3DCCD1}">
-              <a14:hiddenFill xmlns:a14="http://schemas.microsoft.com/office/drawing/2010/main">
-                <a:solidFill>
-                  <a:srgbClr val="FFFFFF"/>
-                </a:solidFill>
-              </a14:hiddenFill>
-            </a:ext>
-          </a:extLst>
+          <a:ln>
+            <a:solidFill>
+              <a:schemeClr val="tx1"/>
+            </a:solidFill>
+          </a:ln>
         </p:spPr>
-      </p:pic>
+        <p:style>
+          <a:lnRef idx="2">
+            <a:schemeClr val="accent1">
+              <a:shade val="50000"/>
+            </a:schemeClr>
+          </a:lnRef>
+          <a:fillRef idx="1">
+            <a:schemeClr val="accent1"/>
+          </a:fillRef>
+          <a:effectRef idx="0">
+            <a:schemeClr val="accent1"/>
+          </a:effectRef>
+          <a:fontRef idx="minor">
+            <a:schemeClr val="lt1"/>
+          </a:fontRef>
+        </p:style>
+        <p:txBody>
+          <a:bodyPr rot="0" spcFirstLastPara="0" vert="horz" wrap="square" lIns="91440" tIns="45720" rIns="91440" bIns="45720" numCol="1" spcCol="0" rtlCol="0" fromWordArt="0" anchor="b" anchorCtr="0" forceAA="0" compatLnSpc="1">
+            <a:prstTxWarp prst="textNoShape">
+              <a:avLst/>
+            </a:prstTxWarp>
+            <a:noAutofit/>
+          </a:bodyPr>
+          <a:lstStyle/>
+          <a:p>
+            <a:pPr algn="ctr"/>
+            <a:r>
+              <a:rPr lang="fr-BE" sz="1600" dirty="0" err="1" smtClean="0">
+                <a:solidFill>
+                  <a:schemeClr val="tx1"/>
+                </a:solidFill>
+              </a:rPr>
+              <a:t>EventStore</a:t>
+            </a:r>
+            <a:r>
+              <a:rPr lang="fr-BE" sz="1600" dirty="0" smtClean="0">
+                <a:solidFill>
+                  <a:schemeClr val="tx1"/>
+                </a:solidFill>
+              </a:rPr>
+              <a:t> Host</a:t>
+            </a:r>
+            <a:endParaRPr lang="en-US" sz="1600" dirty="0">
+              <a:solidFill>
+                <a:schemeClr val="tx1"/>
+              </a:solidFill>
+            </a:endParaRPr>
+          </a:p>
+        </p:txBody>
+      </p:sp>
+      <p:sp>
+        <p:nvSpPr>
+          <p:cNvPr id="4" name="Rectangle 3">
+            <a:extLst>
+              <a:ext uri="{FF2B5EF4-FFF2-40B4-BE49-F238E27FC236}">
+                <a16:creationId xmlns="" xmlns:a16="http://schemas.microsoft.com/office/drawing/2014/main" id="{608CACB9-03AB-4B0E-9E6A-961982C1B0D5}"/>
+              </a:ext>
+            </a:extLst>
+          </p:cNvPr>
+          <p:cNvSpPr/>
+          <p:nvPr/>
+        </p:nvSpPr>
+        <p:spPr>
+          <a:xfrm>
+            <a:off x="3523107" y="4797152"/>
+            <a:ext cx="2339786" cy="358188"/>
+          </a:xfrm>
+          <a:prstGeom prst="rect">
+            <a:avLst/>
+          </a:prstGeom>
+          <a:noFill/>
+          <a:ln>
+            <a:solidFill>
+              <a:schemeClr val="tx1"/>
+            </a:solidFill>
+          </a:ln>
+        </p:spPr>
+        <p:style>
+          <a:lnRef idx="2">
+            <a:schemeClr val="accent1">
+              <a:shade val="50000"/>
+            </a:schemeClr>
+          </a:lnRef>
+          <a:fillRef idx="1">
+            <a:schemeClr val="accent1"/>
+          </a:fillRef>
+          <a:effectRef idx="0">
+            <a:schemeClr val="accent1"/>
+          </a:effectRef>
+          <a:fontRef idx="minor">
+            <a:schemeClr val="lt1"/>
+          </a:fontRef>
+        </p:style>
+        <p:txBody>
+          <a:bodyPr rot="0" spcFirstLastPara="0" vert="horz" wrap="square" lIns="91440" tIns="45720" rIns="91440" bIns="45720" numCol="1" spcCol="0" rtlCol="0" fromWordArt="0" anchor="b" anchorCtr="0" forceAA="0" compatLnSpc="1">
+            <a:prstTxWarp prst="textNoShape">
+              <a:avLst/>
+            </a:prstTxWarp>
+            <a:noAutofit/>
+          </a:bodyPr>
+          <a:lstStyle/>
+          <a:p>
+            <a:pPr algn="ctr"/>
+            <a:r>
+              <a:rPr lang="fr-BE" sz="1600" dirty="0" err="1" smtClean="0">
+                <a:solidFill>
+                  <a:schemeClr val="tx1"/>
+                </a:solidFill>
+              </a:rPr>
+              <a:t>EventStore</a:t>
+            </a:r>
+            <a:r>
+              <a:rPr lang="fr-BE" sz="1600" dirty="0" smtClean="0">
+                <a:solidFill>
+                  <a:schemeClr val="tx1"/>
+                </a:solidFill>
+              </a:rPr>
+              <a:t> </a:t>
+            </a:r>
+            <a:r>
+              <a:rPr lang="fr-BE" sz="1600" dirty="0" err="1" smtClean="0">
+                <a:solidFill>
+                  <a:schemeClr val="tx1"/>
+                </a:solidFill>
+              </a:rPr>
+              <a:t>repository</a:t>
+            </a:r>
+            <a:endParaRPr lang="en-US" sz="1600" dirty="0">
+              <a:solidFill>
+                <a:schemeClr val="tx1"/>
+              </a:solidFill>
+            </a:endParaRPr>
+          </a:p>
+        </p:txBody>
+      </p:sp>
       <p:grpSp>
         <p:nvGrpSpPr>
-          <p:cNvPr id="160" name="Group 159"/>
+          <p:cNvPr id="5" name="Group 4"/>
           <p:cNvGrpSpPr/>
           <p:nvPr/>
         </p:nvGrpSpPr>
         <p:grpSpPr>
           <a:xfrm>
-            <a:off x="7229479" y="3597279"/>
+            <a:off x="2821737" y="2301616"/>
             <a:ext cx="1871263" cy="1084317"/>
             <a:chOff x="2904369" y="3351354"/>
             <a:chExt cx="1871263" cy="1084317"/>
@@ -13611,10 +15040,10 @@
         </p:grpSpPr>
         <p:sp>
           <p:nvSpPr>
-            <p:cNvPr id="161" name="Rectangle 160">
+            <p:cNvPr id="6" name="Rectangle 5">
               <a:extLst>
                 <a:ext uri="{FF2B5EF4-FFF2-40B4-BE49-F238E27FC236}">
-                  <a16:creationId xmlns:a16="http://schemas.microsoft.com/office/drawing/2014/main" xmlns="" id="{608CACB9-03AB-4B0E-9E6A-961982C1B0D5}"/>
+                  <a16:creationId xmlns="" xmlns:a16="http://schemas.microsoft.com/office/drawing/2014/main" id="{608CACB9-03AB-4B0E-9E6A-961982C1B0D5}"/>
                 </a:ext>
               </a:extLst>
             </p:cNvPr>
@@ -13688,14 +15117,14 @@
         </p:sp>
         <p:pic>
           <p:nvPicPr>
-            <p:cNvPr id="162" name="Picture 6" descr="RÃ©sultat de recherche d'images pour &quot;sql server icon&quot;"/>
+            <p:cNvPr id="7" name="Picture 6" descr="RÃ©sultat de recherche d'images pour &quot;sql server icon&quot;"/>
             <p:cNvPicPr>
               <a:picLocks noChangeAspect="1" noChangeArrowheads="1"/>
             </p:cNvPicPr>
             <p:nvPr/>
           </p:nvPicPr>
           <p:blipFill>
-            <a:blip r:embed="rId4" cstate="print">
+            <a:blip r:embed="rId2" cstate="print">
               <a:extLst>
                 <a:ext uri="{28A0092B-C50C-407E-A947-70E740481C1C}">
                   <a14:useLocalDpi xmlns:a14="http://schemas.microsoft.com/office/drawing/2010/main" val="0"/>
@@ -13730,13 +15159,13 @@
       </p:grpSp>
       <p:grpSp>
         <p:nvGrpSpPr>
-          <p:cNvPr id="1062" name="Group 1061"/>
+          <p:cNvPr id="8" name="Group 7"/>
           <p:cNvGrpSpPr/>
           <p:nvPr/>
         </p:nvGrpSpPr>
         <p:grpSpPr>
           <a:xfrm>
-            <a:off x="7213331" y="2052552"/>
+            <a:off x="4788867" y="1080594"/>
             <a:ext cx="1871263" cy="1084317"/>
             <a:chOff x="7237267" y="2597881"/>
             <a:chExt cx="1871263" cy="1084317"/>
@@ -13744,14 +15173,14 @@
         </p:grpSpPr>
         <p:pic>
           <p:nvPicPr>
-            <p:cNvPr id="1061" name="Picture 20" descr="RÃ©sultat de recherche d'images pour &quot;sqlite icon&quot;"/>
+            <p:cNvPr id="9" name="Picture 20" descr="RÃ©sultat de recherche d'images pour &quot;sqlite icon&quot;"/>
             <p:cNvPicPr>
               <a:picLocks noChangeAspect="1" noChangeArrowheads="1"/>
             </p:cNvPicPr>
             <p:nvPr/>
           </p:nvPicPr>
           <p:blipFill>
-            <a:blip r:embed="rId7" cstate="print">
+            <a:blip r:embed="rId3" cstate="print">
               <a:extLst>
                 <a:ext uri="{28A0092B-C50C-407E-A947-70E740481C1C}">
                   <a14:useLocalDpi xmlns:a14="http://schemas.microsoft.com/office/drawing/2010/main" val="0"/>
@@ -13785,10 +15214,10 @@
         </p:pic>
         <p:sp>
           <p:nvSpPr>
-            <p:cNvPr id="171" name="Rectangle 170">
+            <p:cNvPr id="10" name="Rectangle 9">
               <a:extLst>
                 <a:ext uri="{FF2B5EF4-FFF2-40B4-BE49-F238E27FC236}">
-                  <a16:creationId xmlns:a16="http://schemas.microsoft.com/office/drawing/2014/main" xmlns="" id="{608CACB9-03AB-4B0E-9E6A-961982C1B0D5}"/>
+                  <a16:creationId xmlns="" xmlns:a16="http://schemas.microsoft.com/office/drawing/2014/main" id="{608CACB9-03AB-4B0E-9E6A-961982C1B0D5}"/>
                 </a:ext>
               </a:extLst>
             </p:cNvPr>
@@ -13863,13 +15292,13 @@
       </p:grpSp>
       <p:grpSp>
         <p:nvGrpSpPr>
-          <p:cNvPr id="1064" name="Group 1063"/>
+          <p:cNvPr id="11" name="Group 10"/>
           <p:cNvGrpSpPr/>
           <p:nvPr/>
         </p:nvGrpSpPr>
         <p:grpSpPr>
           <a:xfrm>
-            <a:off x="7209140" y="170805"/>
+            <a:off x="2821737" y="1080594"/>
             <a:ext cx="1871263" cy="1084317"/>
             <a:chOff x="6942822" y="620067"/>
             <a:chExt cx="1871263" cy="1084317"/>
@@ -13877,10 +15306,10 @@
         </p:grpSpPr>
         <p:sp>
           <p:nvSpPr>
-            <p:cNvPr id="176" name="Rectangle 175">
+            <p:cNvPr id="12" name="Rectangle 11">
               <a:extLst>
                 <a:ext uri="{FF2B5EF4-FFF2-40B4-BE49-F238E27FC236}">
-                  <a16:creationId xmlns:a16="http://schemas.microsoft.com/office/drawing/2014/main" xmlns="" id="{608CACB9-03AB-4B0E-9E6A-961982C1B0D5}"/>
+                  <a16:creationId xmlns="" xmlns:a16="http://schemas.microsoft.com/office/drawing/2014/main" id="{608CACB9-03AB-4B0E-9E6A-961982C1B0D5}"/>
                 </a:ext>
               </a:extLst>
             </p:cNvPr>
@@ -13942,15 +15371,7 @@
                     <a:schemeClr val="tx1"/>
                   </a:solidFill>
                 </a:rPr>
-                <a:t> </a:t>
-              </a:r>
-              <a:r>
-                <a:rPr lang="fr-BE" sz="1600" dirty="0" smtClean="0">
-                  <a:solidFill>
-                    <a:schemeClr val="tx1"/>
-                  </a:solidFill>
-                </a:rPr>
-                <a:t>repo</a:t>
+                <a:t> repo</a:t>
               </a:r>
               <a:endParaRPr lang="en-US" sz="1600" dirty="0">
                 <a:solidFill>
@@ -13962,989 +15383,7 @@
         </p:sp>
         <p:pic>
           <p:nvPicPr>
-            <p:cNvPr id="1063" name="Picture 22" descr="Image associÃ©e"/>
-            <p:cNvPicPr>
-              <a:picLocks noChangeAspect="1" noChangeArrowheads="1"/>
-            </p:cNvPicPr>
-            <p:nvPr/>
-          </p:nvPicPr>
-          <p:blipFill>
-            <a:blip r:embed="rId8" cstate="print">
-              <a:extLst>
-                <a:ext uri="{28A0092B-C50C-407E-A947-70E740481C1C}">
-                  <a14:useLocalDpi xmlns:a14="http://schemas.microsoft.com/office/drawing/2010/main" val="0"/>
-                </a:ext>
-              </a:extLst>
-            </a:blip>
-            <a:srcRect/>
-            <a:stretch>
-              <a:fillRect/>
-            </a:stretch>
-          </p:blipFill>
-          <p:spPr bwMode="auto">
-            <a:xfrm>
-              <a:off x="7583657" y="769937"/>
-              <a:ext cx="660707" cy="681262"/>
-            </a:xfrm>
-            <a:prstGeom prst="rect">
-              <a:avLst/>
-            </a:prstGeom>
-            <a:noFill/>
-            <a:extLst>
-              <a:ext uri="{909E8E84-426E-40DD-AFC4-6F175D3DCCD1}">
-                <a14:hiddenFill xmlns:a14="http://schemas.microsoft.com/office/drawing/2010/main">
-                  <a:solidFill>
-                    <a:srgbClr val="FFFFFF"/>
-                  </a:solidFill>
-                </a14:hiddenFill>
-              </a:ext>
-            </a:extLst>
-          </p:spPr>
-        </p:pic>
-      </p:grpSp>
-      <p:cxnSp>
-        <p:nvCxnSpPr>
-          <p:cNvPr id="180" name="Straight Arrow Connector 179"/>
-          <p:cNvCxnSpPr>
-            <a:stCxn id="4" idx="3"/>
-            <a:endCxn id="171" idx="1"/>
-          </p:cNvCxnSpPr>
-          <p:nvPr/>
-        </p:nvCxnSpPr>
-        <p:spPr>
-          <a:xfrm flipV="1">
-            <a:off x="6896288" y="2594711"/>
-            <a:ext cx="317043" cy="1"/>
-          </a:xfrm>
-          <a:prstGeom prst="straightConnector1">
-            <a:avLst/>
-          </a:prstGeom>
-          <a:ln>
-            <a:solidFill>
-              <a:schemeClr val="tx1"/>
-            </a:solidFill>
-            <a:headEnd type="arrow"/>
-            <a:tailEnd type="arrow"/>
-          </a:ln>
-        </p:spPr>
-        <p:style>
-          <a:lnRef idx="1">
-            <a:schemeClr val="accent1"/>
-          </a:lnRef>
-          <a:fillRef idx="0">
-            <a:schemeClr val="accent1"/>
-          </a:fillRef>
-          <a:effectRef idx="0">
-            <a:schemeClr val="accent1"/>
-          </a:effectRef>
-          <a:fontRef idx="minor">
-            <a:schemeClr val="tx1"/>
-          </a:fontRef>
-        </p:style>
-      </p:cxnSp>
-      <p:cxnSp>
-        <p:nvCxnSpPr>
-          <p:cNvPr id="183" name="Elbow Connector 182"/>
-          <p:cNvCxnSpPr>
-            <a:stCxn id="161" idx="1"/>
-            <a:endCxn id="4" idx="2"/>
-          </p:cNvCxnSpPr>
-          <p:nvPr/>
-        </p:nvCxnSpPr>
-        <p:spPr>
-          <a:xfrm rot="10800000">
-            <a:off x="5960657" y="2792564"/>
-            <a:ext cx="1268822" cy="1346874"/>
-          </a:xfrm>
-          <a:prstGeom prst="bentConnector2">
-            <a:avLst/>
-          </a:prstGeom>
-          <a:ln>
-            <a:solidFill>
-              <a:schemeClr val="tx1"/>
-            </a:solidFill>
-            <a:headEnd type="arrow"/>
-            <a:tailEnd type="arrow"/>
-          </a:ln>
-        </p:spPr>
-        <p:style>
-          <a:lnRef idx="1">
-            <a:schemeClr val="accent1"/>
-          </a:lnRef>
-          <a:fillRef idx="0">
-            <a:schemeClr val="accent1"/>
-          </a:fillRef>
-          <a:effectRef idx="0">
-            <a:schemeClr val="accent1"/>
-          </a:effectRef>
-          <a:fontRef idx="minor">
-            <a:schemeClr val="tx1"/>
-          </a:fontRef>
-        </p:style>
-      </p:cxnSp>
-      <p:cxnSp>
-        <p:nvCxnSpPr>
-          <p:cNvPr id="192" name="Straight Arrow Connector 191"/>
-          <p:cNvCxnSpPr>
-            <a:stCxn id="3" idx="2"/>
-            <a:endCxn id="38" idx="0"/>
-          </p:cNvCxnSpPr>
-          <p:nvPr/>
-        </p:nvCxnSpPr>
-        <p:spPr>
-          <a:xfrm>
-            <a:off x="1293117" y="2773805"/>
-            <a:ext cx="12778" cy="2018774"/>
-          </a:xfrm>
-          <a:prstGeom prst="straightConnector1">
-            <a:avLst/>
-          </a:prstGeom>
-          <a:ln>
-            <a:solidFill>
-              <a:schemeClr val="tx1"/>
-            </a:solidFill>
-            <a:tailEnd type="arrow"/>
-          </a:ln>
-        </p:spPr>
-        <p:style>
-          <a:lnRef idx="1">
-            <a:schemeClr val="accent1"/>
-          </a:lnRef>
-          <a:fillRef idx="0">
-            <a:schemeClr val="accent1"/>
-          </a:fillRef>
-          <a:effectRef idx="0">
-            <a:schemeClr val="accent1"/>
-          </a:effectRef>
-          <a:fontRef idx="minor">
-            <a:schemeClr val="tx1"/>
-          </a:fontRef>
-        </p:style>
-      </p:cxnSp>
-      <p:cxnSp>
-        <p:nvCxnSpPr>
-          <p:cNvPr id="196" name="Elbow Connector 195"/>
-          <p:cNvCxnSpPr>
-            <a:stCxn id="38" idx="3"/>
-            <a:endCxn id="91" idx="1"/>
-          </p:cNvCxnSpPr>
-          <p:nvPr/>
-        </p:nvCxnSpPr>
-        <p:spPr>
-          <a:xfrm flipV="1">
-            <a:off x="2241526" y="3755135"/>
-            <a:ext cx="616014" cy="1235297"/>
-          </a:xfrm>
-          <a:prstGeom prst="bentConnector3">
-            <a:avLst>
-              <a:gd name="adj1" fmla="val 50000"/>
-            </a:avLst>
-          </a:prstGeom>
-          <a:ln>
-            <a:solidFill>
-              <a:schemeClr val="tx1"/>
-            </a:solidFill>
-            <a:tailEnd type="arrow"/>
-          </a:ln>
-        </p:spPr>
-        <p:style>
-          <a:lnRef idx="1">
-            <a:schemeClr val="accent1"/>
-          </a:lnRef>
-          <a:fillRef idx="0">
-            <a:schemeClr val="accent1"/>
-          </a:fillRef>
-          <a:effectRef idx="0">
-            <a:schemeClr val="accent1"/>
-          </a:effectRef>
-          <a:fontRef idx="minor">
-            <a:schemeClr val="tx1"/>
-          </a:fontRef>
-        </p:style>
-      </p:cxnSp>
-      <p:cxnSp>
-        <p:nvCxnSpPr>
-          <p:cNvPr id="199" name="Elbow Connector 198"/>
-          <p:cNvCxnSpPr>
-            <a:stCxn id="38" idx="3"/>
-            <a:endCxn id="101" idx="1"/>
-          </p:cNvCxnSpPr>
-          <p:nvPr/>
-        </p:nvCxnSpPr>
-        <p:spPr>
-          <a:xfrm>
-            <a:off x="2241526" y="4990432"/>
-            <a:ext cx="617966" cy="1235895"/>
-          </a:xfrm>
-          <a:prstGeom prst="bentConnector3">
-            <a:avLst>
-              <a:gd name="adj1" fmla="val 50000"/>
-            </a:avLst>
-          </a:prstGeom>
-          <a:ln>
-            <a:solidFill>
-              <a:schemeClr val="tx1"/>
-            </a:solidFill>
-            <a:tailEnd type="arrow"/>
-          </a:ln>
-        </p:spPr>
-        <p:style>
-          <a:lnRef idx="1">
-            <a:schemeClr val="accent1"/>
-          </a:lnRef>
-          <a:fillRef idx="0">
-            <a:schemeClr val="accent1"/>
-          </a:fillRef>
-          <a:effectRef idx="0">
-            <a:schemeClr val="accent1"/>
-          </a:effectRef>
-          <a:fontRef idx="minor">
-            <a:schemeClr val="tx1"/>
-          </a:fontRef>
-        </p:style>
-      </p:cxnSp>
-      <p:cxnSp>
-        <p:nvCxnSpPr>
-          <p:cNvPr id="202" name="Straight Arrow Connector 201"/>
-          <p:cNvCxnSpPr>
-            <a:stCxn id="38" idx="3"/>
-            <a:endCxn id="90" idx="1"/>
-          </p:cNvCxnSpPr>
-          <p:nvPr/>
-        </p:nvCxnSpPr>
-        <p:spPr>
-          <a:xfrm>
-            <a:off x="2241526" y="4990432"/>
-            <a:ext cx="617965" cy="1"/>
-          </a:xfrm>
-          <a:prstGeom prst="straightConnector1">
-            <a:avLst/>
-          </a:prstGeom>
-          <a:ln>
-            <a:solidFill>
-              <a:schemeClr val="tx1"/>
-            </a:solidFill>
-            <a:headEnd type="arrow"/>
-            <a:tailEnd type="arrow"/>
-          </a:ln>
-        </p:spPr>
-        <p:style>
-          <a:lnRef idx="1">
-            <a:schemeClr val="accent1"/>
-          </a:lnRef>
-          <a:fillRef idx="0">
-            <a:schemeClr val="accent1"/>
-          </a:fillRef>
-          <a:effectRef idx="0">
-            <a:schemeClr val="accent1"/>
-          </a:effectRef>
-          <a:fontRef idx="minor">
-            <a:schemeClr val="tx1"/>
-          </a:fontRef>
-        </p:style>
-      </p:cxnSp>
-      <p:sp>
-        <p:nvSpPr>
-          <p:cNvPr id="209" name="Rectangle 208">
-            <a:extLst>
-              <a:ext uri="{FF2B5EF4-FFF2-40B4-BE49-F238E27FC236}">
-                <a16:creationId xmlns:a16="http://schemas.microsoft.com/office/drawing/2014/main" xmlns="" id="{608CACB9-03AB-4B0E-9E6A-961982C1B0D5}"/>
-              </a:ext>
-            </a:extLst>
-          </p:cNvPr>
-          <p:cNvSpPr/>
-          <p:nvPr/>
-        </p:nvSpPr>
-        <p:spPr>
-          <a:xfrm>
-            <a:off x="7229479" y="5217079"/>
-            <a:ext cx="1871263" cy="1076171"/>
-          </a:xfrm>
-          <a:prstGeom prst="rect">
-            <a:avLst/>
-          </a:prstGeom>
-          <a:noFill/>
-          <a:ln>
-            <a:solidFill>
-              <a:schemeClr val="tx1"/>
-            </a:solidFill>
-          </a:ln>
-        </p:spPr>
-        <p:style>
-          <a:lnRef idx="2">
-            <a:schemeClr val="accent1">
-              <a:shade val="50000"/>
-            </a:schemeClr>
-          </a:lnRef>
-          <a:fillRef idx="1">
-            <a:schemeClr val="accent1"/>
-          </a:fillRef>
-          <a:effectRef idx="0">
-            <a:schemeClr val="accent1"/>
-          </a:effectRef>
-          <a:fontRef idx="minor">
-            <a:schemeClr val="lt1"/>
-          </a:fontRef>
-        </p:style>
-        <p:txBody>
-          <a:bodyPr rot="0" spcFirstLastPara="0" vert="horz" wrap="square" lIns="91440" tIns="45720" rIns="91440" bIns="45720" numCol="1" spcCol="0" rtlCol="0" fromWordArt="0" anchor="b" anchorCtr="0" forceAA="0" compatLnSpc="1">
-            <a:prstTxWarp prst="textNoShape">
-              <a:avLst/>
-            </a:prstTxWarp>
-            <a:noAutofit/>
-          </a:bodyPr>
-          <a:lstStyle/>
-          <a:p>
-            <a:pPr algn="ctr"/>
-            <a:r>
-              <a:rPr lang="fr-BE" sz="1600" dirty="0" err="1" smtClean="0">
-                <a:solidFill>
-                  <a:schemeClr val="tx1"/>
-                </a:solidFill>
-              </a:rPr>
-              <a:t>InMemory</a:t>
-            </a:r>
-            <a:r>
-              <a:rPr lang="fr-BE" sz="1600" dirty="0" smtClean="0">
-                <a:solidFill>
-                  <a:schemeClr val="tx1"/>
-                </a:solidFill>
-              </a:rPr>
-              <a:t> repo</a:t>
-            </a:r>
-            <a:endParaRPr lang="en-US" sz="1600" dirty="0">
-              <a:solidFill>
-                <a:schemeClr val="tx1"/>
-              </a:solidFill>
-            </a:endParaRPr>
-          </a:p>
-        </p:txBody>
-      </p:sp>
-      <p:pic>
-        <p:nvPicPr>
-          <p:cNvPr id="210" name="Picture 18" descr="Image associÃ©e"/>
-          <p:cNvPicPr>
-            <a:picLocks noChangeAspect="1" noChangeArrowheads="1"/>
-          </p:cNvPicPr>
-          <p:nvPr/>
-        </p:nvPicPr>
-        <p:blipFill>
-          <a:blip r:embed="rId6" cstate="print">
-            <a:extLst>
-              <a:ext uri="{28A0092B-C50C-407E-A947-70E740481C1C}">
-                <a14:useLocalDpi xmlns:a14="http://schemas.microsoft.com/office/drawing/2010/main" val="0"/>
-              </a:ext>
-            </a:extLst>
-          </a:blip>
-          <a:srcRect/>
-          <a:stretch>
-            <a:fillRect/>
-          </a:stretch>
-        </p:blipFill>
-        <p:spPr bwMode="auto">
-          <a:xfrm>
-            <a:off x="7815435" y="5303579"/>
-            <a:ext cx="609600" cy="609600"/>
-          </a:xfrm>
-          <a:prstGeom prst="rect">
-            <a:avLst/>
-          </a:prstGeom>
-          <a:noFill/>
-          <a:extLst>
-            <a:ext uri="{909E8E84-426E-40DD-AFC4-6F175D3DCCD1}">
-              <a14:hiddenFill xmlns:a14="http://schemas.microsoft.com/office/drawing/2010/main">
-                <a:solidFill>
-                  <a:srgbClr val="FFFFFF"/>
-                </a:solidFill>
-              </a14:hiddenFill>
-            </a:ext>
-          </a:extLst>
-        </p:spPr>
-      </p:pic>
-      <p:cxnSp>
-        <p:nvCxnSpPr>
-          <p:cNvPr id="211" name="Elbow Connector 210"/>
-          <p:cNvCxnSpPr>
-            <a:stCxn id="209" idx="1"/>
-            <a:endCxn id="4" idx="2"/>
-          </p:cNvCxnSpPr>
-          <p:nvPr/>
-        </p:nvCxnSpPr>
-        <p:spPr>
-          <a:xfrm rot="10800000">
-            <a:off x="5960657" y="2792565"/>
-            <a:ext cx="1268822" cy="2962601"/>
-          </a:xfrm>
-          <a:prstGeom prst="bentConnector2">
-            <a:avLst/>
-          </a:prstGeom>
-          <a:ln>
-            <a:solidFill>
-              <a:schemeClr val="tx1"/>
-            </a:solidFill>
-            <a:headEnd type="arrow"/>
-            <a:tailEnd type="arrow"/>
-          </a:ln>
-        </p:spPr>
-        <p:style>
-          <a:lnRef idx="1">
-            <a:schemeClr val="accent1"/>
-          </a:lnRef>
-          <a:fillRef idx="0">
-            <a:schemeClr val="accent1"/>
-          </a:fillRef>
-          <a:effectRef idx="0">
-            <a:schemeClr val="accent1"/>
-          </a:effectRef>
-          <a:fontRef idx="minor">
-            <a:schemeClr val="tx1"/>
-          </a:fontRef>
-        </p:style>
-      </p:cxnSp>
-    </p:spTree>
-    <p:extLst>
-      <p:ext uri="{BB962C8B-B14F-4D97-AF65-F5344CB8AC3E}">
-        <p14:creationId xmlns:p14="http://schemas.microsoft.com/office/powerpoint/2010/main" val="892327396"/>
-      </p:ext>
-    </p:extLst>
-  </p:cSld>
-  <p:clrMapOvr>
-    <a:masterClrMapping/>
-  </p:clrMapOvr>
-</p:sld>
-</file>
-
-<file path=ppt/slides/slide7.xml><?xml version="1.0" encoding="utf-8"?>
-<p:sld xmlns:a="http://schemas.openxmlformats.org/drawingml/2006/main" xmlns:r="http://schemas.openxmlformats.org/officeDocument/2006/relationships" xmlns:p="http://schemas.openxmlformats.org/presentationml/2006/main">
-  <p:cSld>
-    <p:spTree>
-      <p:nvGrpSpPr>
-        <p:cNvPr id="1" name=""/>
-        <p:cNvGrpSpPr/>
-        <p:nvPr/>
-      </p:nvGrpSpPr>
-      <p:grpSpPr>
-        <a:xfrm>
-          <a:off x="0" y="0"/>
-          <a:ext cx="0" cy="0"/>
-          <a:chOff x="0" y="0"/>
-          <a:chExt cx="0" cy="0"/>
-        </a:xfrm>
-      </p:grpSpPr>
-      <p:sp>
-        <p:nvSpPr>
-          <p:cNvPr id="3" name="Rectangle 2">
-            <a:extLst>
-              <a:ext uri="{FF2B5EF4-FFF2-40B4-BE49-F238E27FC236}">
-                <a16:creationId xmlns:a16="http://schemas.microsoft.com/office/drawing/2014/main" xmlns="" id="{608CACB9-03AB-4B0E-9E6A-961982C1B0D5}"/>
-              </a:ext>
-            </a:extLst>
-          </p:cNvPr>
-          <p:cNvSpPr/>
-          <p:nvPr/>
-        </p:nvSpPr>
-        <p:spPr>
-          <a:xfrm>
-            <a:off x="123225" y="2781852"/>
-            <a:ext cx="2339786" cy="358188"/>
-          </a:xfrm>
-          <a:prstGeom prst="rect">
-            <a:avLst/>
-          </a:prstGeom>
-          <a:noFill/>
-          <a:ln>
-            <a:solidFill>
-              <a:schemeClr val="tx1"/>
-            </a:solidFill>
-          </a:ln>
-        </p:spPr>
-        <p:style>
-          <a:lnRef idx="2">
-            <a:schemeClr val="accent1">
-              <a:shade val="50000"/>
-            </a:schemeClr>
-          </a:lnRef>
-          <a:fillRef idx="1">
-            <a:schemeClr val="accent1"/>
-          </a:fillRef>
-          <a:effectRef idx="0">
-            <a:schemeClr val="accent1"/>
-          </a:effectRef>
-          <a:fontRef idx="minor">
-            <a:schemeClr val="lt1"/>
-          </a:fontRef>
-        </p:style>
-        <p:txBody>
-          <a:bodyPr rot="0" spcFirstLastPara="0" vert="horz" wrap="square" lIns="91440" tIns="45720" rIns="91440" bIns="45720" numCol="1" spcCol="0" rtlCol="0" fromWordArt="0" anchor="b" anchorCtr="0" forceAA="0" compatLnSpc="1">
-            <a:prstTxWarp prst="textNoShape">
-              <a:avLst/>
-            </a:prstTxWarp>
-            <a:noAutofit/>
-          </a:bodyPr>
-          <a:lstStyle/>
-          <a:p>
-            <a:pPr algn="ctr"/>
-            <a:r>
-              <a:rPr lang="fr-BE" sz="1600" dirty="0" err="1" smtClean="0">
-                <a:solidFill>
-                  <a:schemeClr val="tx1"/>
-                </a:solidFill>
-              </a:rPr>
-              <a:t>OpenId</a:t>
-            </a:r>
-            <a:r>
-              <a:rPr lang="fr-BE" sz="1600" dirty="0" smtClean="0">
-                <a:solidFill>
-                  <a:schemeClr val="tx1"/>
-                </a:solidFill>
-              </a:rPr>
-              <a:t> Host</a:t>
-            </a:r>
-            <a:endParaRPr lang="en-US" sz="1600" dirty="0">
-              <a:solidFill>
-                <a:schemeClr val="tx1"/>
-              </a:solidFill>
-            </a:endParaRPr>
-          </a:p>
-        </p:txBody>
-      </p:sp>
-      <p:sp>
-        <p:nvSpPr>
-          <p:cNvPr id="4" name="Rectangle 3">
-            <a:extLst>
-              <a:ext uri="{FF2B5EF4-FFF2-40B4-BE49-F238E27FC236}">
-                <a16:creationId xmlns:a16="http://schemas.microsoft.com/office/drawing/2014/main" xmlns="" id="{608CACB9-03AB-4B0E-9E6A-961982C1B0D5}"/>
-              </a:ext>
-            </a:extLst>
-          </p:cNvPr>
-          <p:cNvSpPr/>
-          <p:nvPr/>
-        </p:nvSpPr>
-        <p:spPr>
-          <a:xfrm>
-            <a:off x="2825614" y="1251036"/>
-            <a:ext cx="1871263" cy="395705"/>
-          </a:xfrm>
-          <a:prstGeom prst="rect">
-            <a:avLst/>
-          </a:prstGeom>
-          <a:noFill/>
-          <a:ln>
-            <a:solidFill>
-              <a:schemeClr val="tx1"/>
-            </a:solidFill>
-          </a:ln>
-        </p:spPr>
-        <p:style>
-          <a:lnRef idx="2">
-            <a:schemeClr val="accent1">
-              <a:shade val="50000"/>
-            </a:schemeClr>
-          </a:lnRef>
-          <a:fillRef idx="1">
-            <a:schemeClr val="accent1"/>
-          </a:fillRef>
-          <a:effectRef idx="0">
-            <a:schemeClr val="accent1"/>
-          </a:effectRef>
-          <a:fontRef idx="minor">
-            <a:schemeClr val="lt1"/>
-          </a:fontRef>
-        </p:style>
-        <p:txBody>
-          <a:bodyPr rot="0" spcFirstLastPara="0" vert="horz" wrap="square" lIns="91440" tIns="45720" rIns="91440" bIns="45720" numCol="1" spcCol="0" rtlCol="0" fromWordArt="0" anchor="b" anchorCtr="0" forceAA="0" compatLnSpc="1">
-            <a:prstTxWarp prst="textNoShape">
-              <a:avLst/>
-            </a:prstTxWarp>
-            <a:noAutofit/>
-          </a:bodyPr>
-          <a:lstStyle/>
-          <a:p>
-            <a:pPr algn="ctr"/>
-            <a:r>
-              <a:rPr lang="fr-BE" sz="1600" dirty="0" err="1" smtClean="0">
-                <a:solidFill>
-                  <a:schemeClr val="tx1"/>
-                </a:solidFill>
-              </a:rPr>
-              <a:t>OAuthRepository</a:t>
-            </a:r>
-            <a:endParaRPr lang="en-US" sz="1600" dirty="0">
-              <a:solidFill>
-                <a:schemeClr val="tx1"/>
-              </a:solidFill>
-            </a:endParaRPr>
-          </a:p>
-        </p:txBody>
-      </p:sp>
-      <p:grpSp>
-        <p:nvGrpSpPr>
-          <p:cNvPr id="8" name="Group 7"/>
-          <p:cNvGrpSpPr/>
-          <p:nvPr/>
-        </p:nvGrpSpPr>
-        <p:grpSpPr>
-          <a:xfrm>
-            <a:off x="5128102" y="1448889"/>
-            <a:ext cx="1871263" cy="1084317"/>
-            <a:chOff x="2904369" y="3351354"/>
-            <a:chExt cx="1871263" cy="1084317"/>
-          </a:xfrm>
-        </p:grpSpPr>
-        <p:sp>
-          <p:nvSpPr>
-            <p:cNvPr id="9" name="Rectangle 8">
-              <a:extLst>
-                <a:ext uri="{FF2B5EF4-FFF2-40B4-BE49-F238E27FC236}">
-                  <a16:creationId xmlns:a16="http://schemas.microsoft.com/office/drawing/2014/main" xmlns="" id="{608CACB9-03AB-4B0E-9E6A-961982C1B0D5}"/>
-                </a:ext>
-              </a:extLst>
-            </p:cNvPr>
-            <p:cNvSpPr/>
-            <p:nvPr/>
-          </p:nvSpPr>
-          <p:spPr>
-            <a:xfrm>
-              <a:off x="2904369" y="3351354"/>
-              <a:ext cx="1871263" cy="1084317"/>
-            </a:xfrm>
-            <a:prstGeom prst="rect">
-              <a:avLst/>
-            </a:prstGeom>
-            <a:noFill/>
-            <a:ln>
-              <a:solidFill>
-                <a:schemeClr val="tx1"/>
-              </a:solidFill>
-            </a:ln>
-          </p:spPr>
-          <p:style>
-            <a:lnRef idx="2">
-              <a:schemeClr val="accent1">
-                <a:shade val="50000"/>
-              </a:schemeClr>
-            </a:lnRef>
-            <a:fillRef idx="1">
-              <a:schemeClr val="accent1"/>
-            </a:fillRef>
-            <a:effectRef idx="0">
-              <a:schemeClr val="accent1"/>
-            </a:effectRef>
-            <a:fontRef idx="minor">
-              <a:schemeClr val="lt1"/>
-            </a:fontRef>
-          </p:style>
-          <p:txBody>
-            <a:bodyPr rot="0" spcFirstLastPara="0" vert="horz" wrap="square" lIns="91440" tIns="45720" rIns="91440" bIns="45720" numCol="1" spcCol="0" rtlCol="0" fromWordArt="0" anchor="b" anchorCtr="0" forceAA="0" compatLnSpc="1">
-              <a:prstTxWarp prst="textNoShape">
-                <a:avLst/>
-              </a:prstTxWarp>
-              <a:noAutofit/>
-            </a:bodyPr>
-            <a:lstStyle/>
-            <a:p>
-              <a:pPr algn="ctr"/>
-              <a:r>
-                <a:rPr lang="fr-BE" sz="1600" dirty="0" err="1" smtClean="0">
-                  <a:solidFill>
-                    <a:schemeClr val="tx1"/>
-                  </a:solidFill>
-                </a:rPr>
-                <a:t>SqlServer</a:t>
-              </a:r>
-              <a:r>
-                <a:rPr lang="fr-BE" sz="1600" dirty="0" smtClean="0">
-                  <a:solidFill>
-                    <a:schemeClr val="tx1"/>
-                  </a:solidFill>
-                </a:rPr>
-                <a:t> repo</a:t>
-              </a:r>
-              <a:endParaRPr lang="en-US" sz="1600" dirty="0">
-                <a:solidFill>
-                  <a:schemeClr val="tx1"/>
-                </a:solidFill>
-              </a:endParaRPr>
-            </a:p>
-          </p:txBody>
-        </p:sp>
-        <p:pic>
-          <p:nvPicPr>
-            <p:cNvPr id="10" name="Picture 6" descr="RÃ©sultat de recherche d'images pour &quot;sql server icon&quot;"/>
-            <p:cNvPicPr>
-              <a:picLocks noChangeAspect="1" noChangeArrowheads="1"/>
-            </p:cNvPicPr>
-            <p:nvPr/>
-          </p:nvPicPr>
-          <p:blipFill>
-            <a:blip r:embed="rId2" cstate="print">
-              <a:extLst>
-                <a:ext uri="{28A0092B-C50C-407E-A947-70E740481C1C}">
-                  <a14:useLocalDpi xmlns:a14="http://schemas.microsoft.com/office/drawing/2010/main" val="0"/>
-                </a:ext>
-              </a:extLst>
-            </a:blip>
-            <a:srcRect/>
-            <a:stretch>
-              <a:fillRect/>
-            </a:stretch>
-          </p:blipFill>
-          <p:spPr bwMode="auto">
-            <a:xfrm>
-              <a:off x="3461533" y="3411228"/>
-              <a:ext cx="667184" cy="648858"/>
-            </a:xfrm>
-            <a:prstGeom prst="rect">
-              <a:avLst/>
-            </a:prstGeom>
-            <a:noFill/>
-            <a:extLst>
-              <a:ext uri="{909E8E84-426E-40DD-AFC4-6F175D3DCCD1}">
-                <a14:hiddenFill xmlns:a14="http://schemas.microsoft.com/office/drawing/2010/main">
-                  <a:solidFill>
-                    <a:srgbClr val="FFFFFF"/>
-                  </a:solidFill>
-                </a14:hiddenFill>
-              </a:ext>
-            </a:extLst>
-          </p:spPr>
-        </p:pic>
-      </p:grpSp>
-      <p:grpSp>
-        <p:nvGrpSpPr>
-          <p:cNvPr id="11" name="Group 10"/>
-          <p:cNvGrpSpPr/>
-          <p:nvPr/>
-        </p:nvGrpSpPr>
-        <p:grpSpPr>
-          <a:xfrm>
-            <a:off x="7095232" y="227867"/>
-            <a:ext cx="1871263" cy="1084317"/>
-            <a:chOff x="7237267" y="2597881"/>
-            <a:chExt cx="1871263" cy="1084317"/>
-          </a:xfrm>
-        </p:grpSpPr>
-        <p:pic>
-          <p:nvPicPr>
-            <p:cNvPr id="12" name="Picture 20" descr="RÃ©sultat de recherche d'images pour &quot;sqlite icon&quot;"/>
-            <p:cNvPicPr>
-              <a:picLocks noChangeAspect="1" noChangeArrowheads="1"/>
-            </p:cNvPicPr>
-            <p:nvPr/>
-          </p:nvPicPr>
-          <p:blipFill>
-            <a:blip r:embed="rId3" cstate="print">
-              <a:extLst>
-                <a:ext uri="{28A0092B-C50C-407E-A947-70E740481C1C}">
-                  <a14:useLocalDpi xmlns:a14="http://schemas.microsoft.com/office/drawing/2010/main" val="0"/>
-                </a:ext>
-              </a:extLst>
-            </a:blip>
-            <a:srcRect/>
-            <a:stretch>
-              <a:fillRect/>
-            </a:stretch>
-          </p:blipFill>
-          <p:spPr bwMode="auto">
-            <a:xfrm>
-              <a:off x="7684110" y="2640979"/>
-              <a:ext cx="977575" cy="818660"/>
-            </a:xfrm>
-            <a:prstGeom prst="rect">
-              <a:avLst/>
-            </a:prstGeom>
-            <a:noFill/>
-            <a:extLst>
-              <a:ext uri="{909E8E84-426E-40DD-AFC4-6F175D3DCCD1}">
-                <a14:hiddenFill xmlns:a14="http://schemas.microsoft.com/office/drawing/2010/main">
-                  <a:solidFill>
-                    <a:srgbClr val="FFFFFF"/>
-                  </a:solidFill>
-                </a14:hiddenFill>
-              </a:ext>
-            </a:extLst>
-          </p:spPr>
-        </p:pic>
-        <p:sp>
-          <p:nvSpPr>
-            <p:cNvPr id="13" name="Rectangle 12">
-              <a:extLst>
-                <a:ext uri="{FF2B5EF4-FFF2-40B4-BE49-F238E27FC236}">
-                  <a16:creationId xmlns:a16="http://schemas.microsoft.com/office/drawing/2014/main" xmlns="" id="{608CACB9-03AB-4B0E-9E6A-961982C1B0D5}"/>
-                </a:ext>
-              </a:extLst>
-            </p:cNvPr>
-            <p:cNvSpPr/>
-            <p:nvPr/>
-          </p:nvSpPr>
-          <p:spPr>
-            <a:xfrm>
-              <a:off x="7237267" y="2597881"/>
-              <a:ext cx="1871263" cy="1084317"/>
-            </a:xfrm>
-            <a:prstGeom prst="rect">
-              <a:avLst/>
-            </a:prstGeom>
-            <a:noFill/>
-            <a:ln>
-              <a:solidFill>
-                <a:schemeClr val="tx1"/>
-              </a:solidFill>
-            </a:ln>
-          </p:spPr>
-          <p:style>
-            <a:lnRef idx="2">
-              <a:schemeClr val="accent1">
-                <a:shade val="50000"/>
-              </a:schemeClr>
-            </a:lnRef>
-            <a:fillRef idx="1">
-              <a:schemeClr val="accent1"/>
-            </a:fillRef>
-            <a:effectRef idx="0">
-              <a:schemeClr val="accent1"/>
-            </a:effectRef>
-            <a:fontRef idx="minor">
-              <a:schemeClr val="lt1"/>
-            </a:fontRef>
-          </p:style>
-          <p:txBody>
-            <a:bodyPr rot="0" spcFirstLastPara="0" vert="horz" wrap="square" lIns="91440" tIns="45720" rIns="91440" bIns="45720" numCol="1" spcCol="0" rtlCol="0" fromWordArt="0" anchor="b" anchorCtr="0" forceAA="0" compatLnSpc="1">
-              <a:prstTxWarp prst="textNoShape">
-                <a:avLst/>
-              </a:prstTxWarp>
-              <a:noAutofit/>
-            </a:bodyPr>
-            <a:lstStyle/>
-            <a:p>
-              <a:pPr algn="ctr"/>
-              <a:r>
-                <a:rPr lang="fr-BE" sz="1600" dirty="0" err="1" smtClean="0">
-                  <a:solidFill>
-                    <a:schemeClr val="tx1"/>
-                  </a:solidFill>
-                </a:rPr>
-                <a:t>Sqlite</a:t>
-              </a:r>
-              <a:r>
-                <a:rPr lang="fr-BE" sz="1600" dirty="0" smtClean="0">
-                  <a:solidFill>
-                    <a:schemeClr val="tx1"/>
-                  </a:solidFill>
-                </a:rPr>
-                <a:t> repo</a:t>
-              </a:r>
-              <a:endParaRPr lang="en-US" sz="1600" dirty="0">
-                <a:solidFill>
-                  <a:schemeClr val="tx1"/>
-                </a:solidFill>
-              </a:endParaRPr>
-            </a:p>
-          </p:txBody>
-        </p:sp>
-      </p:grpSp>
-      <p:grpSp>
-        <p:nvGrpSpPr>
-          <p:cNvPr id="14" name="Group 13"/>
-          <p:cNvGrpSpPr/>
-          <p:nvPr/>
-        </p:nvGrpSpPr>
-        <p:grpSpPr>
-          <a:xfrm>
-            <a:off x="5128102" y="227867"/>
-            <a:ext cx="1871263" cy="1084317"/>
-            <a:chOff x="6942822" y="620067"/>
-            <a:chExt cx="1871263" cy="1084317"/>
-          </a:xfrm>
-        </p:grpSpPr>
-        <p:sp>
-          <p:nvSpPr>
-            <p:cNvPr id="15" name="Rectangle 14">
-              <a:extLst>
-                <a:ext uri="{FF2B5EF4-FFF2-40B4-BE49-F238E27FC236}">
-                  <a16:creationId xmlns:a16="http://schemas.microsoft.com/office/drawing/2014/main" xmlns="" id="{608CACB9-03AB-4B0E-9E6A-961982C1B0D5}"/>
-                </a:ext>
-              </a:extLst>
-            </p:cNvPr>
-            <p:cNvSpPr/>
-            <p:nvPr/>
-          </p:nvSpPr>
-          <p:spPr>
-            <a:xfrm>
-              <a:off x="6942822" y="620067"/>
-              <a:ext cx="1871263" cy="1084317"/>
-            </a:xfrm>
-            <a:prstGeom prst="rect">
-              <a:avLst/>
-            </a:prstGeom>
-            <a:noFill/>
-            <a:ln>
-              <a:solidFill>
-                <a:schemeClr val="tx1"/>
-              </a:solidFill>
-            </a:ln>
-          </p:spPr>
-          <p:style>
-            <a:lnRef idx="2">
-              <a:schemeClr val="accent1">
-                <a:shade val="50000"/>
-              </a:schemeClr>
-            </a:lnRef>
-            <a:fillRef idx="1">
-              <a:schemeClr val="accent1"/>
-            </a:fillRef>
-            <a:effectRef idx="0">
-              <a:schemeClr val="accent1"/>
-            </a:effectRef>
-            <a:fontRef idx="minor">
-              <a:schemeClr val="lt1"/>
-            </a:fontRef>
-          </p:style>
-          <p:txBody>
-            <a:bodyPr rot="0" spcFirstLastPara="0" vert="horz" wrap="square" lIns="91440" tIns="45720" rIns="91440" bIns="45720" numCol="1" spcCol="0" rtlCol="0" fromWordArt="0" anchor="b" anchorCtr="0" forceAA="0" compatLnSpc="1">
-              <a:prstTxWarp prst="textNoShape">
-                <a:avLst/>
-              </a:prstTxWarp>
-              <a:noAutofit/>
-            </a:bodyPr>
-            <a:lstStyle/>
-            <a:p>
-              <a:pPr algn="ctr"/>
-              <a:r>
-                <a:rPr lang="fr-BE" sz="1600" dirty="0" err="1" smtClean="0">
-                  <a:solidFill>
-                    <a:schemeClr val="tx1"/>
-                  </a:solidFill>
-                </a:rPr>
-                <a:t>Postgres</a:t>
-              </a:r>
-              <a:r>
-                <a:rPr lang="fr-BE" sz="1600" dirty="0" smtClean="0">
-                  <a:solidFill>
-                    <a:schemeClr val="tx1"/>
-                  </a:solidFill>
-                </a:rPr>
-                <a:t> </a:t>
-              </a:r>
-              <a:r>
-                <a:rPr lang="fr-BE" sz="1600" dirty="0" smtClean="0">
-                  <a:solidFill>
-                    <a:schemeClr val="tx1"/>
-                  </a:solidFill>
-                </a:rPr>
-                <a:t>repo</a:t>
-              </a:r>
-              <a:endParaRPr lang="en-US" sz="1600" dirty="0">
-                <a:solidFill>
-                  <a:schemeClr val="tx1"/>
-                </a:solidFill>
-              </a:endParaRPr>
-            </a:p>
-          </p:txBody>
-        </p:sp>
-        <p:pic>
-          <p:nvPicPr>
-            <p:cNvPr id="16" name="Picture 22" descr="Image associÃ©e"/>
+            <p:cNvPr id="13" name="Picture 22" descr="Image associÃ©e"/>
             <p:cNvPicPr>
               <a:picLocks noChangeAspect="1" noChangeArrowheads="1"/>
             </p:cNvPicPr>
@@ -14986,13 +15425,13 @@
       </p:grpSp>
       <p:grpSp>
         <p:nvGrpSpPr>
-          <p:cNvPr id="19" name="Group 18"/>
+          <p:cNvPr id="14" name="Group 13"/>
           <p:cNvGrpSpPr/>
           <p:nvPr/>
         </p:nvGrpSpPr>
         <p:grpSpPr>
           <a:xfrm>
-            <a:off x="7095230" y="1452961"/>
+            <a:off x="4788865" y="2305688"/>
             <a:ext cx="1871263" cy="1076171"/>
             <a:chOff x="5337877" y="5217078"/>
             <a:chExt cx="1871263" cy="1076171"/>
@@ -15000,10 +15439,10 @@
         </p:grpSpPr>
         <p:sp>
           <p:nvSpPr>
-            <p:cNvPr id="17" name="Rectangle 16">
+            <p:cNvPr id="15" name="Rectangle 14">
               <a:extLst>
                 <a:ext uri="{FF2B5EF4-FFF2-40B4-BE49-F238E27FC236}">
-                  <a16:creationId xmlns:a16="http://schemas.microsoft.com/office/drawing/2014/main" xmlns="" id="{608CACB9-03AB-4B0E-9E6A-961982C1B0D5}"/>
+                  <a16:creationId xmlns="" xmlns:a16="http://schemas.microsoft.com/office/drawing/2014/main" id="{608CACB9-03AB-4B0E-9E6A-961982C1B0D5}"/>
                 </a:ext>
               </a:extLst>
             </p:cNvPr>
@@ -15077,7 +15516,7 @@
         </p:sp>
         <p:pic>
           <p:nvPicPr>
-            <p:cNvPr id="18" name="Picture 18" descr="Image associÃ©e"/>
+            <p:cNvPr id="16" name="Picture 18" descr="Image associÃ©e"/>
             <p:cNvPicPr>
               <a:picLocks noChangeAspect="1" noChangeArrowheads="1"/>
             </p:cNvPicPr>
@@ -15119,231 +15558,13 @@
       </p:grpSp>
       <p:sp>
         <p:nvSpPr>
-          <p:cNvPr id="20" name="Rectangle 19">
-            <a:extLst>
-              <a:ext uri="{FF2B5EF4-FFF2-40B4-BE49-F238E27FC236}">
-                <a16:creationId xmlns:a16="http://schemas.microsoft.com/office/drawing/2014/main" xmlns="" id="{608CACB9-03AB-4B0E-9E6A-961982C1B0D5}"/>
-              </a:ext>
-            </a:extLst>
-          </p:cNvPr>
+          <p:cNvPr id="17" name="Rectangle 16"/>
           <p:cNvSpPr/>
           <p:nvPr/>
         </p:nvSpPr>
         <p:spPr>
           <a:xfrm>
-            <a:off x="2859558" y="4477024"/>
-            <a:ext cx="1871263" cy="395705"/>
-          </a:xfrm>
-          <a:prstGeom prst="rect">
-            <a:avLst/>
-          </a:prstGeom>
-          <a:noFill/>
-          <a:ln>
-            <a:solidFill>
-              <a:schemeClr val="tx1"/>
-            </a:solidFill>
-          </a:ln>
-        </p:spPr>
-        <p:style>
-          <a:lnRef idx="2">
-            <a:schemeClr val="accent1">
-              <a:shade val="50000"/>
-            </a:schemeClr>
-          </a:lnRef>
-          <a:fillRef idx="1">
-            <a:schemeClr val="accent1"/>
-          </a:fillRef>
-          <a:effectRef idx="0">
-            <a:schemeClr val="accent1"/>
-          </a:effectRef>
-          <a:fontRef idx="minor">
-            <a:schemeClr val="lt1"/>
-          </a:fontRef>
-        </p:style>
-        <p:txBody>
-          <a:bodyPr rot="0" spcFirstLastPara="0" vert="horz" wrap="square" lIns="91440" tIns="45720" rIns="91440" bIns="45720" numCol="1" spcCol="0" rtlCol="0" fromWordArt="0" anchor="b" anchorCtr="0" forceAA="0" compatLnSpc="1">
-            <a:prstTxWarp prst="textNoShape">
-              <a:avLst/>
-            </a:prstTxWarp>
-            <a:noAutofit/>
-          </a:bodyPr>
-          <a:lstStyle/>
-          <a:p>
-            <a:pPr algn="ctr"/>
-            <a:r>
-              <a:rPr lang="fr-BE" sz="1600" dirty="0" smtClean="0">
-                <a:solidFill>
-                  <a:schemeClr val="tx1"/>
-                </a:solidFill>
-              </a:rPr>
-              <a:t>Storage </a:t>
-            </a:r>
-            <a:r>
-              <a:rPr lang="fr-BE" sz="1600" dirty="0" err="1" smtClean="0">
-                <a:solidFill>
-                  <a:schemeClr val="tx1"/>
-                </a:solidFill>
-              </a:rPr>
-              <a:t>repository</a:t>
-            </a:r>
-            <a:endParaRPr lang="en-US" sz="1600" dirty="0">
-              <a:solidFill>
-                <a:schemeClr val="tx1"/>
-              </a:solidFill>
-            </a:endParaRPr>
-          </a:p>
-        </p:txBody>
-      </p:sp>
-      <p:grpSp>
-        <p:nvGrpSpPr>
-          <p:cNvPr id="21" name="Group 20"/>
-          <p:cNvGrpSpPr/>
-          <p:nvPr/>
-        </p:nvGrpSpPr>
-        <p:grpSpPr>
-          <a:xfrm>
-            <a:off x="5163658" y="3318220"/>
-            <a:ext cx="1871263" cy="1076171"/>
-            <a:chOff x="5337877" y="5217078"/>
-            <a:chExt cx="1871263" cy="1076171"/>
-          </a:xfrm>
-        </p:grpSpPr>
-        <p:sp>
-          <p:nvSpPr>
-            <p:cNvPr id="22" name="Rectangle 21">
-              <a:extLst>
-                <a:ext uri="{FF2B5EF4-FFF2-40B4-BE49-F238E27FC236}">
-                  <a16:creationId xmlns:a16="http://schemas.microsoft.com/office/drawing/2014/main" xmlns="" id="{608CACB9-03AB-4B0E-9E6A-961982C1B0D5}"/>
-                </a:ext>
-              </a:extLst>
-            </p:cNvPr>
-            <p:cNvSpPr/>
-            <p:nvPr/>
-          </p:nvSpPr>
-          <p:spPr>
-            <a:xfrm>
-              <a:off x="5337877" y="5217078"/>
-              <a:ext cx="1871263" cy="1076171"/>
-            </a:xfrm>
-            <a:prstGeom prst="rect">
-              <a:avLst/>
-            </a:prstGeom>
-            <a:noFill/>
-            <a:ln>
-              <a:solidFill>
-                <a:schemeClr val="tx1"/>
-              </a:solidFill>
-            </a:ln>
-          </p:spPr>
-          <p:style>
-            <a:lnRef idx="2">
-              <a:schemeClr val="accent1">
-                <a:shade val="50000"/>
-              </a:schemeClr>
-            </a:lnRef>
-            <a:fillRef idx="1">
-              <a:schemeClr val="accent1"/>
-            </a:fillRef>
-            <a:effectRef idx="0">
-              <a:schemeClr val="accent1"/>
-            </a:effectRef>
-            <a:fontRef idx="minor">
-              <a:schemeClr val="lt1"/>
-            </a:fontRef>
-          </p:style>
-          <p:txBody>
-            <a:bodyPr rot="0" spcFirstLastPara="0" vert="horz" wrap="square" lIns="91440" tIns="45720" rIns="91440" bIns="45720" numCol="1" spcCol="0" rtlCol="0" fromWordArt="0" anchor="b" anchorCtr="0" forceAA="0" compatLnSpc="1">
-              <a:prstTxWarp prst="textNoShape">
-                <a:avLst/>
-              </a:prstTxWarp>
-              <a:noAutofit/>
-            </a:bodyPr>
-            <a:lstStyle/>
-            <a:p>
-              <a:pPr algn="ctr"/>
-              <a:r>
-                <a:rPr lang="fr-BE" sz="1600" dirty="0" err="1" smtClean="0">
-                  <a:solidFill>
-                    <a:schemeClr val="tx1"/>
-                  </a:solidFill>
-                </a:rPr>
-                <a:t>InMemory</a:t>
-              </a:r>
-              <a:r>
-                <a:rPr lang="fr-BE" sz="1600" dirty="0" smtClean="0">
-                  <a:solidFill>
-                    <a:schemeClr val="tx1"/>
-                  </a:solidFill>
-                </a:rPr>
-                <a:t> </a:t>
-              </a:r>
-              <a:r>
-                <a:rPr lang="fr-BE" sz="1600" dirty="0" err="1" smtClean="0">
-                  <a:solidFill>
-                    <a:schemeClr val="tx1"/>
-                  </a:solidFill>
-                </a:rPr>
-                <a:t>caching</a:t>
-              </a:r>
-              <a:endParaRPr lang="en-US" sz="1600" dirty="0">
-                <a:solidFill>
-                  <a:schemeClr val="tx1"/>
-                </a:solidFill>
-              </a:endParaRPr>
-            </a:p>
-          </p:txBody>
-        </p:sp>
-        <p:pic>
-          <p:nvPicPr>
-            <p:cNvPr id="23" name="Picture 18" descr="Image associÃ©e"/>
-            <p:cNvPicPr>
-              <a:picLocks noChangeAspect="1" noChangeArrowheads="1"/>
-            </p:cNvPicPr>
-            <p:nvPr/>
-          </p:nvPicPr>
-          <p:blipFill>
-            <a:blip r:embed="rId5" cstate="print">
-              <a:extLst>
-                <a:ext uri="{28A0092B-C50C-407E-A947-70E740481C1C}">
-                  <a14:useLocalDpi xmlns:a14="http://schemas.microsoft.com/office/drawing/2010/main" val="0"/>
-                </a:ext>
-              </a:extLst>
-            </a:blip>
-            <a:srcRect/>
-            <a:stretch>
-              <a:fillRect/>
-            </a:stretch>
-          </p:blipFill>
-          <p:spPr bwMode="auto">
-            <a:xfrm>
-              <a:off x="5923833" y="5303578"/>
-              <a:ext cx="609600" cy="609600"/>
-            </a:xfrm>
-            <a:prstGeom prst="rect">
-              <a:avLst/>
-            </a:prstGeom>
-            <a:noFill/>
-            <a:extLst>
-              <a:ext uri="{909E8E84-426E-40DD-AFC4-6F175D3DCCD1}">
-                <a14:hiddenFill xmlns:a14="http://schemas.microsoft.com/office/drawing/2010/main">
-                  <a:solidFill>
-                    <a:srgbClr val="FFFFFF"/>
-                  </a:solidFill>
-                </a14:hiddenFill>
-              </a:ext>
-            </a:extLst>
-          </p:spPr>
-        </p:pic>
-      </p:grpSp>
-      <p:sp>
-        <p:nvSpPr>
-          <p:cNvPr id="28" name="Rectangle 27"/>
-          <p:cNvSpPr/>
-          <p:nvPr/>
-        </p:nvSpPr>
-        <p:spPr>
-          <a:xfrm>
-            <a:off x="5004048" y="116632"/>
+            <a:off x="2676776" y="969006"/>
             <a:ext cx="4032448" cy="2665220"/>
           </a:xfrm>
           <a:prstGeom prst="rect">
@@ -15381,152 +15602,19 @@
           </a:p>
         </p:txBody>
       </p:sp>
-      <p:grpSp>
-        <p:nvGrpSpPr>
-          <p:cNvPr id="27" name="Group 26"/>
-          <p:cNvGrpSpPr/>
-          <p:nvPr/>
-        </p:nvGrpSpPr>
-        <p:grpSpPr>
-          <a:xfrm>
-            <a:off x="5163658" y="4869160"/>
-            <a:ext cx="1871263" cy="1076171"/>
-            <a:chOff x="5163658" y="4869160"/>
-            <a:chExt cx="1871263" cy="1076171"/>
-          </a:xfrm>
-        </p:grpSpPr>
-        <p:sp>
-          <p:nvSpPr>
-            <p:cNvPr id="25" name="Rectangle 24">
-              <a:extLst>
-                <a:ext uri="{FF2B5EF4-FFF2-40B4-BE49-F238E27FC236}">
-                  <a16:creationId xmlns:a16="http://schemas.microsoft.com/office/drawing/2014/main" xmlns="" id="{608CACB9-03AB-4B0E-9E6A-961982C1B0D5}"/>
-                </a:ext>
-              </a:extLst>
-            </p:cNvPr>
-            <p:cNvSpPr/>
-            <p:nvPr/>
-          </p:nvSpPr>
-          <p:spPr>
-            <a:xfrm>
-              <a:off x="5163658" y="4869160"/>
-              <a:ext cx="1871263" cy="1076171"/>
-            </a:xfrm>
-            <a:prstGeom prst="rect">
-              <a:avLst/>
-            </a:prstGeom>
-            <a:noFill/>
-            <a:ln>
-              <a:solidFill>
-                <a:schemeClr val="tx1"/>
-              </a:solidFill>
-            </a:ln>
-          </p:spPr>
-          <p:style>
-            <a:lnRef idx="2">
-              <a:schemeClr val="accent1">
-                <a:shade val="50000"/>
-              </a:schemeClr>
-            </a:lnRef>
-            <a:fillRef idx="1">
-              <a:schemeClr val="accent1"/>
-            </a:fillRef>
-            <a:effectRef idx="0">
-              <a:schemeClr val="accent1"/>
-            </a:effectRef>
-            <a:fontRef idx="minor">
-              <a:schemeClr val="lt1"/>
-            </a:fontRef>
-          </p:style>
-          <p:txBody>
-            <a:bodyPr rot="0" spcFirstLastPara="0" vert="horz" wrap="square" lIns="91440" tIns="45720" rIns="91440" bIns="45720" numCol="1" spcCol="0" rtlCol="0" fromWordArt="0" anchor="b" anchorCtr="0" forceAA="0" compatLnSpc="1">
-              <a:prstTxWarp prst="textNoShape">
-                <a:avLst/>
-              </a:prstTxWarp>
-              <a:noAutofit/>
-            </a:bodyPr>
-            <a:lstStyle/>
-            <a:p>
-              <a:pPr algn="ctr"/>
-              <a:r>
-                <a:rPr lang="fr-BE" sz="1600" dirty="0" smtClean="0">
-                  <a:solidFill>
-                    <a:schemeClr val="tx1"/>
-                  </a:solidFill>
-                </a:rPr>
-                <a:t>Redis </a:t>
-              </a:r>
-              <a:r>
-                <a:rPr lang="fr-BE" sz="1600" dirty="0" err="1" smtClean="0">
-                  <a:solidFill>
-                    <a:schemeClr val="tx1"/>
-                  </a:solidFill>
-                </a:rPr>
-                <a:t>caching</a:t>
-              </a:r>
-              <a:endParaRPr lang="en-US" sz="1600" dirty="0">
-                <a:solidFill>
-                  <a:schemeClr val="tx1"/>
-                </a:solidFill>
-              </a:endParaRPr>
-            </a:p>
-          </p:txBody>
-        </p:sp>
-        <p:pic>
-          <p:nvPicPr>
-            <p:cNvPr id="2050" name="Picture 2" descr="RÃ©sultat de recherche d'images pour &quot;redis&quot;"/>
-            <p:cNvPicPr>
-              <a:picLocks noChangeAspect="1" noChangeArrowheads="1"/>
-            </p:cNvPicPr>
-            <p:nvPr/>
-          </p:nvPicPr>
-          <p:blipFill>
-            <a:blip r:embed="rId6" cstate="print">
-              <a:extLst>
-                <a:ext uri="{28A0092B-C50C-407E-A947-70E740481C1C}">
-                  <a14:useLocalDpi xmlns:a14="http://schemas.microsoft.com/office/drawing/2010/main" val="0"/>
-                </a:ext>
-              </a:extLst>
-            </a:blip>
-            <a:srcRect/>
-            <a:stretch>
-              <a:fillRect/>
-            </a:stretch>
-          </p:blipFill>
-          <p:spPr bwMode="auto">
-            <a:xfrm>
-              <a:off x="5757635" y="5013176"/>
-              <a:ext cx="672009" cy="598586"/>
-            </a:xfrm>
-            <a:prstGeom prst="rect">
-              <a:avLst/>
-            </a:prstGeom>
-            <a:noFill/>
-            <a:extLst>
-              <a:ext uri="{909E8E84-426E-40DD-AFC4-6F175D3DCCD1}">
-                <a14:hiddenFill xmlns:a14="http://schemas.microsoft.com/office/drawing/2010/main">
-                  <a:solidFill>
-                    <a:srgbClr val="FFFFFF"/>
-                  </a:solidFill>
-                </a14:hiddenFill>
-              </a:ext>
-            </a:extLst>
-          </p:spPr>
-        </p:pic>
-      </p:grpSp>
       <p:cxnSp>
         <p:nvCxnSpPr>
-          <p:cNvPr id="30" name="Straight Arrow Connector 29"/>
+          <p:cNvPr id="19" name="Straight Arrow Connector 18"/>
           <p:cNvCxnSpPr>
-            <a:stCxn id="4" idx="3"/>
-            <a:endCxn id="28" idx="1"/>
+            <a:stCxn id="3" idx="0"/>
+            <a:endCxn id="4" idx="2"/>
           </p:cNvCxnSpPr>
           <p:nvPr/>
         </p:nvCxnSpPr>
         <p:spPr>
-          <a:xfrm>
-            <a:off x="4696877" y="1448889"/>
-            <a:ext cx="307171" cy="353"/>
+          <a:xfrm flipV="1">
+            <a:off x="4693000" y="5155340"/>
+            <a:ext cx="0" cy="937956"/>
           </a:xfrm>
           <a:prstGeom prst="straightConnector1">
             <a:avLst/>
@@ -15553,65 +15641,19 @@
           </a:fontRef>
         </p:style>
       </p:cxnSp>
-      <p:sp>
-        <p:nvSpPr>
-          <p:cNvPr id="35" name="Rectangle 34"/>
-          <p:cNvSpPr/>
-          <p:nvPr/>
-        </p:nvSpPr>
-        <p:spPr>
-          <a:xfrm>
-            <a:off x="5018697" y="3184450"/>
-            <a:ext cx="4032448" cy="2980854"/>
-          </a:xfrm>
-          <a:prstGeom prst="rect">
-            <a:avLst/>
-          </a:prstGeom>
-          <a:noFill/>
-          <a:ln>
-            <a:solidFill>
-              <a:schemeClr val="tx1"/>
-            </a:solidFill>
-          </a:ln>
-        </p:spPr>
-        <p:style>
-          <a:lnRef idx="2">
-            <a:schemeClr val="accent1">
-              <a:shade val="50000"/>
-            </a:schemeClr>
-          </a:lnRef>
-          <a:fillRef idx="1">
-            <a:schemeClr val="accent1"/>
-          </a:fillRef>
-          <a:effectRef idx="0">
-            <a:schemeClr val="accent1"/>
-          </a:effectRef>
-          <a:fontRef idx="minor">
-            <a:schemeClr val="lt1"/>
-          </a:fontRef>
-        </p:style>
-        <p:txBody>
-          <a:bodyPr rtlCol="0" anchor="ctr"/>
-          <a:lstStyle/>
-          <a:p>
-            <a:pPr algn="ctr"/>
-            <a:endParaRPr lang="en-US"/>
-          </a:p>
-        </p:txBody>
-      </p:sp>
       <p:cxnSp>
         <p:nvCxnSpPr>
-          <p:cNvPr id="36" name="Straight Arrow Connector 35"/>
+          <p:cNvPr id="22" name="Straight Arrow Connector 21"/>
           <p:cNvCxnSpPr>
-            <a:stCxn id="20" idx="3"/>
-            <a:endCxn id="35" idx="1"/>
+            <a:stCxn id="4" idx="0"/>
+            <a:endCxn id="17" idx="2"/>
           </p:cNvCxnSpPr>
           <p:nvPr/>
         </p:nvCxnSpPr>
         <p:spPr>
-          <a:xfrm>
-            <a:off x="4730821" y="4674877"/>
-            <a:ext cx="287876" cy="0"/>
+          <a:xfrm flipV="1">
+            <a:off x="4693000" y="3634226"/>
+            <a:ext cx="0" cy="1162926"/>
           </a:xfrm>
           <a:prstGeom prst="straightConnector1">
             <a:avLst/>
@@ -15638,88 +15680,51 @@
           </a:fontRef>
         </p:style>
       </p:cxnSp>
-      <p:cxnSp>
-        <p:nvCxnSpPr>
-          <p:cNvPr id="40" name="Elbow Connector 39"/>
-          <p:cNvCxnSpPr>
-            <a:stCxn id="3" idx="2"/>
-            <a:endCxn id="20" idx="1"/>
-          </p:cNvCxnSpPr>
+      <p:pic>
+        <p:nvPicPr>
+          <p:cNvPr id="1026" name="Picture 2" descr="RÃ©sultat de recherche d'images pour &quot;server icon&quot;"/>
+          <p:cNvPicPr>
+            <a:picLocks noChangeAspect="1" noChangeArrowheads="1"/>
+          </p:cNvPicPr>
           <p:nvPr/>
-        </p:nvCxnSpPr>
-        <p:spPr>
-          <a:xfrm rot="16200000" flipH="1">
-            <a:off x="1308920" y="3124238"/>
-            <a:ext cx="1534837" cy="1566440"/>
+        </p:nvPicPr>
+        <p:blipFill>
+          <a:blip r:embed="rId6">
+            <a:extLst>
+              <a:ext uri="{28A0092B-C50C-407E-A947-70E740481C1C}">
+                <a14:useLocalDpi xmlns:a14="http://schemas.microsoft.com/office/drawing/2010/main" val="0"/>
+              </a:ext>
+            </a:extLst>
+          </a:blip>
+          <a:srcRect/>
+          <a:stretch>
+            <a:fillRect/>
+          </a:stretch>
+        </p:blipFill>
+        <p:spPr bwMode="auto">
+          <a:xfrm>
+            <a:off x="2298676" y="5715744"/>
+            <a:ext cx="1142256" cy="1142256"/>
           </a:xfrm>
-          <a:prstGeom prst="bentConnector2">
+          <a:prstGeom prst="rect">
             <a:avLst/>
           </a:prstGeom>
-          <a:ln>
-            <a:solidFill>
-              <a:schemeClr val="tx1"/>
-            </a:solidFill>
-            <a:tailEnd type="arrow"/>
-          </a:ln>
+          <a:noFill/>
+          <a:extLst>
+            <a:ext uri="{909E8E84-426E-40DD-AFC4-6F175D3DCCD1}">
+              <a14:hiddenFill xmlns:a14="http://schemas.microsoft.com/office/drawing/2010/main">
+                <a:solidFill>
+                  <a:srgbClr val="FFFFFF"/>
+                </a:solidFill>
+              </a14:hiddenFill>
+            </a:ext>
+          </a:extLst>
         </p:spPr>
-        <p:style>
-          <a:lnRef idx="1">
-            <a:schemeClr val="accent1"/>
-          </a:lnRef>
-          <a:fillRef idx="0">
-            <a:schemeClr val="accent1"/>
-          </a:fillRef>
-          <a:effectRef idx="0">
-            <a:schemeClr val="accent1"/>
-          </a:effectRef>
-          <a:fontRef idx="minor">
-            <a:schemeClr val="tx1"/>
-          </a:fontRef>
-        </p:style>
-      </p:cxnSp>
-      <p:cxnSp>
-        <p:nvCxnSpPr>
-          <p:cNvPr id="41" name="Elbow Connector 40"/>
-          <p:cNvCxnSpPr>
-            <a:stCxn id="3" idx="0"/>
-            <a:endCxn id="4" idx="1"/>
-          </p:cNvCxnSpPr>
-          <p:nvPr/>
-        </p:nvCxnSpPr>
-        <p:spPr>
-          <a:xfrm rot="5400000" flipH="1" flipV="1">
-            <a:off x="1392885" y="1349123"/>
-            <a:ext cx="1332963" cy="1532496"/>
-          </a:xfrm>
-          <a:prstGeom prst="bentConnector2">
-            <a:avLst/>
-          </a:prstGeom>
-          <a:ln>
-            <a:solidFill>
-              <a:schemeClr val="tx1"/>
-            </a:solidFill>
-            <a:tailEnd type="arrow"/>
-          </a:ln>
-        </p:spPr>
-        <p:style>
-          <a:lnRef idx="1">
-            <a:schemeClr val="accent1"/>
-          </a:lnRef>
-          <a:fillRef idx="0">
-            <a:schemeClr val="accent1"/>
-          </a:fillRef>
-          <a:effectRef idx="0">
-            <a:schemeClr val="accent1"/>
-          </a:effectRef>
-          <a:fontRef idx="minor">
-            <a:schemeClr val="tx1"/>
-          </a:fontRef>
-        </p:style>
-      </p:cxnSp>
+      </p:pic>
     </p:spTree>
     <p:extLst>
       <p:ext uri="{BB962C8B-B14F-4D97-AF65-F5344CB8AC3E}">
-        <p14:creationId xmlns:p14="http://schemas.microsoft.com/office/powerpoint/2010/main" val="2577268319"/>
+        <p14:creationId xmlns:p14="http://schemas.microsoft.com/office/powerpoint/2010/main" val="137723791"/>
       </p:ext>
     </p:extLst>
   </p:cSld>
